--- a/Iteration 1/Iteration 1 Presentation.pptx
+++ b/Iteration 1/Iteration 1 Presentation.pptx
@@ -1,46 +1,51 @@
 
 <file path=ppt/presentation.xml><?xml version="1.0" encoding="utf-8"?>
-<p:presentation xmlns:a="http://schemas.openxmlformats.org/drawingml/2006/main" xmlns:r="http://schemas.openxmlformats.org/officeDocument/2006/relationships" xmlns:mc="http://schemas.openxmlformats.org/markup-compatibility/2006" xmlns:mv="urn:schemas-microsoft-com:mac:vml" xmlns:p="http://schemas.openxmlformats.org/presentationml/2006/main" xmlns:c="http://schemas.openxmlformats.org/drawingml/2006/chart" xmlns:dgm="http://schemas.openxmlformats.org/drawingml/2006/diagram" xmlns:o="urn:schemas-microsoft-com:office:office" xmlns:v="urn:schemas-microsoft-com:vml" xmlns:pvml="urn:schemas-microsoft-com:office:powerpoint" xmlns:com="http://schemas.openxmlformats.org/drawingml/2006/compatibility" xmlns:p14="http://schemas.microsoft.com/office/powerpoint/2010/main" xmlns:p15="http://schemas.microsoft.com/office/powerpoint/2012/main" xmlns:ahyp="http://schemas.microsoft.com/office/drawing/2018/hyperlinkcolor" autoCompressPictures="0" embedTrueTypeFonts="1" strictFirstAndLastChars="0" saveSubsetFonts="1">
+<p:presentation xmlns:a="http://schemas.openxmlformats.org/drawingml/2006/main" xmlns:r="http://schemas.openxmlformats.org/officeDocument/2006/relationships" xmlns:p="http://schemas.openxmlformats.org/presentationml/2006/main" strictFirstAndLastChars="0" embedTrueTypeFonts="1" saveSubsetFonts="1" autoCompressPictures="0">
   <p:sldMasterIdLst>
-    <p:sldMasterId id="2147483659" r:id="rId4"/>
+    <p:sldMasterId id="2147483659" r:id="rId1"/>
   </p:sldMasterIdLst>
   <p:notesMasterIdLst>
-    <p:notesMasterId r:id="rId5"/>
+    <p:notesMasterId r:id="rId19"/>
   </p:notesMasterIdLst>
   <p:sldIdLst>
-    <p:sldId id="256" r:id="rId6"/>
-    <p:sldId id="257" r:id="rId7"/>
-    <p:sldId id="258" r:id="rId8"/>
-    <p:sldId id="259" r:id="rId9"/>
-    <p:sldId id="260" r:id="rId10"/>
-    <p:sldId id="261" r:id="rId11"/>
-    <p:sldId id="262" r:id="rId12"/>
-    <p:sldId id="263" r:id="rId13"/>
-    <p:sldId id="264" r:id="rId14"/>
-    <p:sldId id="265" r:id="rId15"/>
-    <p:sldId id="266" r:id="rId16"/>
-    <p:sldId id="267" r:id="rId17"/>
+    <p:sldId id="256" r:id="rId2"/>
+    <p:sldId id="257" r:id="rId3"/>
+    <p:sldId id="258" r:id="rId4"/>
+    <p:sldId id="259" r:id="rId5"/>
+    <p:sldId id="260" r:id="rId6"/>
+    <p:sldId id="261" r:id="rId7"/>
+    <p:sldId id="262" r:id="rId8"/>
+    <p:sldId id="263" r:id="rId9"/>
+    <p:sldId id="264" r:id="rId10"/>
+    <p:sldId id="272" r:id="rId11"/>
+    <p:sldId id="265" r:id="rId12"/>
+    <p:sldId id="270" r:id="rId13"/>
+    <p:sldId id="271" r:id="rId14"/>
+    <p:sldId id="266" r:id="rId15"/>
+    <p:sldId id="268" r:id="rId16"/>
+    <p:sldId id="269" r:id="rId17"/>
+    <p:sldId id="267" r:id="rId18"/>
   </p:sldIdLst>
-  <p:sldSz cy="5143500" cx="9144000"/>
+  <p:sldSz cx="9144000" cy="5143500" type="screen16x9"/>
   <p:notesSz cx="6858000" cy="9144000"/>
   <p:embeddedFontLst>
     <p:embeddedFont>
-      <p:font typeface="Raleway"/>
-      <p:regular r:id="rId18"/>
-      <p:bold r:id="rId19"/>
-      <p:italic r:id="rId20"/>
-      <p:boldItalic r:id="rId21"/>
+      <p:font typeface="Lato" panose="020B0604020202020204" charset="0"/>
+      <p:regular r:id="rId20"/>
+      <p:bold r:id="rId21"/>
+      <p:italic r:id="rId22"/>
+      <p:boldItalic r:id="rId23"/>
     </p:embeddedFont>
     <p:embeddedFont>
-      <p:font typeface="Lato"/>
-      <p:regular r:id="rId22"/>
-      <p:bold r:id="rId23"/>
-      <p:italic r:id="rId24"/>
-      <p:boldItalic r:id="rId25"/>
+      <p:font typeface="Raleway" panose="020B0604020202020204" charset="0"/>
+      <p:regular r:id="rId24"/>
+      <p:bold r:id="rId25"/>
+      <p:italic r:id="rId26"/>
+      <p:boldItalic r:id="rId27"/>
     </p:embeddedFont>
   </p:embeddedFontLst>
   <p:defaultTextStyle>
-    <a:defPPr lvl="0" marR="0" rtl="0" algn="l">
+    <a:defPPr marR="0" lvl="0" algn="l" rtl="0">
       <a:lnSpc>
         <a:spcPct val="100000"/>
       </a:lnSpc>
@@ -51,7 +56,7 @@
         <a:spcPts val="0"/>
       </a:spcAft>
     </a:defPPr>
-    <a:lvl1pPr lvl="0" marR="0" rtl="0" algn="l">
+    <a:lvl1pPr marR="0" lvl="0" algn="l" rtl="0">
       <a:lnSpc>
         <a:spcPct val="100000"/>
       </a:lnSpc>
@@ -65,7 +70,7 @@
         <a:srgbClr val="000000"/>
       </a:buClr>
       <a:buFont typeface="Arial"/>
-      <a:defRPr b="0" i="0" sz="1400" u="none" cap="none" strike="noStrike">
+      <a:defRPr sz="1400" b="0" i="0" u="none" strike="noStrike" cap="none">
         <a:solidFill>
           <a:srgbClr val="000000"/>
         </a:solidFill>
@@ -75,7 +80,7 @@
         <a:sym typeface="Arial"/>
       </a:defRPr>
     </a:lvl1pPr>
-    <a:lvl2pPr lvl="1" marR="0" rtl="0" algn="l">
+    <a:lvl2pPr marR="0" lvl="1" algn="l" rtl="0">
       <a:lnSpc>
         <a:spcPct val="100000"/>
       </a:lnSpc>
@@ -89,7 +94,7 @@
         <a:srgbClr val="000000"/>
       </a:buClr>
       <a:buFont typeface="Arial"/>
-      <a:defRPr b="0" i="0" sz="1400" u="none" cap="none" strike="noStrike">
+      <a:defRPr sz="1400" b="0" i="0" u="none" strike="noStrike" cap="none">
         <a:solidFill>
           <a:srgbClr val="000000"/>
         </a:solidFill>
@@ -99,7 +104,7 @@
         <a:sym typeface="Arial"/>
       </a:defRPr>
     </a:lvl2pPr>
-    <a:lvl3pPr lvl="2" marR="0" rtl="0" algn="l">
+    <a:lvl3pPr marR="0" lvl="2" algn="l" rtl="0">
       <a:lnSpc>
         <a:spcPct val="100000"/>
       </a:lnSpc>
@@ -113,7 +118,7 @@
         <a:srgbClr val="000000"/>
       </a:buClr>
       <a:buFont typeface="Arial"/>
-      <a:defRPr b="0" i="0" sz="1400" u="none" cap="none" strike="noStrike">
+      <a:defRPr sz="1400" b="0" i="0" u="none" strike="noStrike" cap="none">
         <a:solidFill>
           <a:srgbClr val="000000"/>
         </a:solidFill>
@@ -123,7 +128,7 @@
         <a:sym typeface="Arial"/>
       </a:defRPr>
     </a:lvl3pPr>
-    <a:lvl4pPr lvl="3" marR="0" rtl="0" algn="l">
+    <a:lvl4pPr marR="0" lvl="3" algn="l" rtl="0">
       <a:lnSpc>
         <a:spcPct val="100000"/>
       </a:lnSpc>
@@ -137,7 +142,7 @@
         <a:srgbClr val="000000"/>
       </a:buClr>
       <a:buFont typeface="Arial"/>
-      <a:defRPr b="0" i="0" sz="1400" u="none" cap="none" strike="noStrike">
+      <a:defRPr sz="1400" b="0" i="0" u="none" strike="noStrike" cap="none">
         <a:solidFill>
           <a:srgbClr val="000000"/>
         </a:solidFill>
@@ -147,7 +152,7 @@
         <a:sym typeface="Arial"/>
       </a:defRPr>
     </a:lvl4pPr>
-    <a:lvl5pPr lvl="4" marR="0" rtl="0" algn="l">
+    <a:lvl5pPr marR="0" lvl="4" algn="l" rtl="0">
       <a:lnSpc>
         <a:spcPct val="100000"/>
       </a:lnSpc>
@@ -161,7 +166,7 @@
         <a:srgbClr val="000000"/>
       </a:buClr>
       <a:buFont typeface="Arial"/>
-      <a:defRPr b="0" i="0" sz="1400" u="none" cap="none" strike="noStrike">
+      <a:defRPr sz="1400" b="0" i="0" u="none" strike="noStrike" cap="none">
         <a:solidFill>
           <a:srgbClr val="000000"/>
         </a:solidFill>
@@ -171,7 +176,7 @@
         <a:sym typeface="Arial"/>
       </a:defRPr>
     </a:lvl5pPr>
-    <a:lvl6pPr lvl="5" marR="0" rtl="0" algn="l">
+    <a:lvl6pPr marR="0" lvl="5" algn="l" rtl="0">
       <a:lnSpc>
         <a:spcPct val="100000"/>
       </a:lnSpc>
@@ -185,7 +190,7 @@
         <a:srgbClr val="000000"/>
       </a:buClr>
       <a:buFont typeface="Arial"/>
-      <a:defRPr b="0" i="0" sz="1400" u="none" cap="none" strike="noStrike">
+      <a:defRPr sz="1400" b="0" i="0" u="none" strike="noStrike" cap="none">
         <a:solidFill>
           <a:srgbClr val="000000"/>
         </a:solidFill>
@@ -195,7 +200,7 @@
         <a:sym typeface="Arial"/>
       </a:defRPr>
     </a:lvl6pPr>
-    <a:lvl7pPr lvl="6" marR="0" rtl="0" algn="l">
+    <a:lvl7pPr marR="0" lvl="6" algn="l" rtl="0">
       <a:lnSpc>
         <a:spcPct val="100000"/>
       </a:lnSpc>
@@ -209,7 +214,7 @@
         <a:srgbClr val="000000"/>
       </a:buClr>
       <a:buFont typeface="Arial"/>
-      <a:defRPr b="0" i="0" sz="1400" u="none" cap="none" strike="noStrike">
+      <a:defRPr sz="1400" b="0" i="0" u="none" strike="noStrike" cap="none">
         <a:solidFill>
           <a:srgbClr val="000000"/>
         </a:solidFill>
@@ -219,7 +224,7 @@
         <a:sym typeface="Arial"/>
       </a:defRPr>
     </a:lvl7pPr>
-    <a:lvl8pPr lvl="7" marR="0" rtl="0" algn="l">
+    <a:lvl8pPr marR="0" lvl="7" algn="l" rtl="0">
       <a:lnSpc>
         <a:spcPct val="100000"/>
       </a:lnSpc>
@@ -233,7 +238,7 @@
         <a:srgbClr val="000000"/>
       </a:buClr>
       <a:buFont typeface="Arial"/>
-      <a:defRPr b="0" i="0" sz="1400" u="none" cap="none" strike="noStrike">
+      <a:defRPr sz="1400" b="0" i="0" u="none" strike="noStrike" cap="none">
         <a:solidFill>
           <a:srgbClr val="000000"/>
         </a:solidFill>
@@ -243,7 +248,7 @@
         <a:sym typeface="Arial"/>
       </a:defRPr>
     </a:lvl8pPr>
-    <a:lvl9pPr lvl="8" marR="0" rtl="0" algn="l">
+    <a:lvl9pPr marR="0" lvl="8" algn="l" rtl="0">
       <a:lnSpc>
         <a:spcPct val="100000"/>
       </a:lnSpc>
@@ -257,7 +262,7 @@
         <a:srgbClr val="000000"/>
       </a:buClr>
       <a:buFont typeface="Arial"/>
-      <a:defRPr b="0" i="0" sz="1400" u="none" cap="none" strike="noStrike">
+      <a:defRPr sz="1400" b="0" i="0" u="none" strike="noStrike" cap="none">
         <a:solidFill>
           <a:srgbClr val="000000"/>
         </a:solidFill>
@@ -270,7 +275,7 @@
   </p:defaultTextStyle>
   <p:extLst>
     <p:ext uri="{EFAFB233-063F-42B5-8137-9DF3F51BA10A}">
-      <p15:sldGuideLst>
+      <p15:sldGuideLst xmlns:p15="http://schemas.microsoft.com/office/powerpoint/2012/main">
         <p15:guide id="1" orient="horz" pos="1620">
           <p15:clr>
             <a:srgbClr val="A4A3A4"/>
@@ -288,11 +293,16 @@
 </file>
 
 <file path=ppt/notesMasters/notesMaster1.xml><?xml version="1.0" encoding="utf-8"?>
-<p:notesMaster xmlns:a="http://schemas.openxmlformats.org/drawingml/2006/main" xmlns:r="http://schemas.openxmlformats.org/officeDocument/2006/relationships" xmlns:mc="http://schemas.openxmlformats.org/markup-compatibility/2006" xmlns:mv="urn:schemas-microsoft-com:mac:vml" xmlns:p="http://schemas.openxmlformats.org/presentationml/2006/main" xmlns:c="http://schemas.openxmlformats.org/drawingml/2006/chart" xmlns:dgm="http://schemas.openxmlformats.org/drawingml/2006/diagram" xmlns:o="urn:schemas-microsoft-com:office:office" xmlns:v="urn:schemas-microsoft-com:vml" xmlns:pvml="urn:schemas-microsoft-com:office:powerpoint" xmlns:com="http://schemas.openxmlformats.org/drawingml/2006/compatibility" xmlns:p14="http://schemas.microsoft.com/office/powerpoint/2010/main" xmlns:p15="http://schemas.microsoft.com/office/powerpoint/2012/main" xmlns:ahyp="http://schemas.microsoft.com/office/drawing/2018/hyperlinkcolor">
+<p:notesMaster xmlns:a="http://schemas.openxmlformats.org/drawingml/2006/main" xmlns:r="http://schemas.openxmlformats.org/officeDocument/2006/relationships" xmlns:p="http://schemas.openxmlformats.org/presentationml/2006/main">
   <p:cSld>
+    <p:bg>
+      <p:bgRef idx="1001">
+        <a:schemeClr val="bg1"/>
+      </p:bgRef>
+    </p:bg>
     <p:spTree>
       <p:nvGrpSpPr>
-        <p:cNvPr id="2" name="Shape 2"/>
+        <p:cNvPr id="1" name="Shape 2"/>
         <p:cNvGrpSpPr/>
         <p:nvPr/>
       </p:nvGrpSpPr>
@@ -307,9 +317,11 @@
       <p:sp>
         <p:nvSpPr>
           <p:cNvPr id="3" name="Google Shape;3;n"/>
-          <p:cNvSpPr/>
+          <p:cNvSpPr>
+            <a:spLocks noGrp="1" noRot="1" noChangeAspect="1"/>
+          </p:cNvSpPr>
           <p:nvPr>
-            <p:ph idx="2" type="sldImg"/>
+            <p:ph type="sldImg" idx="2"/>
           </p:nvPr>
         </p:nvSpPr>
         <p:spPr>
@@ -318,9 +330,13 @@
             <a:ext cx="6096075" cy="3429000"/>
           </a:xfrm>
           <a:custGeom>
-            <a:rect b="b" l="l" r="r" t="t"/>
+            <a:avLst/>
+            <a:gdLst/>
+            <a:ahLst/>
+            <a:cxnLst/>
+            <a:rect l="l" t="t" r="r" b="b"/>
             <a:pathLst>
-              <a:path extrusionOk="0" h="120000" w="120000">
+              <a:path w="120000" h="120000" extrusionOk="0">
                 <a:moveTo>
                   <a:pt x="0" y="0"/>
                 </a:moveTo>
@@ -338,23 +354,25 @@
             </a:pathLst>
           </a:custGeom>
           <a:noFill/>
-          <a:ln cap="flat" cmpd="sng" w="9525">
+          <a:ln w="9525" cap="flat" cmpd="sng">
             <a:solidFill>
               <a:srgbClr val="000000"/>
             </a:solidFill>
             <a:prstDash val="solid"/>
             <a:round/>
-            <a:headEnd len="sm" w="sm" type="none"/>
-            <a:tailEnd len="sm" w="sm" type="none"/>
+            <a:headEnd type="none" w="sm" len="sm"/>
+            <a:tailEnd type="none" w="sm" len="sm"/>
           </a:ln>
         </p:spPr>
       </p:sp>
       <p:sp>
         <p:nvSpPr>
           <p:cNvPr id="4" name="Google Shape;4;n"/>
-          <p:cNvSpPr txBox="1"/>
+          <p:cNvSpPr txBox="1">
+            <a:spLocks noGrp="1"/>
+          </p:cNvSpPr>
           <p:nvPr>
-            <p:ph idx="1" type="body"/>
+            <p:ph type="body" idx="1"/>
           </p:nvPr>
         </p:nvSpPr>
         <p:spPr>
@@ -371,11 +389,11 @@
           </a:ln>
         </p:spPr>
         <p:txBody>
-          <a:bodyPr anchorCtr="0" anchor="t" bIns="91425" lIns="91425" spcFirstLastPara="1" rIns="91425" wrap="square" tIns="91425">
+          <a:bodyPr spcFirstLastPara="1" wrap="square" lIns="91425" tIns="91425" rIns="91425" bIns="91425" anchor="t" anchorCtr="0">
             <a:noAutofit/>
           </a:bodyPr>
           <a:lstStyle>
-            <a:lvl1pPr indent="-298450" lvl="0" marL="457200">
+            <a:lvl1pPr marL="457200" lvl="0" indent="-298450">
               <a:spcBef>
                 <a:spcPts val="0"/>
               </a:spcBef>
@@ -386,7 +404,7 @@
               <a:buChar char="●"/>
               <a:defRPr sz="1100"/>
             </a:lvl1pPr>
-            <a:lvl2pPr indent="-298450" lvl="1" marL="914400">
+            <a:lvl2pPr marL="914400" lvl="1" indent="-298450">
               <a:spcBef>
                 <a:spcPts val="0"/>
               </a:spcBef>
@@ -397,7 +415,7 @@
               <a:buChar char="○"/>
               <a:defRPr sz="1100"/>
             </a:lvl2pPr>
-            <a:lvl3pPr indent="-298450" lvl="2" marL="1371600">
+            <a:lvl3pPr marL="1371600" lvl="2" indent="-298450">
               <a:spcBef>
                 <a:spcPts val="0"/>
               </a:spcBef>
@@ -408,7 +426,7 @@
               <a:buChar char="■"/>
               <a:defRPr sz="1100"/>
             </a:lvl3pPr>
-            <a:lvl4pPr indent="-298450" lvl="3" marL="1828800">
+            <a:lvl4pPr marL="1828800" lvl="3" indent="-298450">
               <a:spcBef>
                 <a:spcPts val="0"/>
               </a:spcBef>
@@ -419,7 +437,7 @@
               <a:buChar char="●"/>
               <a:defRPr sz="1100"/>
             </a:lvl4pPr>
-            <a:lvl5pPr indent="-298450" lvl="4" marL="2286000">
+            <a:lvl5pPr marL="2286000" lvl="4" indent="-298450">
               <a:spcBef>
                 <a:spcPts val="0"/>
               </a:spcBef>
@@ -430,7 +448,7 @@
               <a:buChar char="○"/>
               <a:defRPr sz="1100"/>
             </a:lvl5pPr>
-            <a:lvl6pPr indent="-298450" lvl="5" marL="2743200">
+            <a:lvl6pPr marL="2743200" lvl="5" indent="-298450">
               <a:spcBef>
                 <a:spcPts val="0"/>
               </a:spcBef>
@@ -441,7 +459,7 @@
               <a:buChar char="■"/>
               <a:defRPr sz="1100"/>
             </a:lvl6pPr>
-            <a:lvl7pPr indent="-298450" lvl="6" marL="3200400">
+            <a:lvl7pPr marL="3200400" lvl="6" indent="-298450">
               <a:spcBef>
                 <a:spcPts val="0"/>
               </a:spcBef>
@@ -452,7 +470,7 @@
               <a:buChar char="●"/>
               <a:defRPr sz="1100"/>
             </a:lvl7pPr>
-            <a:lvl8pPr indent="-298450" lvl="7" marL="3657600">
+            <a:lvl8pPr marL="3657600" lvl="7" indent="-298450">
               <a:spcBef>
                 <a:spcPts val="0"/>
               </a:spcBef>
@@ -463,7 +481,7 @@
               <a:buChar char="○"/>
               <a:defRPr sz="1100"/>
             </a:lvl8pPr>
-            <a:lvl9pPr indent="-298450" lvl="8" marL="4114800">
+            <a:lvl9pPr marL="4114800" lvl="8" indent="-298450">
               <a:spcBef>
                 <a:spcPts val="0"/>
               </a:spcBef>
@@ -475,14 +493,16 @@
               <a:defRPr sz="1100"/>
             </a:lvl9pPr>
           </a:lstStyle>
-          <a:p/>
+          <a:p>
+            <a:endParaRPr/>
+          </a:p>
         </p:txBody>
       </p:sp>
     </p:spTree>
   </p:cSld>
-  <p:clrMap accent1="accent1" accent2="accent2" accent3="accent3" accent4="accent4" accent5="accent5" accent6="accent6" bg1="lt1" bg2="dk2" tx1="dk1" tx2="lt2" folHlink="folHlink" hlink="hlink"/>
+  <p:clrMap bg1="lt1" tx1="dk1" bg2="dk2" tx2="lt2" accent1="accent1" accent2="accent2" accent3="accent3" accent4="accent4" accent5="accent5" accent6="accent6" hlink="hlink" folHlink="folHlink"/>
   <p:notesStyle>
-    <a:defPPr lvl="0" marR="0" rtl="0" algn="l">
+    <a:defPPr marR="0" lvl="0" algn="l" rtl="0">
       <a:lnSpc>
         <a:spcPct val="100000"/>
       </a:lnSpc>
@@ -493,7 +513,7 @@
         <a:spcPts val="0"/>
       </a:spcAft>
     </a:defPPr>
-    <a:lvl1pPr lvl="0" marR="0" rtl="0" algn="l">
+    <a:lvl1pPr marR="0" lvl="0" algn="l" rtl="0">
       <a:lnSpc>
         <a:spcPct val="100000"/>
       </a:lnSpc>
@@ -507,7 +527,7 @@
         <a:srgbClr val="000000"/>
       </a:buClr>
       <a:buFont typeface="Arial"/>
-      <a:defRPr b="0" i="0" sz="1400" u="none" cap="none" strike="noStrike">
+      <a:defRPr sz="1400" b="0" i="0" u="none" strike="noStrike" cap="none">
         <a:solidFill>
           <a:srgbClr val="000000"/>
         </a:solidFill>
@@ -517,7 +537,7 @@
         <a:sym typeface="Arial"/>
       </a:defRPr>
     </a:lvl1pPr>
-    <a:lvl2pPr lvl="1" marR="0" rtl="0" algn="l">
+    <a:lvl2pPr marR="0" lvl="1" algn="l" rtl="0">
       <a:lnSpc>
         <a:spcPct val="100000"/>
       </a:lnSpc>
@@ -531,7 +551,7 @@
         <a:srgbClr val="000000"/>
       </a:buClr>
       <a:buFont typeface="Arial"/>
-      <a:defRPr b="0" i="0" sz="1400" u="none" cap="none" strike="noStrike">
+      <a:defRPr sz="1400" b="0" i="0" u="none" strike="noStrike" cap="none">
         <a:solidFill>
           <a:srgbClr val="000000"/>
         </a:solidFill>
@@ -541,7 +561,7 @@
         <a:sym typeface="Arial"/>
       </a:defRPr>
     </a:lvl2pPr>
-    <a:lvl3pPr lvl="2" marR="0" rtl="0" algn="l">
+    <a:lvl3pPr marR="0" lvl="2" algn="l" rtl="0">
       <a:lnSpc>
         <a:spcPct val="100000"/>
       </a:lnSpc>
@@ -555,7 +575,7 @@
         <a:srgbClr val="000000"/>
       </a:buClr>
       <a:buFont typeface="Arial"/>
-      <a:defRPr b="0" i="0" sz="1400" u="none" cap="none" strike="noStrike">
+      <a:defRPr sz="1400" b="0" i="0" u="none" strike="noStrike" cap="none">
         <a:solidFill>
           <a:srgbClr val="000000"/>
         </a:solidFill>
@@ -565,7 +585,7 @@
         <a:sym typeface="Arial"/>
       </a:defRPr>
     </a:lvl3pPr>
-    <a:lvl4pPr lvl="3" marR="0" rtl="0" algn="l">
+    <a:lvl4pPr marR="0" lvl="3" algn="l" rtl="0">
       <a:lnSpc>
         <a:spcPct val="100000"/>
       </a:lnSpc>
@@ -579,7 +599,7 @@
         <a:srgbClr val="000000"/>
       </a:buClr>
       <a:buFont typeface="Arial"/>
-      <a:defRPr b="0" i="0" sz="1400" u="none" cap="none" strike="noStrike">
+      <a:defRPr sz="1400" b="0" i="0" u="none" strike="noStrike" cap="none">
         <a:solidFill>
           <a:srgbClr val="000000"/>
         </a:solidFill>
@@ -589,7 +609,7 @@
         <a:sym typeface="Arial"/>
       </a:defRPr>
     </a:lvl4pPr>
-    <a:lvl5pPr lvl="4" marR="0" rtl="0" algn="l">
+    <a:lvl5pPr marR="0" lvl="4" algn="l" rtl="0">
       <a:lnSpc>
         <a:spcPct val="100000"/>
       </a:lnSpc>
@@ -603,7 +623,7 @@
         <a:srgbClr val="000000"/>
       </a:buClr>
       <a:buFont typeface="Arial"/>
-      <a:defRPr b="0" i="0" sz="1400" u="none" cap="none" strike="noStrike">
+      <a:defRPr sz="1400" b="0" i="0" u="none" strike="noStrike" cap="none">
         <a:solidFill>
           <a:srgbClr val="000000"/>
         </a:solidFill>
@@ -613,7 +633,7 @@
         <a:sym typeface="Arial"/>
       </a:defRPr>
     </a:lvl5pPr>
-    <a:lvl6pPr lvl="5" marR="0" rtl="0" algn="l">
+    <a:lvl6pPr marR="0" lvl="5" algn="l" rtl="0">
       <a:lnSpc>
         <a:spcPct val="100000"/>
       </a:lnSpc>
@@ -627,7 +647,7 @@
         <a:srgbClr val="000000"/>
       </a:buClr>
       <a:buFont typeface="Arial"/>
-      <a:defRPr b="0" i="0" sz="1400" u="none" cap="none" strike="noStrike">
+      <a:defRPr sz="1400" b="0" i="0" u="none" strike="noStrike" cap="none">
         <a:solidFill>
           <a:srgbClr val="000000"/>
         </a:solidFill>
@@ -637,7 +657,7 @@
         <a:sym typeface="Arial"/>
       </a:defRPr>
     </a:lvl6pPr>
-    <a:lvl7pPr lvl="6" marR="0" rtl="0" algn="l">
+    <a:lvl7pPr marR="0" lvl="6" algn="l" rtl="0">
       <a:lnSpc>
         <a:spcPct val="100000"/>
       </a:lnSpc>
@@ -651,7 +671,7 @@
         <a:srgbClr val="000000"/>
       </a:buClr>
       <a:buFont typeface="Arial"/>
-      <a:defRPr b="0" i="0" sz="1400" u="none" cap="none" strike="noStrike">
+      <a:defRPr sz="1400" b="0" i="0" u="none" strike="noStrike" cap="none">
         <a:solidFill>
           <a:srgbClr val="000000"/>
         </a:solidFill>
@@ -661,7 +681,7 @@
         <a:sym typeface="Arial"/>
       </a:defRPr>
     </a:lvl7pPr>
-    <a:lvl8pPr lvl="7" marR="0" rtl="0" algn="l">
+    <a:lvl8pPr marR="0" lvl="7" algn="l" rtl="0">
       <a:lnSpc>
         <a:spcPct val="100000"/>
       </a:lnSpc>
@@ -675,7 +695,7 @@
         <a:srgbClr val="000000"/>
       </a:buClr>
       <a:buFont typeface="Arial"/>
-      <a:defRPr b="0" i="0" sz="1400" u="none" cap="none" strike="noStrike">
+      <a:defRPr sz="1400" b="0" i="0" u="none" strike="noStrike" cap="none">
         <a:solidFill>
           <a:srgbClr val="000000"/>
         </a:solidFill>
@@ -685,7 +705,7 @@
         <a:sym typeface="Arial"/>
       </a:defRPr>
     </a:lvl8pPr>
-    <a:lvl9pPr lvl="8" marR="0" rtl="0" algn="l">
+    <a:lvl9pPr marR="0" lvl="8" algn="l" rtl="0">
       <a:lnSpc>
         <a:spcPct val="100000"/>
       </a:lnSpc>
@@ -699,7 +719,7 @@
         <a:srgbClr val="000000"/>
       </a:buClr>
       <a:buFont typeface="Arial"/>
-      <a:defRPr b="0" i="0" sz="1400" u="none" cap="none" strike="noStrike">
+      <a:defRPr sz="1400" b="0" i="0" u="none" strike="noStrike" cap="none">
         <a:solidFill>
           <a:srgbClr val="000000"/>
         </a:solidFill>
@@ -714,11 +734,11 @@
 </file>
 
 <file path=ppt/notesSlides/notesSlide1.xml><?xml version="1.0" encoding="utf-8"?>
-<p:notes xmlns:a="http://schemas.openxmlformats.org/drawingml/2006/main" xmlns:r="http://schemas.openxmlformats.org/officeDocument/2006/relationships" xmlns:mc="http://schemas.openxmlformats.org/markup-compatibility/2006" xmlns:mv="urn:schemas-microsoft-com:mac:vml" xmlns:p="http://schemas.openxmlformats.org/presentationml/2006/main" xmlns:c="http://schemas.openxmlformats.org/drawingml/2006/chart" xmlns:dgm="http://schemas.openxmlformats.org/drawingml/2006/diagram" xmlns:o="urn:schemas-microsoft-com:office:office" xmlns:v="urn:schemas-microsoft-com:vml" xmlns:pvml="urn:schemas-microsoft-com:office:powerpoint" xmlns:com="http://schemas.openxmlformats.org/drawingml/2006/compatibility" xmlns:p14="http://schemas.microsoft.com/office/powerpoint/2010/main" xmlns:p15="http://schemas.microsoft.com/office/powerpoint/2012/main" xmlns:ahyp="http://schemas.microsoft.com/office/drawing/2018/hyperlinkcolor" showMasterPhAnim="0" showMasterSp="0">
+<p:notes xmlns:a="http://schemas.openxmlformats.org/drawingml/2006/main" xmlns:r="http://schemas.openxmlformats.org/officeDocument/2006/relationships" xmlns:p="http://schemas.openxmlformats.org/presentationml/2006/main" showMasterSp="0" showMasterPhAnim="0">
   <p:cSld>
     <p:spTree>
       <p:nvGrpSpPr>
-        <p:cNvPr id="82" name="Shape 82"/>
+        <p:cNvPr id="1" name="Shape 82"/>
         <p:cNvGrpSpPr/>
         <p:nvPr/>
       </p:nvGrpSpPr>
@@ -733,9 +753,11 @@
       <p:sp>
         <p:nvSpPr>
           <p:cNvPr id="83" name="Google Shape;83;p:notes"/>
-          <p:cNvSpPr/>
+          <p:cNvSpPr>
+            <a:spLocks noGrp="1" noRot="1" noChangeAspect="1"/>
+          </p:cNvSpPr>
           <p:nvPr>
-            <p:ph idx="2" type="sldImg"/>
+            <p:ph type="sldImg" idx="2"/>
           </p:nvPr>
         </p:nvSpPr>
         <p:spPr>
@@ -744,9 +766,13 @@
             <a:ext cx="6096075" cy="3429000"/>
           </a:xfrm>
           <a:custGeom>
-            <a:rect b="b" l="l" r="r" t="t"/>
+            <a:avLst/>
+            <a:gdLst/>
+            <a:ahLst/>
+            <a:cxnLst/>
+            <a:rect l="l" t="t" r="r" b="b"/>
             <a:pathLst>
-              <a:path extrusionOk="0" h="120000" w="120000">
+              <a:path w="120000" h="120000" extrusionOk="0">
                 <a:moveTo>
                   <a:pt x="0" y="0"/>
                 </a:moveTo>
@@ -768,9 +794,11 @@
       <p:sp>
         <p:nvSpPr>
           <p:cNvPr id="84" name="Google Shape;84;p:notes"/>
-          <p:cNvSpPr txBox="1"/>
+          <p:cNvSpPr txBox="1">
+            <a:spLocks noGrp="1"/>
+          </p:cNvSpPr>
           <p:nvPr>
-            <p:ph idx="1" type="body"/>
+            <p:ph type="body" idx="1"/>
           </p:nvPr>
         </p:nvSpPr>
         <p:spPr>
@@ -783,12 +811,12 @@
           </a:prstGeom>
         </p:spPr>
         <p:txBody>
-          <a:bodyPr anchorCtr="0" anchor="t" bIns="91425" lIns="91425" spcFirstLastPara="1" rIns="91425" wrap="square" tIns="91425">
+          <a:bodyPr spcFirstLastPara="1" wrap="square" lIns="91425" tIns="91425" rIns="91425" bIns="91425" anchor="t" anchorCtr="0">
             <a:noAutofit/>
           </a:bodyPr>
           <a:lstStyle/>
           <a:p>
-            <a:pPr indent="0" lvl="0" marL="0" rtl="0" algn="l">
+            <a:pPr marL="0" lvl="0" indent="0" algn="l" rtl="0">
               <a:spcBef>
                 <a:spcPts val="0"/>
               </a:spcBef>
@@ -797,9 +825,6 @@
               </a:spcAft>
               <a:buNone/>
             </a:pPr>
-            <a:r>
-              <a:t/>
-            </a:r>
             <a:endParaRPr/>
           </a:p>
         </p:txBody>
@@ -813,11 +838,11 @@
 </file>
 
 <file path=ppt/notesSlides/notesSlide10.xml><?xml version="1.0" encoding="utf-8"?>
-<p:notes xmlns:a="http://schemas.openxmlformats.org/drawingml/2006/main" xmlns:r="http://schemas.openxmlformats.org/officeDocument/2006/relationships" xmlns:mc="http://schemas.openxmlformats.org/markup-compatibility/2006" xmlns:mv="urn:schemas-microsoft-com:mac:vml" xmlns:p="http://schemas.openxmlformats.org/presentationml/2006/main" xmlns:c="http://schemas.openxmlformats.org/drawingml/2006/chart" xmlns:dgm="http://schemas.openxmlformats.org/drawingml/2006/diagram" xmlns:o="urn:schemas-microsoft-com:office:office" xmlns:v="urn:schemas-microsoft-com:vml" xmlns:pvml="urn:schemas-microsoft-com:office:powerpoint" xmlns:com="http://schemas.openxmlformats.org/drawingml/2006/compatibility" xmlns:p14="http://schemas.microsoft.com/office/powerpoint/2010/main" xmlns:p15="http://schemas.microsoft.com/office/powerpoint/2012/main" xmlns:ahyp="http://schemas.microsoft.com/office/drawing/2018/hyperlinkcolor" showMasterPhAnim="0" showMasterSp="0">
+<p:notes xmlns:a="http://schemas.openxmlformats.org/drawingml/2006/main" xmlns:r="http://schemas.openxmlformats.org/officeDocument/2006/relationships" xmlns:p="http://schemas.openxmlformats.org/presentationml/2006/main" showMasterSp="0" showMasterPhAnim="0">
   <p:cSld>
     <p:spTree>
       <p:nvGrpSpPr>
-        <p:cNvPr id="138" name="Shape 138"/>
+        <p:cNvPr id="1" name="Shape 138"/>
         <p:cNvGrpSpPr/>
         <p:nvPr/>
       </p:nvGrpSpPr>
@@ -832,20 +857,26 @@
       <p:sp>
         <p:nvSpPr>
           <p:cNvPr id="139" name="Google Shape;139;gc38fd138e9_3_25:notes"/>
-          <p:cNvSpPr/>
+          <p:cNvSpPr>
+            <a:spLocks noGrp="1" noRot="1" noChangeAspect="1"/>
+          </p:cNvSpPr>
           <p:nvPr>
-            <p:ph idx="2" type="sldImg"/>
+            <p:ph type="sldImg" idx="2"/>
           </p:nvPr>
         </p:nvSpPr>
         <p:spPr>
           <a:xfrm>
-            <a:off x="381300" y="685800"/>
+            <a:off x="381000" y="685800"/>
             <a:ext cx="6096000" cy="3429000"/>
           </a:xfrm>
           <a:custGeom>
-            <a:rect b="b" l="l" r="r" t="t"/>
+            <a:avLst/>
+            <a:gdLst/>
+            <a:ahLst/>
+            <a:cxnLst/>
+            <a:rect l="l" t="t" r="r" b="b"/>
             <a:pathLst>
-              <a:path extrusionOk="0" h="120000" w="120000">
+              <a:path w="120000" h="120000" extrusionOk="0">
                 <a:moveTo>
                   <a:pt x="0" y="0"/>
                 </a:moveTo>
@@ -867,9 +898,11 @@
       <p:sp>
         <p:nvSpPr>
           <p:cNvPr id="140" name="Google Shape;140;gc38fd138e9_3_25:notes"/>
-          <p:cNvSpPr txBox="1"/>
+          <p:cNvSpPr txBox="1">
+            <a:spLocks noGrp="1"/>
+          </p:cNvSpPr>
           <p:nvPr>
-            <p:ph idx="1" type="body"/>
+            <p:ph type="body" idx="1"/>
           </p:nvPr>
         </p:nvSpPr>
         <p:spPr>
@@ -882,12 +915,12 @@
           </a:prstGeom>
         </p:spPr>
         <p:txBody>
-          <a:bodyPr anchorCtr="0" anchor="t" bIns="91425" lIns="91425" spcFirstLastPara="1" rIns="91425" wrap="square" tIns="91425">
+          <a:bodyPr spcFirstLastPara="1" wrap="square" lIns="91425" tIns="91425" rIns="91425" bIns="91425" anchor="t" anchorCtr="0">
             <a:noAutofit/>
           </a:bodyPr>
           <a:lstStyle/>
           <a:p>
-            <a:pPr indent="0" lvl="0" marL="0" rtl="0" algn="l">
+            <a:pPr marL="0" lvl="0" indent="0" algn="l" rtl="0">
               <a:spcBef>
                 <a:spcPts val="0"/>
               </a:spcBef>
@@ -896,9 +929,6 @@
               </a:spcAft>
               <a:buNone/>
             </a:pPr>
-            <a:r>
-              <a:t/>
-            </a:r>
             <a:endParaRPr/>
           </a:p>
         </p:txBody>
@@ -912,11 +942,11 @@
 </file>
 
 <file path=ppt/notesSlides/notesSlide11.xml><?xml version="1.0" encoding="utf-8"?>
-<p:notes xmlns:a="http://schemas.openxmlformats.org/drawingml/2006/main" xmlns:r="http://schemas.openxmlformats.org/officeDocument/2006/relationships" xmlns:mc="http://schemas.openxmlformats.org/markup-compatibility/2006" xmlns:mv="urn:schemas-microsoft-com:mac:vml" xmlns:p="http://schemas.openxmlformats.org/presentationml/2006/main" xmlns:c="http://schemas.openxmlformats.org/drawingml/2006/chart" xmlns:dgm="http://schemas.openxmlformats.org/drawingml/2006/diagram" xmlns:o="urn:schemas-microsoft-com:office:office" xmlns:v="urn:schemas-microsoft-com:vml" xmlns:pvml="urn:schemas-microsoft-com:office:powerpoint" xmlns:com="http://schemas.openxmlformats.org/drawingml/2006/compatibility" xmlns:p14="http://schemas.microsoft.com/office/powerpoint/2010/main" xmlns:p15="http://schemas.microsoft.com/office/powerpoint/2012/main" xmlns:ahyp="http://schemas.microsoft.com/office/drawing/2018/hyperlinkcolor" showMasterPhAnim="0" showMasterSp="0">
+<p:notes xmlns:a="http://schemas.openxmlformats.org/drawingml/2006/main" xmlns:r="http://schemas.openxmlformats.org/officeDocument/2006/relationships" xmlns:p="http://schemas.openxmlformats.org/presentationml/2006/main" showMasterSp="0" showMasterPhAnim="0">
   <p:cSld>
     <p:spTree>
       <p:nvGrpSpPr>
-        <p:cNvPr id="144" name="Shape 144"/>
+        <p:cNvPr id="1" name="Shape 144"/>
         <p:cNvGrpSpPr/>
         <p:nvPr/>
       </p:nvGrpSpPr>
@@ -931,9 +961,11 @@
       <p:sp>
         <p:nvSpPr>
           <p:cNvPr id="145" name="Google Shape;145;gc38fd138e9_3_36:notes"/>
-          <p:cNvSpPr/>
+          <p:cNvSpPr>
+            <a:spLocks noGrp="1" noRot="1" noChangeAspect="1"/>
+          </p:cNvSpPr>
           <p:nvPr>
-            <p:ph idx="2" type="sldImg"/>
+            <p:ph type="sldImg" idx="2"/>
           </p:nvPr>
         </p:nvSpPr>
         <p:spPr>
@@ -942,9 +974,13 @@
             <a:ext cx="6096000" cy="3429000"/>
           </a:xfrm>
           <a:custGeom>
-            <a:rect b="b" l="l" r="r" t="t"/>
+            <a:avLst/>
+            <a:gdLst/>
+            <a:ahLst/>
+            <a:cxnLst/>
+            <a:rect l="l" t="t" r="r" b="b"/>
             <a:pathLst>
-              <a:path extrusionOk="0" h="120000" w="120000">
+              <a:path w="120000" h="120000" extrusionOk="0">
                 <a:moveTo>
                   <a:pt x="0" y="0"/>
                 </a:moveTo>
@@ -966,9 +1002,11 @@
       <p:sp>
         <p:nvSpPr>
           <p:cNvPr id="146" name="Google Shape;146;gc38fd138e9_3_36:notes"/>
-          <p:cNvSpPr txBox="1"/>
+          <p:cNvSpPr txBox="1">
+            <a:spLocks noGrp="1"/>
+          </p:cNvSpPr>
           <p:nvPr>
-            <p:ph idx="1" type="body"/>
+            <p:ph type="body" idx="1"/>
           </p:nvPr>
         </p:nvSpPr>
         <p:spPr>
@@ -981,12 +1019,12 @@
           </a:prstGeom>
         </p:spPr>
         <p:txBody>
-          <a:bodyPr anchorCtr="0" anchor="t" bIns="91425" lIns="91425" spcFirstLastPara="1" rIns="91425" wrap="square" tIns="91425">
+          <a:bodyPr spcFirstLastPara="1" wrap="square" lIns="91425" tIns="91425" rIns="91425" bIns="91425" anchor="t" anchorCtr="0">
             <a:noAutofit/>
           </a:bodyPr>
           <a:lstStyle/>
           <a:p>
-            <a:pPr indent="0" lvl="0" marL="0" rtl="0" algn="l">
+            <a:pPr marL="0" lvl="0" indent="0" algn="l" rtl="0">
               <a:spcBef>
                 <a:spcPts val="0"/>
               </a:spcBef>
@@ -995,9 +1033,6 @@
               </a:spcAft>
               <a:buNone/>
             </a:pPr>
-            <a:r>
-              <a:t/>
-            </a:r>
             <a:endParaRPr/>
           </a:p>
         </p:txBody>
@@ -1011,11 +1046,11 @@
 </file>
 
 <file path=ppt/notesSlides/notesSlide12.xml><?xml version="1.0" encoding="utf-8"?>
-<p:notes xmlns:a="http://schemas.openxmlformats.org/drawingml/2006/main" xmlns:r="http://schemas.openxmlformats.org/officeDocument/2006/relationships" xmlns:mc="http://schemas.openxmlformats.org/markup-compatibility/2006" xmlns:mv="urn:schemas-microsoft-com:mac:vml" xmlns:p="http://schemas.openxmlformats.org/presentationml/2006/main" xmlns:c="http://schemas.openxmlformats.org/drawingml/2006/chart" xmlns:dgm="http://schemas.openxmlformats.org/drawingml/2006/diagram" xmlns:o="urn:schemas-microsoft-com:office:office" xmlns:v="urn:schemas-microsoft-com:vml" xmlns:pvml="urn:schemas-microsoft-com:office:powerpoint" xmlns:com="http://schemas.openxmlformats.org/drawingml/2006/compatibility" xmlns:p14="http://schemas.microsoft.com/office/powerpoint/2010/main" xmlns:p15="http://schemas.microsoft.com/office/powerpoint/2012/main" xmlns:ahyp="http://schemas.microsoft.com/office/drawing/2018/hyperlinkcolor" showMasterPhAnim="0" showMasterSp="0">
+<p:notes xmlns:a="http://schemas.openxmlformats.org/drawingml/2006/main" xmlns:r="http://schemas.openxmlformats.org/officeDocument/2006/relationships" xmlns:p="http://schemas.openxmlformats.org/presentationml/2006/main" showMasterSp="0" showMasterPhAnim="0">
   <p:cSld>
     <p:spTree>
       <p:nvGrpSpPr>
-        <p:cNvPr id="151" name="Shape 151"/>
+        <p:cNvPr id="1" name="Shape 151"/>
         <p:cNvGrpSpPr/>
         <p:nvPr/>
       </p:nvGrpSpPr>
@@ -1030,9 +1065,11 @@
       <p:sp>
         <p:nvSpPr>
           <p:cNvPr id="152" name="Google Shape;152;gc38fd138e9_2_25:notes"/>
-          <p:cNvSpPr/>
+          <p:cNvSpPr>
+            <a:spLocks noGrp="1" noRot="1" noChangeAspect="1"/>
+          </p:cNvSpPr>
           <p:nvPr>
-            <p:ph idx="2" type="sldImg"/>
+            <p:ph type="sldImg" idx="2"/>
           </p:nvPr>
         </p:nvSpPr>
         <p:spPr>
@@ -1041,9 +1078,13 @@
             <a:ext cx="6096000" cy="3429000"/>
           </a:xfrm>
           <a:custGeom>
-            <a:rect b="b" l="l" r="r" t="t"/>
+            <a:avLst/>
+            <a:gdLst/>
+            <a:ahLst/>
+            <a:cxnLst/>
+            <a:rect l="l" t="t" r="r" b="b"/>
             <a:pathLst>
-              <a:path extrusionOk="0" h="120000" w="120000">
+              <a:path w="120000" h="120000" extrusionOk="0">
                 <a:moveTo>
                   <a:pt x="0" y="0"/>
                 </a:moveTo>
@@ -1065,9 +1106,11 @@
       <p:sp>
         <p:nvSpPr>
           <p:cNvPr id="153" name="Google Shape;153;gc38fd138e9_2_25:notes"/>
-          <p:cNvSpPr txBox="1"/>
+          <p:cNvSpPr txBox="1">
+            <a:spLocks noGrp="1"/>
+          </p:cNvSpPr>
           <p:nvPr>
-            <p:ph idx="1" type="body"/>
+            <p:ph type="body" idx="1"/>
           </p:nvPr>
         </p:nvSpPr>
         <p:spPr>
@@ -1080,12 +1123,12 @@
           </a:prstGeom>
         </p:spPr>
         <p:txBody>
-          <a:bodyPr anchorCtr="0" anchor="t" bIns="91425" lIns="91425" spcFirstLastPara="1" rIns="91425" wrap="square" tIns="91425">
+          <a:bodyPr spcFirstLastPara="1" wrap="square" lIns="91425" tIns="91425" rIns="91425" bIns="91425" anchor="t" anchorCtr="0">
             <a:noAutofit/>
           </a:bodyPr>
           <a:lstStyle/>
           <a:p>
-            <a:pPr indent="0" lvl="0" marL="0" rtl="0" algn="l">
+            <a:pPr marL="0" lvl="0" indent="0" algn="l" rtl="0">
               <a:spcBef>
                 <a:spcPts val="0"/>
               </a:spcBef>
@@ -1094,9 +1137,6 @@
               </a:spcAft>
               <a:buNone/>
             </a:pPr>
-            <a:r>
-              <a:t/>
-            </a:r>
             <a:endParaRPr/>
           </a:p>
         </p:txBody>
@@ -1110,11 +1150,11 @@
 </file>
 
 <file path=ppt/notesSlides/notesSlide2.xml><?xml version="1.0" encoding="utf-8"?>
-<p:notes xmlns:a="http://schemas.openxmlformats.org/drawingml/2006/main" xmlns:r="http://schemas.openxmlformats.org/officeDocument/2006/relationships" xmlns:mc="http://schemas.openxmlformats.org/markup-compatibility/2006" xmlns:mv="urn:schemas-microsoft-com:mac:vml" xmlns:p="http://schemas.openxmlformats.org/presentationml/2006/main" xmlns:c="http://schemas.openxmlformats.org/drawingml/2006/chart" xmlns:dgm="http://schemas.openxmlformats.org/drawingml/2006/diagram" xmlns:o="urn:schemas-microsoft-com:office:office" xmlns:v="urn:schemas-microsoft-com:vml" xmlns:pvml="urn:schemas-microsoft-com:office:powerpoint" xmlns:com="http://schemas.openxmlformats.org/drawingml/2006/compatibility" xmlns:p14="http://schemas.microsoft.com/office/powerpoint/2010/main" xmlns:p15="http://schemas.microsoft.com/office/powerpoint/2012/main" xmlns:ahyp="http://schemas.microsoft.com/office/drawing/2018/hyperlinkcolor" showMasterPhAnim="0" showMasterSp="0">
+<p:notes xmlns:a="http://schemas.openxmlformats.org/drawingml/2006/main" xmlns:r="http://schemas.openxmlformats.org/officeDocument/2006/relationships" xmlns:p="http://schemas.openxmlformats.org/presentationml/2006/main" showMasterSp="0" showMasterPhAnim="0">
   <p:cSld>
     <p:spTree>
       <p:nvGrpSpPr>
-        <p:cNvPr id="88" name="Shape 88"/>
+        <p:cNvPr id="1" name="Shape 88"/>
         <p:cNvGrpSpPr/>
         <p:nvPr/>
       </p:nvGrpSpPr>
@@ -1129,9 +1169,11 @@
       <p:sp>
         <p:nvSpPr>
           <p:cNvPr id="89" name="Google Shape;89;gc38fd138e9_2_20:notes"/>
-          <p:cNvSpPr/>
+          <p:cNvSpPr>
+            <a:spLocks noGrp="1" noRot="1" noChangeAspect="1"/>
+          </p:cNvSpPr>
           <p:nvPr>
-            <p:ph idx="2" type="sldImg"/>
+            <p:ph type="sldImg" idx="2"/>
           </p:nvPr>
         </p:nvSpPr>
         <p:spPr>
@@ -1140,9 +1182,13 @@
             <a:ext cx="6096000" cy="3429000"/>
           </a:xfrm>
           <a:custGeom>
-            <a:rect b="b" l="l" r="r" t="t"/>
+            <a:avLst/>
+            <a:gdLst/>
+            <a:ahLst/>
+            <a:cxnLst/>
+            <a:rect l="l" t="t" r="r" b="b"/>
             <a:pathLst>
-              <a:path extrusionOk="0" h="120000" w="120000">
+              <a:path w="120000" h="120000" extrusionOk="0">
                 <a:moveTo>
                   <a:pt x="0" y="0"/>
                 </a:moveTo>
@@ -1164,9 +1210,11 @@
       <p:sp>
         <p:nvSpPr>
           <p:cNvPr id="90" name="Google Shape;90;gc38fd138e9_2_20:notes"/>
-          <p:cNvSpPr txBox="1"/>
+          <p:cNvSpPr txBox="1">
+            <a:spLocks noGrp="1"/>
+          </p:cNvSpPr>
           <p:nvPr>
-            <p:ph idx="1" type="body"/>
+            <p:ph type="body" idx="1"/>
           </p:nvPr>
         </p:nvSpPr>
         <p:spPr>
@@ -1179,12 +1227,12 @@
           </a:prstGeom>
         </p:spPr>
         <p:txBody>
-          <a:bodyPr anchorCtr="0" anchor="t" bIns="91425" lIns="91425" spcFirstLastPara="1" rIns="91425" wrap="square" tIns="91425">
+          <a:bodyPr spcFirstLastPara="1" wrap="square" lIns="91425" tIns="91425" rIns="91425" bIns="91425" anchor="t" anchorCtr="0">
             <a:noAutofit/>
           </a:bodyPr>
           <a:lstStyle/>
           <a:p>
-            <a:pPr indent="0" lvl="0" marL="0" rtl="0" algn="l">
+            <a:pPr marL="0" lvl="0" indent="0" algn="l" rtl="0">
               <a:spcBef>
                 <a:spcPts val="0"/>
               </a:spcBef>
@@ -1193,9 +1241,6 @@
               </a:spcAft>
               <a:buNone/>
             </a:pPr>
-            <a:r>
-              <a:t/>
-            </a:r>
             <a:endParaRPr/>
           </a:p>
         </p:txBody>
@@ -1209,11 +1254,11 @@
 </file>
 
 <file path=ppt/notesSlides/notesSlide3.xml><?xml version="1.0" encoding="utf-8"?>
-<p:notes xmlns:a="http://schemas.openxmlformats.org/drawingml/2006/main" xmlns:r="http://schemas.openxmlformats.org/officeDocument/2006/relationships" xmlns:mc="http://schemas.openxmlformats.org/markup-compatibility/2006" xmlns:mv="urn:schemas-microsoft-com:mac:vml" xmlns:p="http://schemas.openxmlformats.org/presentationml/2006/main" xmlns:c="http://schemas.openxmlformats.org/drawingml/2006/chart" xmlns:dgm="http://schemas.openxmlformats.org/drawingml/2006/diagram" xmlns:o="urn:schemas-microsoft-com:office:office" xmlns:v="urn:schemas-microsoft-com:vml" xmlns:pvml="urn:schemas-microsoft-com:office:powerpoint" xmlns:com="http://schemas.openxmlformats.org/drawingml/2006/compatibility" xmlns:p14="http://schemas.microsoft.com/office/powerpoint/2010/main" xmlns:p15="http://schemas.microsoft.com/office/powerpoint/2012/main" xmlns:ahyp="http://schemas.microsoft.com/office/drawing/2018/hyperlinkcolor" showMasterPhAnim="0" showMasterSp="0">
+<p:notes xmlns:a="http://schemas.openxmlformats.org/drawingml/2006/main" xmlns:r="http://schemas.openxmlformats.org/officeDocument/2006/relationships" xmlns:p="http://schemas.openxmlformats.org/presentationml/2006/main" showMasterSp="0" showMasterPhAnim="0">
   <p:cSld>
     <p:spTree>
       <p:nvGrpSpPr>
-        <p:cNvPr id="94" name="Shape 94"/>
+        <p:cNvPr id="1" name="Shape 94"/>
         <p:cNvGrpSpPr/>
         <p:nvPr/>
       </p:nvGrpSpPr>
@@ -1228,9 +1273,11 @@
       <p:sp>
         <p:nvSpPr>
           <p:cNvPr id="95" name="Google Shape;95;gc38fd138e9_1_122:notes"/>
-          <p:cNvSpPr/>
+          <p:cNvSpPr>
+            <a:spLocks noGrp="1" noRot="1" noChangeAspect="1"/>
+          </p:cNvSpPr>
           <p:nvPr>
-            <p:ph idx="2" type="sldImg"/>
+            <p:ph type="sldImg" idx="2"/>
           </p:nvPr>
         </p:nvSpPr>
         <p:spPr>
@@ -1239,9 +1286,13 @@
             <a:ext cx="6096000" cy="3429000"/>
           </a:xfrm>
           <a:custGeom>
-            <a:rect b="b" l="l" r="r" t="t"/>
+            <a:avLst/>
+            <a:gdLst/>
+            <a:ahLst/>
+            <a:cxnLst/>
+            <a:rect l="l" t="t" r="r" b="b"/>
             <a:pathLst>
-              <a:path extrusionOk="0" h="120000" w="120000">
+              <a:path w="120000" h="120000" extrusionOk="0">
                 <a:moveTo>
                   <a:pt x="0" y="0"/>
                 </a:moveTo>
@@ -1263,9 +1314,11 @@
       <p:sp>
         <p:nvSpPr>
           <p:cNvPr id="96" name="Google Shape;96;gc38fd138e9_1_122:notes"/>
-          <p:cNvSpPr txBox="1"/>
+          <p:cNvSpPr txBox="1">
+            <a:spLocks noGrp="1"/>
+          </p:cNvSpPr>
           <p:nvPr>
-            <p:ph idx="1" type="body"/>
+            <p:ph type="body" idx="1"/>
           </p:nvPr>
         </p:nvSpPr>
         <p:spPr>
@@ -1278,12 +1331,12 @@
           </a:prstGeom>
         </p:spPr>
         <p:txBody>
-          <a:bodyPr anchorCtr="0" anchor="t" bIns="91425" lIns="91425" spcFirstLastPara="1" rIns="91425" wrap="square" tIns="91425">
+          <a:bodyPr spcFirstLastPara="1" wrap="square" lIns="91425" tIns="91425" rIns="91425" bIns="91425" anchor="t" anchorCtr="0">
             <a:noAutofit/>
           </a:bodyPr>
           <a:lstStyle/>
           <a:p>
-            <a:pPr indent="0" lvl="0" marL="0" rtl="0" algn="l">
+            <a:pPr marL="0" lvl="0" indent="0" algn="l" rtl="0">
               <a:spcBef>
                 <a:spcPts val="0"/>
               </a:spcBef>
@@ -1292,9 +1345,6 @@
               </a:spcAft>
               <a:buNone/>
             </a:pPr>
-            <a:r>
-              <a:t/>
-            </a:r>
             <a:endParaRPr/>
           </a:p>
         </p:txBody>
@@ -1308,11 +1358,11 @@
 </file>
 
 <file path=ppt/notesSlides/notesSlide4.xml><?xml version="1.0" encoding="utf-8"?>
-<p:notes xmlns:a="http://schemas.openxmlformats.org/drawingml/2006/main" xmlns:r="http://schemas.openxmlformats.org/officeDocument/2006/relationships" xmlns:mc="http://schemas.openxmlformats.org/markup-compatibility/2006" xmlns:mv="urn:schemas-microsoft-com:mac:vml" xmlns:p="http://schemas.openxmlformats.org/presentationml/2006/main" xmlns:c="http://schemas.openxmlformats.org/drawingml/2006/chart" xmlns:dgm="http://schemas.openxmlformats.org/drawingml/2006/diagram" xmlns:o="urn:schemas-microsoft-com:office:office" xmlns:v="urn:schemas-microsoft-com:vml" xmlns:pvml="urn:schemas-microsoft-com:office:powerpoint" xmlns:com="http://schemas.openxmlformats.org/drawingml/2006/compatibility" xmlns:p14="http://schemas.microsoft.com/office/powerpoint/2010/main" xmlns:p15="http://schemas.microsoft.com/office/powerpoint/2012/main" xmlns:ahyp="http://schemas.microsoft.com/office/drawing/2018/hyperlinkcolor" showMasterPhAnim="0" showMasterSp="0">
+<p:notes xmlns:a="http://schemas.openxmlformats.org/drawingml/2006/main" xmlns:r="http://schemas.openxmlformats.org/officeDocument/2006/relationships" xmlns:p="http://schemas.openxmlformats.org/presentationml/2006/main" showMasterSp="0" showMasterPhAnim="0">
   <p:cSld>
     <p:spTree>
       <p:nvGrpSpPr>
-        <p:cNvPr id="100" name="Shape 100"/>
+        <p:cNvPr id="1" name="Shape 100"/>
         <p:cNvGrpSpPr/>
         <p:nvPr/>
       </p:nvGrpSpPr>
@@ -1327,9 +1377,11 @@
       <p:sp>
         <p:nvSpPr>
           <p:cNvPr id="101" name="Google Shape;101;gc38fd138e9_3_2:notes"/>
-          <p:cNvSpPr/>
+          <p:cNvSpPr>
+            <a:spLocks noGrp="1" noRot="1" noChangeAspect="1"/>
+          </p:cNvSpPr>
           <p:nvPr>
-            <p:ph idx="2" type="sldImg"/>
+            <p:ph type="sldImg" idx="2"/>
           </p:nvPr>
         </p:nvSpPr>
         <p:spPr>
@@ -1338,9 +1390,13 @@
             <a:ext cx="6096000" cy="3429000"/>
           </a:xfrm>
           <a:custGeom>
-            <a:rect b="b" l="l" r="r" t="t"/>
+            <a:avLst/>
+            <a:gdLst/>
+            <a:ahLst/>
+            <a:cxnLst/>
+            <a:rect l="l" t="t" r="r" b="b"/>
             <a:pathLst>
-              <a:path extrusionOk="0" h="120000" w="120000">
+              <a:path w="120000" h="120000" extrusionOk="0">
                 <a:moveTo>
                   <a:pt x="0" y="0"/>
                 </a:moveTo>
@@ -1362,9 +1418,11 @@
       <p:sp>
         <p:nvSpPr>
           <p:cNvPr id="102" name="Google Shape;102;gc38fd138e9_3_2:notes"/>
-          <p:cNvSpPr txBox="1"/>
+          <p:cNvSpPr txBox="1">
+            <a:spLocks noGrp="1"/>
+          </p:cNvSpPr>
           <p:nvPr>
-            <p:ph idx="1" type="body"/>
+            <p:ph type="body" idx="1"/>
           </p:nvPr>
         </p:nvSpPr>
         <p:spPr>
@@ -1377,12 +1435,12 @@
           </a:prstGeom>
         </p:spPr>
         <p:txBody>
-          <a:bodyPr anchorCtr="0" anchor="t" bIns="91425" lIns="91425" spcFirstLastPara="1" rIns="91425" wrap="square" tIns="91425">
+          <a:bodyPr spcFirstLastPara="1" wrap="square" lIns="91425" tIns="91425" rIns="91425" bIns="91425" anchor="t" anchorCtr="0">
             <a:noAutofit/>
           </a:bodyPr>
           <a:lstStyle/>
           <a:p>
-            <a:pPr indent="0" lvl="0" marL="0" rtl="0" algn="l">
+            <a:pPr marL="0" lvl="0" indent="0" algn="l" rtl="0">
               <a:spcBef>
                 <a:spcPts val="0"/>
               </a:spcBef>
@@ -1391,9 +1449,6 @@
               </a:spcAft>
               <a:buNone/>
             </a:pPr>
-            <a:r>
-              <a:t/>
-            </a:r>
             <a:endParaRPr/>
           </a:p>
         </p:txBody>
@@ -1407,11 +1462,11 @@
 </file>
 
 <file path=ppt/notesSlides/notesSlide5.xml><?xml version="1.0" encoding="utf-8"?>
-<p:notes xmlns:a="http://schemas.openxmlformats.org/drawingml/2006/main" xmlns:r="http://schemas.openxmlformats.org/officeDocument/2006/relationships" xmlns:mc="http://schemas.openxmlformats.org/markup-compatibility/2006" xmlns:mv="urn:schemas-microsoft-com:mac:vml" xmlns:p="http://schemas.openxmlformats.org/presentationml/2006/main" xmlns:c="http://schemas.openxmlformats.org/drawingml/2006/chart" xmlns:dgm="http://schemas.openxmlformats.org/drawingml/2006/diagram" xmlns:o="urn:schemas-microsoft-com:office:office" xmlns:v="urn:schemas-microsoft-com:vml" xmlns:pvml="urn:schemas-microsoft-com:office:powerpoint" xmlns:com="http://schemas.openxmlformats.org/drawingml/2006/compatibility" xmlns:p14="http://schemas.microsoft.com/office/powerpoint/2010/main" xmlns:p15="http://schemas.microsoft.com/office/powerpoint/2012/main" xmlns:ahyp="http://schemas.microsoft.com/office/drawing/2018/hyperlinkcolor" showMasterPhAnim="0" showMasterSp="0">
+<p:notes xmlns:a="http://schemas.openxmlformats.org/drawingml/2006/main" xmlns:r="http://schemas.openxmlformats.org/officeDocument/2006/relationships" xmlns:p="http://schemas.openxmlformats.org/presentationml/2006/main" showMasterSp="0" showMasterPhAnim="0">
   <p:cSld>
     <p:spTree>
       <p:nvGrpSpPr>
-        <p:cNvPr id="106" name="Shape 106"/>
+        <p:cNvPr id="1" name="Shape 106"/>
         <p:cNvGrpSpPr/>
         <p:nvPr/>
       </p:nvGrpSpPr>
@@ -1426,9 +1481,11 @@
       <p:sp>
         <p:nvSpPr>
           <p:cNvPr id="107" name="Google Shape;107;gc38fd138e9_2_0:notes"/>
-          <p:cNvSpPr/>
+          <p:cNvSpPr>
+            <a:spLocks noGrp="1" noRot="1" noChangeAspect="1"/>
+          </p:cNvSpPr>
           <p:nvPr>
-            <p:ph idx="2" type="sldImg"/>
+            <p:ph type="sldImg" idx="2"/>
           </p:nvPr>
         </p:nvSpPr>
         <p:spPr>
@@ -1437,9 +1494,13 @@
             <a:ext cx="6096000" cy="3429000"/>
           </a:xfrm>
           <a:custGeom>
-            <a:rect b="b" l="l" r="r" t="t"/>
+            <a:avLst/>
+            <a:gdLst/>
+            <a:ahLst/>
+            <a:cxnLst/>
+            <a:rect l="l" t="t" r="r" b="b"/>
             <a:pathLst>
-              <a:path extrusionOk="0" h="120000" w="120000">
+              <a:path w="120000" h="120000" extrusionOk="0">
                 <a:moveTo>
                   <a:pt x="0" y="0"/>
                 </a:moveTo>
@@ -1461,9 +1522,11 @@
       <p:sp>
         <p:nvSpPr>
           <p:cNvPr id="108" name="Google Shape;108;gc38fd138e9_2_0:notes"/>
-          <p:cNvSpPr txBox="1"/>
+          <p:cNvSpPr txBox="1">
+            <a:spLocks noGrp="1"/>
+          </p:cNvSpPr>
           <p:nvPr>
-            <p:ph idx="1" type="body"/>
+            <p:ph type="body" idx="1"/>
           </p:nvPr>
         </p:nvSpPr>
         <p:spPr>
@@ -1476,12 +1539,12 @@
           </a:prstGeom>
         </p:spPr>
         <p:txBody>
-          <a:bodyPr anchorCtr="0" anchor="t" bIns="91425" lIns="91425" spcFirstLastPara="1" rIns="91425" wrap="square" tIns="91425">
+          <a:bodyPr spcFirstLastPara="1" wrap="square" lIns="91425" tIns="91425" rIns="91425" bIns="91425" anchor="t" anchorCtr="0">
             <a:noAutofit/>
           </a:bodyPr>
           <a:lstStyle/>
           <a:p>
-            <a:pPr indent="0" lvl="0" marL="0" rtl="0" algn="l">
+            <a:pPr marL="0" lvl="0" indent="0" algn="l" rtl="0">
               <a:spcBef>
                 <a:spcPts val="0"/>
               </a:spcBef>
@@ -1490,9 +1553,6 @@
               </a:spcAft>
               <a:buNone/>
             </a:pPr>
-            <a:r>
-              <a:t/>
-            </a:r>
             <a:endParaRPr/>
           </a:p>
         </p:txBody>
@@ -1506,11 +1566,11 @@
 </file>
 
 <file path=ppt/notesSlides/notesSlide6.xml><?xml version="1.0" encoding="utf-8"?>
-<p:notes xmlns:a="http://schemas.openxmlformats.org/drawingml/2006/main" xmlns:r="http://schemas.openxmlformats.org/officeDocument/2006/relationships" xmlns:mc="http://schemas.openxmlformats.org/markup-compatibility/2006" xmlns:mv="urn:schemas-microsoft-com:mac:vml" xmlns:p="http://schemas.openxmlformats.org/presentationml/2006/main" xmlns:c="http://schemas.openxmlformats.org/drawingml/2006/chart" xmlns:dgm="http://schemas.openxmlformats.org/drawingml/2006/diagram" xmlns:o="urn:schemas-microsoft-com:office:office" xmlns:v="urn:schemas-microsoft-com:vml" xmlns:pvml="urn:schemas-microsoft-com:office:powerpoint" xmlns:com="http://schemas.openxmlformats.org/drawingml/2006/compatibility" xmlns:p14="http://schemas.microsoft.com/office/powerpoint/2010/main" xmlns:p15="http://schemas.microsoft.com/office/powerpoint/2012/main" xmlns:ahyp="http://schemas.microsoft.com/office/drawing/2018/hyperlinkcolor" showMasterPhAnim="0" showMasterSp="0">
+<p:notes xmlns:a="http://schemas.openxmlformats.org/drawingml/2006/main" xmlns:r="http://schemas.openxmlformats.org/officeDocument/2006/relationships" xmlns:p="http://schemas.openxmlformats.org/presentationml/2006/main" showMasterSp="0" showMasterPhAnim="0">
   <p:cSld>
     <p:spTree>
       <p:nvGrpSpPr>
-        <p:cNvPr id="112" name="Shape 112"/>
+        <p:cNvPr id="1" name="Shape 112"/>
         <p:cNvGrpSpPr/>
         <p:nvPr/>
       </p:nvGrpSpPr>
@@ -1525,9 +1585,11 @@
       <p:sp>
         <p:nvSpPr>
           <p:cNvPr id="113" name="Google Shape;113;gc38fd138e9_2_5:notes"/>
-          <p:cNvSpPr/>
+          <p:cNvSpPr>
+            <a:spLocks noGrp="1" noRot="1" noChangeAspect="1"/>
+          </p:cNvSpPr>
           <p:nvPr>
-            <p:ph idx="2" type="sldImg"/>
+            <p:ph type="sldImg" idx="2"/>
           </p:nvPr>
         </p:nvSpPr>
         <p:spPr>
@@ -1536,9 +1598,13 @@
             <a:ext cx="6096000" cy="3429000"/>
           </a:xfrm>
           <a:custGeom>
-            <a:rect b="b" l="l" r="r" t="t"/>
+            <a:avLst/>
+            <a:gdLst/>
+            <a:ahLst/>
+            <a:cxnLst/>
+            <a:rect l="l" t="t" r="r" b="b"/>
             <a:pathLst>
-              <a:path extrusionOk="0" h="120000" w="120000">
+              <a:path w="120000" h="120000" extrusionOk="0">
                 <a:moveTo>
                   <a:pt x="0" y="0"/>
                 </a:moveTo>
@@ -1560,9 +1626,11 @@
       <p:sp>
         <p:nvSpPr>
           <p:cNvPr id="114" name="Google Shape;114;gc38fd138e9_2_5:notes"/>
-          <p:cNvSpPr txBox="1"/>
+          <p:cNvSpPr txBox="1">
+            <a:spLocks noGrp="1"/>
+          </p:cNvSpPr>
           <p:nvPr>
-            <p:ph idx="1" type="body"/>
+            <p:ph type="body" idx="1"/>
           </p:nvPr>
         </p:nvSpPr>
         <p:spPr>
@@ -1575,12 +1643,12 @@
           </a:prstGeom>
         </p:spPr>
         <p:txBody>
-          <a:bodyPr anchorCtr="0" anchor="t" bIns="91425" lIns="91425" spcFirstLastPara="1" rIns="91425" wrap="square" tIns="91425">
+          <a:bodyPr spcFirstLastPara="1" wrap="square" lIns="91425" tIns="91425" rIns="91425" bIns="91425" anchor="t" anchorCtr="0">
             <a:noAutofit/>
           </a:bodyPr>
           <a:lstStyle/>
           <a:p>
-            <a:pPr indent="0" lvl="0" marL="0" rtl="0" algn="l">
+            <a:pPr marL="0" lvl="0" indent="0" algn="l" rtl="0">
               <a:spcBef>
                 <a:spcPts val="0"/>
               </a:spcBef>
@@ -1589,9 +1657,6 @@
               </a:spcAft>
               <a:buNone/>
             </a:pPr>
-            <a:r>
-              <a:t/>
-            </a:r>
             <a:endParaRPr/>
           </a:p>
         </p:txBody>
@@ -1605,11 +1670,11 @@
 </file>
 
 <file path=ppt/notesSlides/notesSlide7.xml><?xml version="1.0" encoding="utf-8"?>
-<p:notes xmlns:a="http://schemas.openxmlformats.org/drawingml/2006/main" xmlns:r="http://schemas.openxmlformats.org/officeDocument/2006/relationships" xmlns:mc="http://schemas.openxmlformats.org/markup-compatibility/2006" xmlns:mv="urn:schemas-microsoft-com:mac:vml" xmlns:p="http://schemas.openxmlformats.org/presentationml/2006/main" xmlns:c="http://schemas.openxmlformats.org/drawingml/2006/chart" xmlns:dgm="http://schemas.openxmlformats.org/drawingml/2006/diagram" xmlns:o="urn:schemas-microsoft-com:office:office" xmlns:v="urn:schemas-microsoft-com:vml" xmlns:pvml="urn:schemas-microsoft-com:office:powerpoint" xmlns:com="http://schemas.openxmlformats.org/drawingml/2006/compatibility" xmlns:p14="http://schemas.microsoft.com/office/powerpoint/2010/main" xmlns:p15="http://schemas.microsoft.com/office/powerpoint/2012/main" xmlns:ahyp="http://schemas.microsoft.com/office/drawing/2018/hyperlinkcolor" showMasterPhAnim="0" showMasterSp="0">
+<p:notes xmlns:a="http://schemas.openxmlformats.org/drawingml/2006/main" xmlns:r="http://schemas.openxmlformats.org/officeDocument/2006/relationships" xmlns:p="http://schemas.openxmlformats.org/presentationml/2006/main" showMasterSp="0" showMasterPhAnim="0">
   <p:cSld>
     <p:spTree>
       <p:nvGrpSpPr>
-        <p:cNvPr id="118" name="Shape 118"/>
+        <p:cNvPr id="1" name="Shape 118"/>
         <p:cNvGrpSpPr/>
         <p:nvPr/>
       </p:nvGrpSpPr>
@@ -1624,20 +1689,26 @@
       <p:sp>
         <p:nvSpPr>
           <p:cNvPr id="119" name="Google Shape;119;gc38fd138e9_2_10:notes"/>
-          <p:cNvSpPr/>
+          <p:cNvSpPr>
+            <a:spLocks noGrp="1" noRot="1" noChangeAspect="1"/>
+          </p:cNvSpPr>
           <p:nvPr>
-            <p:ph idx="2" type="sldImg"/>
+            <p:ph type="sldImg" idx="2"/>
           </p:nvPr>
         </p:nvSpPr>
         <p:spPr>
           <a:xfrm>
-            <a:off x="381300" y="685800"/>
+            <a:off x="381000" y="685800"/>
             <a:ext cx="6096000" cy="3429000"/>
           </a:xfrm>
           <a:custGeom>
-            <a:rect b="b" l="l" r="r" t="t"/>
+            <a:avLst/>
+            <a:gdLst/>
+            <a:ahLst/>
+            <a:cxnLst/>
+            <a:rect l="l" t="t" r="r" b="b"/>
             <a:pathLst>
-              <a:path extrusionOk="0" h="120000" w="120000">
+              <a:path w="120000" h="120000" extrusionOk="0">
                 <a:moveTo>
                   <a:pt x="0" y="0"/>
                 </a:moveTo>
@@ -1659,9 +1730,11 @@
       <p:sp>
         <p:nvSpPr>
           <p:cNvPr id="120" name="Google Shape;120;gc38fd138e9_2_10:notes"/>
-          <p:cNvSpPr txBox="1"/>
+          <p:cNvSpPr txBox="1">
+            <a:spLocks noGrp="1"/>
+          </p:cNvSpPr>
           <p:nvPr>
-            <p:ph idx="1" type="body"/>
+            <p:ph type="body" idx="1"/>
           </p:nvPr>
         </p:nvSpPr>
         <p:spPr>
@@ -1674,12 +1747,12 @@
           </a:prstGeom>
         </p:spPr>
         <p:txBody>
-          <a:bodyPr anchorCtr="0" anchor="t" bIns="91425" lIns="91425" spcFirstLastPara="1" rIns="91425" wrap="square" tIns="91425">
+          <a:bodyPr spcFirstLastPara="1" wrap="square" lIns="91425" tIns="91425" rIns="91425" bIns="91425" anchor="t" anchorCtr="0">
             <a:noAutofit/>
           </a:bodyPr>
           <a:lstStyle/>
           <a:p>
-            <a:pPr indent="0" lvl="0" marL="0" rtl="0" algn="l">
+            <a:pPr marL="0" lvl="0" indent="0" algn="l" rtl="0">
               <a:spcBef>
                 <a:spcPts val="0"/>
               </a:spcBef>
@@ -1688,9 +1761,6 @@
               </a:spcAft>
               <a:buNone/>
             </a:pPr>
-            <a:r>
-              <a:t/>
-            </a:r>
             <a:endParaRPr/>
           </a:p>
         </p:txBody>
@@ -1704,11 +1774,11 @@
 </file>
 
 <file path=ppt/notesSlides/notesSlide8.xml><?xml version="1.0" encoding="utf-8"?>
-<p:notes xmlns:a="http://schemas.openxmlformats.org/drawingml/2006/main" xmlns:r="http://schemas.openxmlformats.org/officeDocument/2006/relationships" xmlns:mc="http://schemas.openxmlformats.org/markup-compatibility/2006" xmlns:mv="urn:schemas-microsoft-com:mac:vml" xmlns:p="http://schemas.openxmlformats.org/presentationml/2006/main" xmlns:c="http://schemas.openxmlformats.org/drawingml/2006/chart" xmlns:dgm="http://schemas.openxmlformats.org/drawingml/2006/diagram" xmlns:o="urn:schemas-microsoft-com:office:office" xmlns:v="urn:schemas-microsoft-com:vml" xmlns:pvml="urn:schemas-microsoft-com:office:powerpoint" xmlns:com="http://schemas.openxmlformats.org/drawingml/2006/compatibility" xmlns:p14="http://schemas.microsoft.com/office/powerpoint/2010/main" xmlns:p15="http://schemas.microsoft.com/office/powerpoint/2012/main" xmlns:ahyp="http://schemas.microsoft.com/office/drawing/2018/hyperlinkcolor" showMasterPhAnim="0" showMasterSp="0">
+<p:notes xmlns:a="http://schemas.openxmlformats.org/drawingml/2006/main" xmlns:r="http://schemas.openxmlformats.org/officeDocument/2006/relationships" xmlns:p="http://schemas.openxmlformats.org/presentationml/2006/main" showMasterSp="0" showMasterPhAnim="0">
   <p:cSld>
     <p:spTree>
       <p:nvGrpSpPr>
-        <p:cNvPr id="124" name="Shape 124"/>
+        <p:cNvPr id="1" name="Shape 124"/>
         <p:cNvGrpSpPr/>
         <p:nvPr/>
       </p:nvGrpSpPr>
@@ -1723,9 +1793,11 @@
       <p:sp>
         <p:nvSpPr>
           <p:cNvPr id="125" name="Google Shape;125;gc38fd138e9_3_13:notes"/>
-          <p:cNvSpPr/>
+          <p:cNvSpPr>
+            <a:spLocks noGrp="1" noRot="1" noChangeAspect="1"/>
+          </p:cNvSpPr>
           <p:nvPr>
-            <p:ph idx="2" type="sldImg"/>
+            <p:ph type="sldImg" idx="2"/>
           </p:nvPr>
         </p:nvSpPr>
         <p:spPr>
@@ -1734,9 +1806,13 @@
             <a:ext cx="6096000" cy="3429000"/>
           </a:xfrm>
           <a:custGeom>
-            <a:rect b="b" l="l" r="r" t="t"/>
+            <a:avLst/>
+            <a:gdLst/>
+            <a:ahLst/>
+            <a:cxnLst/>
+            <a:rect l="l" t="t" r="r" b="b"/>
             <a:pathLst>
-              <a:path extrusionOk="0" h="120000" w="120000">
+              <a:path w="120000" h="120000" extrusionOk="0">
                 <a:moveTo>
                   <a:pt x="0" y="0"/>
                 </a:moveTo>
@@ -1758,9 +1834,11 @@
       <p:sp>
         <p:nvSpPr>
           <p:cNvPr id="126" name="Google Shape;126;gc38fd138e9_3_13:notes"/>
-          <p:cNvSpPr txBox="1"/>
+          <p:cNvSpPr txBox="1">
+            <a:spLocks noGrp="1"/>
+          </p:cNvSpPr>
           <p:nvPr>
-            <p:ph idx="1" type="body"/>
+            <p:ph type="body" idx="1"/>
           </p:nvPr>
         </p:nvSpPr>
         <p:spPr>
@@ -1773,12 +1851,12 @@
           </a:prstGeom>
         </p:spPr>
         <p:txBody>
-          <a:bodyPr anchorCtr="0" anchor="t" bIns="91425" lIns="91425" spcFirstLastPara="1" rIns="91425" wrap="square" tIns="91425">
+          <a:bodyPr spcFirstLastPara="1" wrap="square" lIns="91425" tIns="91425" rIns="91425" bIns="91425" anchor="t" anchorCtr="0">
             <a:noAutofit/>
           </a:bodyPr>
           <a:lstStyle/>
           <a:p>
-            <a:pPr indent="0" lvl="0" marL="0" rtl="0" algn="l">
+            <a:pPr marL="0" lvl="0" indent="0" algn="l" rtl="0">
               <a:spcBef>
                 <a:spcPts val="0"/>
               </a:spcBef>
@@ -1787,9 +1865,6 @@
               </a:spcAft>
               <a:buNone/>
             </a:pPr>
-            <a:r>
-              <a:t/>
-            </a:r>
             <a:endParaRPr/>
           </a:p>
         </p:txBody>
@@ -1803,11 +1878,11 @@
 </file>
 
 <file path=ppt/notesSlides/notesSlide9.xml><?xml version="1.0" encoding="utf-8"?>
-<p:notes xmlns:a="http://schemas.openxmlformats.org/drawingml/2006/main" xmlns:r="http://schemas.openxmlformats.org/officeDocument/2006/relationships" xmlns:mc="http://schemas.openxmlformats.org/markup-compatibility/2006" xmlns:mv="urn:schemas-microsoft-com:mac:vml" xmlns:p="http://schemas.openxmlformats.org/presentationml/2006/main" xmlns:c="http://schemas.openxmlformats.org/drawingml/2006/chart" xmlns:dgm="http://schemas.openxmlformats.org/drawingml/2006/diagram" xmlns:o="urn:schemas-microsoft-com:office:office" xmlns:v="urn:schemas-microsoft-com:vml" xmlns:pvml="urn:schemas-microsoft-com:office:powerpoint" xmlns:com="http://schemas.openxmlformats.org/drawingml/2006/compatibility" xmlns:p14="http://schemas.microsoft.com/office/powerpoint/2010/main" xmlns:p15="http://schemas.microsoft.com/office/powerpoint/2012/main" xmlns:ahyp="http://schemas.microsoft.com/office/drawing/2018/hyperlinkcolor" showMasterPhAnim="0" showMasterSp="0">
+<p:notes xmlns:a="http://schemas.openxmlformats.org/drawingml/2006/main" xmlns:r="http://schemas.openxmlformats.org/officeDocument/2006/relationships" xmlns:p="http://schemas.openxmlformats.org/presentationml/2006/main" showMasterSp="0" showMasterPhAnim="0">
   <p:cSld>
     <p:spTree>
       <p:nvGrpSpPr>
-        <p:cNvPr id="131" name="Shape 131"/>
+        <p:cNvPr id="1" name="Shape 131"/>
         <p:cNvGrpSpPr/>
         <p:nvPr/>
       </p:nvGrpSpPr>
@@ -1822,20 +1897,26 @@
       <p:sp>
         <p:nvSpPr>
           <p:cNvPr id="132" name="Google Shape;132;gc38fd138e9_3_20:notes"/>
-          <p:cNvSpPr/>
+          <p:cNvSpPr>
+            <a:spLocks noGrp="1" noRot="1" noChangeAspect="1"/>
+          </p:cNvSpPr>
           <p:nvPr>
-            <p:ph idx="2" type="sldImg"/>
+            <p:ph type="sldImg" idx="2"/>
           </p:nvPr>
         </p:nvSpPr>
         <p:spPr>
           <a:xfrm>
-            <a:off x="381300" y="685800"/>
+            <a:off x="381000" y="685800"/>
             <a:ext cx="6096000" cy="3429000"/>
           </a:xfrm>
           <a:custGeom>
-            <a:rect b="b" l="l" r="r" t="t"/>
+            <a:avLst/>
+            <a:gdLst/>
+            <a:ahLst/>
+            <a:cxnLst/>
+            <a:rect l="l" t="t" r="r" b="b"/>
             <a:pathLst>
-              <a:path extrusionOk="0" h="120000" w="120000">
+              <a:path w="120000" h="120000" extrusionOk="0">
                 <a:moveTo>
                   <a:pt x="0" y="0"/>
                 </a:moveTo>
@@ -1857,9 +1938,11 @@
       <p:sp>
         <p:nvSpPr>
           <p:cNvPr id="133" name="Google Shape;133;gc38fd138e9_3_20:notes"/>
-          <p:cNvSpPr txBox="1"/>
+          <p:cNvSpPr txBox="1">
+            <a:spLocks noGrp="1"/>
+          </p:cNvSpPr>
           <p:nvPr>
-            <p:ph idx="1" type="body"/>
+            <p:ph type="body" idx="1"/>
           </p:nvPr>
         </p:nvSpPr>
         <p:spPr>
@@ -1872,12 +1955,12 @@
           </a:prstGeom>
         </p:spPr>
         <p:txBody>
-          <a:bodyPr anchorCtr="0" anchor="t" bIns="91425" lIns="91425" spcFirstLastPara="1" rIns="91425" wrap="square" tIns="91425">
+          <a:bodyPr spcFirstLastPara="1" wrap="square" lIns="91425" tIns="91425" rIns="91425" bIns="91425" anchor="t" anchorCtr="0">
             <a:noAutofit/>
           </a:bodyPr>
           <a:lstStyle/>
           <a:p>
-            <a:pPr indent="0" lvl="0" marL="0" rtl="0" algn="l">
+            <a:pPr marL="0" lvl="0" indent="0" algn="l" rtl="0">
               <a:spcBef>
                 <a:spcPts val="0"/>
               </a:spcBef>
@@ -1886,9 +1969,6 @@
               </a:spcAft>
               <a:buNone/>
             </a:pPr>
-            <a:r>
-              <a:t/>
-            </a:r>
             <a:endParaRPr/>
           </a:p>
         </p:txBody>
@@ -1902,18 +1982,19 @@
 </file>
 
 <file path=ppt/slideLayouts/slideLayout1.xml><?xml version="1.0" encoding="utf-8"?>
-<p:sldLayout xmlns:a="http://schemas.openxmlformats.org/drawingml/2006/main" xmlns:r="http://schemas.openxmlformats.org/officeDocument/2006/relationships" xmlns:mc="http://schemas.openxmlformats.org/markup-compatibility/2006" xmlns:mv="urn:schemas-microsoft-com:mac:vml" xmlns:p="http://schemas.openxmlformats.org/presentationml/2006/main" xmlns:c="http://schemas.openxmlformats.org/drawingml/2006/chart" xmlns:dgm="http://schemas.openxmlformats.org/drawingml/2006/diagram" xmlns:o="urn:schemas-microsoft-com:office:office" xmlns:v="urn:schemas-microsoft-com:vml" xmlns:pvml="urn:schemas-microsoft-com:office:powerpoint" xmlns:com="http://schemas.openxmlformats.org/drawingml/2006/compatibility" xmlns:p14="http://schemas.microsoft.com/office/powerpoint/2010/main" xmlns:p15="http://schemas.microsoft.com/office/powerpoint/2012/main" xmlns:ahyp="http://schemas.microsoft.com/office/drawing/2018/hyperlinkcolor" matchingName="Title slide" type="title">
+<p:sldLayout xmlns:a="http://schemas.openxmlformats.org/drawingml/2006/main" xmlns:r="http://schemas.openxmlformats.org/officeDocument/2006/relationships" xmlns:p="http://schemas.openxmlformats.org/presentationml/2006/main" matchingName="Title slide" type="title">
   <p:cSld name="TITLE">
     <p:bg>
       <p:bgPr>
         <a:solidFill>
           <a:schemeClr val="lt2"/>
         </a:solidFill>
+        <a:effectLst/>
       </p:bgPr>
     </p:bg>
     <p:spTree>
       <p:nvGrpSpPr>
-        <p:cNvPr id="9" name="Shape 9"/>
+        <p:cNvPr id="1" name="Shape 9"/>
         <p:cNvGrpSpPr/>
         <p:nvPr/>
       </p:nvGrpSpPr>
@@ -1947,12 +2028,12 @@
           </a:ln>
         </p:spPr>
         <p:txBody>
-          <a:bodyPr anchorCtr="0" anchor="ctr" bIns="91425" lIns="91425" spcFirstLastPara="1" rIns="91425" wrap="square" tIns="91425">
+          <a:bodyPr spcFirstLastPara="1" wrap="square" lIns="91425" tIns="91425" rIns="91425" bIns="91425" anchor="ctr" anchorCtr="0">
             <a:noAutofit/>
           </a:bodyPr>
           <a:lstStyle/>
           <a:p>
-            <a:pPr indent="0" lvl="0" marL="0" rtl="0" algn="l">
+            <a:pPr marL="0" lvl="0" indent="0" algn="l" rtl="0">
               <a:spcBef>
                 <a:spcPts val="0"/>
               </a:spcBef>
@@ -1961,9 +2042,6 @@
               </a:spcAft>
               <a:buNone/>
             </a:pPr>
-            <a:r>
-              <a:t/>
-            </a:r>
             <a:endParaRPr/>
           </a:p>
         </p:txBody>
@@ -2004,12 +2082,12 @@
             </a:ln>
           </p:spPr>
           <p:txBody>
-            <a:bodyPr anchorCtr="0" anchor="ctr" bIns="91425" lIns="91425" spcFirstLastPara="1" rIns="91425" wrap="square" tIns="91425">
+            <a:bodyPr spcFirstLastPara="1" wrap="square" lIns="91425" tIns="91425" rIns="91425" bIns="91425" anchor="ctr" anchorCtr="0">
               <a:noAutofit/>
             </a:bodyPr>
             <a:lstStyle/>
             <a:p>
-              <a:pPr indent="0" lvl="0" marL="0" rtl="0" algn="l">
+              <a:pPr marL="0" lvl="0" indent="0" algn="l" rtl="0">
                 <a:spcBef>
                   <a:spcPts val="0"/>
                 </a:spcBef>
@@ -2018,9 +2096,6 @@
                 </a:spcAft>
                 <a:buNone/>
               </a:pPr>
-              <a:r>
-                <a:t/>
-              </a:r>
               <a:endParaRPr/>
             </a:p>
           </p:txBody>
@@ -2047,12 +2122,12 @@
             </a:ln>
           </p:spPr>
           <p:txBody>
-            <a:bodyPr anchorCtr="0" anchor="ctr" bIns="91425" lIns="91425" spcFirstLastPara="1" rIns="91425" wrap="square" tIns="91425">
+            <a:bodyPr spcFirstLastPara="1" wrap="square" lIns="91425" tIns="91425" rIns="91425" bIns="91425" anchor="ctr" anchorCtr="0">
               <a:noAutofit/>
             </a:bodyPr>
             <a:lstStyle/>
             <a:p>
-              <a:pPr indent="0" lvl="0" marL="0" rtl="0" algn="l">
+              <a:pPr marL="0" lvl="0" indent="0" algn="l" rtl="0">
                 <a:spcBef>
                   <a:spcPts val="0"/>
                 </a:spcBef>
@@ -2061,9 +2136,6 @@
                 </a:spcAft>
                 <a:buNone/>
               </a:pPr>
-              <a:r>
-                <a:t/>
-              </a:r>
               <a:endParaRPr/>
             </a:p>
           </p:txBody>
@@ -2072,7 +2144,9 @@
       <p:sp>
         <p:nvSpPr>
           <p:cNvPr id="14" name="Google Shape;14;p2"/>
-          <p:cNvSpPr txBox="1"/>
+          <p:cNvSpPr txBox="1">
+            <a:spLocks noGrp="1"/>
+          </p:cNvSpPr>
           <p:nvPr>
             <p:ph type="ctrTitle"/>
           </p:nvPr>
@@ -2087,7 +2161,7 @@
           </a:prstGeom>
         </p:spPr>
         <p:txBody>
-          <a:bodyPr anchorCtr="0" anchor="t" bIns="91425" lIns="91425" spcFirstLastPara="1" rIns="91425" wrap="square" tIns="91425">
+          <a:bodyPr spcFirstLastPara="1" wrap="square" lIns="91425" tIns="91425" rIns="91425" bIns="91425" anchor="t" anchorCtr="0">
             <a:normAutofit/>
           </a:bodyPr>
           <a:lstStyle>
@@ -2191,15 +2265,19 @@
               <a:defRPr sz="4200"/>
             </a:lvl9pPr>
           </a:lstStyle>
-          <a:p/>
+          <a:p>
+            <a:endParaRPr/>
+          </a:p>
         </p:txBody>
       </p:sp>
       <p:sp>
         <p:nvSpPr>
           <p:cNvPr id="15" name="Google Shape;15;p2"/>
-          <p:cNvSpPr txBox="1"/>
+          <p:cNvSpPr txBox="1">
+            <a:spLocks noGrp="1"/>
+          </p:cNvSpPr>
           <p:nvPr>
-            <p:ph idx="1" type="subTitle"/>
+            <p:ph type="subTitle" idx="1"/>
           </p:nvPr>
         </p:nvSpPr>
         <p:spPr>
@@ -2212,7 +2290,7 @@
           </a:prstGeom>
         </p:spPr>
         <p:txBody>
-          <a:bodyPr anchorCtr="0" anchor="t" bIns="91425" lIns="91425" spcFirstLastPara="1" rIns="91425" wrap="square" tIns="91425">
+          <a:bodyPr spcFirstLastPara="1" wrap="square" lIns="91425" tIns="91425" rIns="91425" bIns="91425" anchor="t" anchorCtr="0">
             <a:normAutofit/>
           </a:bodyPr>
           <a:lstStyle>
@@ -2343,15 +2421,19 @@
               <a:defRPr sz="1600"/>
             </a:lvl9pPr>
           </a:lstStyle>
-          <a:p/>
+          <a:p>
+            <a:endParaRPr/>
+          </a:p>
         </p:txBody>
       </p:sp>
       <p:sp>
         <p:nvSpPr>
           <p:cNvPr id="16" name="Google Shape;16;p2"/>
-          <p:cNvSpPr txBox="1"/>
+          <p:cNvSpPr txBox="1">
+            <a:spLocks noGrp="1"/>
+          </p:cNvSpPr>
           <p:nvPr>
-            <p:ph idx="12" type="sldNum"/>
+            <p:ph type="sldNum" idx="12"/>
           </p:nvPr>
         </p:nvSpPr>
         <p:spPr>
@@ -2364,7 +2446,7 @@
           </a:prstGeom>
         </p:spPr>
         <p:txBody>
-          <a:bodyPr anchorCtr="0" anchor="ctr" bIns="91425" lIns="91425" spcFirstLastPara="1" rIns="91425" wrap="square" tIns="91425">
+          <a:bodyPr spcFirstLastPara="1" wrap="square" lIns="91425" tIns="91425" rIns="91425" bIns="91425" anchor="ctr" anchorCtr="0">
             <a:normAutofit/>
           </a:bodyPr>
           <a:lstStyle>
@@ -2406,7 +2488,7 @@
             </a:lvl9pPr>
           </a:lstStyle>
           <a:p>
-            <a:pPr indent="0" lvl="0" marL="0" rtl="0" algn="r">
+            <a:pPr marL="0" lvl="0" indent="0" algn="r" rtl="0">
               <a:spcBef>
                 <a:spcPts val="0"/>
               </a:spcBef>
@@ -2432,18 +2514,19 @@
 </file>
 
 <file path=ppt/slideLayouts/slideLayout10.xml><?xml version="1.0" encoding="utf-8"?>
-<p:sldLayout xmlns:a="http://schemas.openxmlformats.org/drawingml/2006/main" xmlns:r="http://schemas.openxmlformats.org/officeDocument/2006/relationships" xmlns:mc="http://schemas.openxmlformats.org/markup-compatibility/2006" xmlns:mv="urn:schemas-microsoft-com:mac:vml" xmlns:p="http://schemas.openxmlformats.org/presentationml/2006/main" xmlns:c="http://schemas.openxmlformats.org/drawingml/2006/chart" xmlns:dgm="http://schemas.openxmlformats.org/drawingml/2006/diagram" xmlns:o="urn:schemas-microsoft-com:office:office" xmlns:v="urn:schemas-microsoft-com:vml" xmlns:pvml="urn:schemas-microsoft-com:office:powerpoint" xmlns:com="http://schemas.openxmlformats.org/drawingml/2006/compatibility" xmlns:p14="http://schemas.microsoft.com/office/powerpoint/2010/main" xmlns:p15="http://schemas.microsoft.com/office/powerpoint/2012/main" xmlns:ahyp="http://schemas.microsoft.com/office/drawing/2018/hyperlinkcolor" matchingName="Big number">
+<p:sldLayout xmlns:a="http://schemas.openxmlformats.org/drawingml/2006/main" xmlns:r="http://schemas.openxmlformats.org/officeDocument/2006/relationships" xmlns:p="http://schemas.openxmlformats.org/presentationml/2006/main" matchingName="Big number">
   <p:cSld name="BIG_NUMBER">
     <p:bg>
       <p:bgPr>
         <a:solidFill>
           <a:schemeClr val="dk1"/>
         </a:solidFill>
+        <a:effectLst/>
       </p:bgPr>
     </p:bg>
     <p:spTree>
       <p:nvGrpSpPr>
-        <p:cNvPr id="73" name="Shape 73"/>
+        <p:cNvPr id="1" name="Shape 73"/>
         <p:cNvGrpSpPr/>
         <p:nvPr/>
       </p:nvGrpSpPr>
@@ -2491,12 +2574,12 @@
             </a:ln>
           </p:spPr>
           <p:txBody>
-            <a:bodyPr anchorCtr="0" anchor="ctr" bIns="91425" lIns="91425" spcFirstLastPara="1" rIns="91425" wrap="square" tIns="91425">
+            <a:bodyPr spcFirstLastPara="1" wrap="square" lIns="91425" tIns="91425" rIns="91425" bIns="91425" anchor="ctr" anchorCtr="0">
               <a:noAutofit/>
             </a:bodyPr>
             <a:lstStyle/>
             <a:p>
-              <a:pPr indent="0" lvl="0" marL="0" rtl="0" algn="l">
+              <a:pPr marL="0" lvl="0" indent="0" algn="l" rtl="0">
                 <a:spcBef>
                   <a:spcPts val="0"/>
                 </a:spcBef>
@@ -2505,9 +2588,6 @@
                 </a:spcAft>
                 <a:buNone/>
               </a:pPr>
-              <a:r>
-                <a:t/>
-              </a:r>
               <a:endParaRPr/>
             </a:p>
           </p:txBody>
@@ -2534,12 +2614,12 @@
             </a:ln>
           </p:spPr>
           <p:txBody>
-            <a:bodyPr anchorCtr="0" anchor="ctr" bIns="91425" lIns="91425" spcFirstLastPara="1" rIns="91425" wrap="square" tIns="91425">
+            <a:bodyPr spcFirstLastPara="1" wrap="square" lIns="91425" tIns="91425" rIns="91425" bIns="91425" anchor="ctr" anchorCtr="0">
               <a:noAutofit/>
             </a:bodyPr>
             <a:lstStyle/>
             <a:p>
-              <a:pPr indent="0" lvl="0" marL="0" rtl="0" algn="l">
+              <a:pPr marL="0" lvl="0" indent="0" algn="l" rtl="0">
                 <a:spcBef>
                   <a:spcPts val="0"/>
                 </a:spcBef>
@@ -2548,9 +2628,6 @@
                 </a:spcAft>
                 <a:buNone/>
               </a:pPr>
-              <a:r>
-                <a:t/>
-              </a:r>
               <a:endParaRPr/>
             </a:p>
           </p:txBody>
@@ -2559,9 +2636,11 @@
       <p:sp>
         <p:nvSpPr>
           <p:cNvPr id="77" name="Google Shape;77;p11"/>
-          <p:cNvSpPr txBox="1"/>
+          <p:cNvSpPr txBox="1">
+            <a:spLocks noGrp="1"/>
+          </p:cNvSpPr>
           <p:nvPr>
-            <p:ph hasCustomPrompt="1" type="title"/>
+            <p:ph type="title" hasCustomPrompt="1"/>
           </p:nvPr>
         </p:nvSpPr>
         <p:spPr>
@@ -2574,7 +2653,7 @@
           </a:prstGeom>
         </p:spPr>
         <p:txBody>
-          <a:bodyPr anchorCtr="0" anchor="t" bIns="91425" lIns="91425" spcFirstLastPara="1" rIns="91425" wrap="square" tIns="91425">
+          <a:bodyPr spcFirstLastPara="1" wrap="square" lIns="91425" tIns="91425" rIns="91425" bIns="91425" anchor="t" anchorCtr="0">
             <a:normAutofit/>
           </a:bodyPr>
           <a:lstStyle>
@@ -2751,9 +2830,11 @@
       <p:sp>
         <p:nvSpPr>
           <p:cNvPr id="78" name="Google Shape;78;p11"/>
-          <p:cNvSpPr txBox="1"/>
+          <p:cNvSpPr txBox="1">
+            <a:spLocks noGrp="1"/>
+          </p:cNvSpPr>
           <p:nvPr>
-            <p:ph idx="1" type="body"/>
+            <p:ph type="body" idx="1"/>
           </p:nvPr>
         </p:nvSpPr>
         <p:spPr>
@@ -2766,11 +2847,11 @@
           </a:prstGeom>
         </p:spPr>
         <p:txBody>
-          <a:bodyPr anchorCtr="0" anchor="t" bIns="91425" lIns="91425" spcFirstLastPara="1" rIns="91425" wrap="square" tIns="91425">
+          <a:bodyPr spcFirstLastPara="1" wrap="square" lIns="91425" tIns="91425" rIns="91425" bIns="91425" anchor="t" anchorCtr="0">
             <a:normAutofit/>
           </a:bodyPr>
           <a:lstStyle>
-            <a:lvl1pPr indent="-311150" lvl="0" marL="457200">
+            <a:lvl1pPr marL="457200" lvl="0" indent="-311150">
               <a:spcBef>
                 <a:spcPts val="0"/>
               </a:spcBef>
@@ -2788,7 +2869,7 @@
                 </a:solidFill>
               </a:defRPr>
             </a:lvl1pPr>
-            <a:lvl2pPr indent="-298450" lvl="1" marL="914400">
+            <a:lvl2pPr marL="914400" lvl="1" indent="-298450">
               <a:spcBef>
                 <a:spcPts val="0"/>
               </a:spcBef>
@@ -2806,7 +2887,7 @@
                 </a:solidFill>
               </a:defRPr>
             </a:lvl2pPr>
-            <a:lvl3pPr indent="-298450" lvl="2" marL="1371600">
+            <a:lvl3pPr marL="1371600" lvl="2" indent="-298450">
               <a:spcBef>
                 <a:spcPts val="0"/>
               </a:spcBef>
@@ -2824,7 +2905,7 @@
                 </a:solidFill>
               </a:defRPr>
             </a:lvl3pPr>
-            <a:lvl4pPr indent="-298450" lvl="3" marL="1828800">
+            <a:lvl4pPr marL="1828800" lvl="3" indent="-298450">
               <a:spcBef>
                 <a:spcPts val="0"/>
               </a:spcBef>
@@ -2842,7 +2923,7 @@
                 </a:solidFill>
               </a:defRPr>
             </a:lvl4pPr>
-            <a:lvl5pPr indent="-298450" lvl="4" marL="2286000">
+            <a:lvl5pPr marL="2286000" lvl="4" indent="-298450">
               <a:spcBef>
                 <a:spcPts val="0"/>
               </a:spcBef>
@@ -2860,7 +2941,7 @@
                 </a:solidFill>
               </a:defRPr>
             </a:lvl5pPr>
-            <a:lvl6pPr indent="-298450" lvl="5" marL="2743200">
+            <a:lvl6pPr marL="2743200" lvl="5" indent="-298450">
               <a:spcBef>
                 <a:spcPts val="0"/>
               </a:spcBef>
@@ -2878,7 +2959,7 @@
                 </a:solidFill>
               </a:defRPr>
             </a:lvl6pPr>
-            <a:lvl7pPr indent="-298450" lvl="6" marL="3200400">
+            <a:lvl7pPr marL="3200400" lvl="6" indent="-298450">
               <a:spcBef>
                 <a:spcPts val="0"/>
               </a:spcBef>
@@ -2896,7 +2977,7 @@
                 </a:solidFill>
               </a:defRPr>
             </a:lvl7pPr>
-            <a:lvl8pPr indent="-298450" lvl="7" marL="3657600">
+            <a:lvl8pPr marL="3657600" lvl="7" indent="-298450">
               <a:spcBef>
                 <a:spcPts val="0"/>
               </a:spcBef>
@@ -2914,7 +2995,7 @@
                 </a:solidFill>
               </a:defRPr>
             </a:lvl8pPr>
-            <a:lvl9pPr indent="-298450" lvl="8" marL="4114800">
+            <a:lvl9pPr marL="4114800" lvl="8" indent="-298450">
               <a:spcBef>
                 <a:spcPts val="0"/>
               </a:spcBef>
@@ -2933,15 +3014,19 @@
               </a:defRPr>
             </a:lvl9pPr>
           </a:lstStyle>
-          <a:p/>
+          <a:p>
+            <a:endParaRPr/>
+          </a:p>
         </p:txBody>
       </p:sp>
       <p:sp>
         <p:nvSpPr>
           <p:cNvPr id="79" name="Google Shape;79;p11"/>
-          <p:cNvSpPr txBox="1"/>
+          <p:cNvSpPr txBox="1">
+            <a:spLocks noGrp="1"/>
+          </p:cNvSpPr>
           <p:nvPr>
-            <p:ph idx="12" type="sldNum"/>
+            <p:ph type="sldNum" idx="12"/>
           </p:nvPr>
         </p:nvSpPr>
         <p:spPr>
@@ -2954,7 +3039,7 @@
           </a:prstGeom>
         </p:spPr>
         <p:txBody>
-          <a:bodyPr anchorCtr="0" anchor="ctr" bIns="91425" lIns="91425" spcFirstLastPara="1" rIns="91425" wrap="square" tIns="91425">
+          <a:bodyPr spcFirstLastPara="1" wrap="square" lIns="91425" tIns="91425" rIns="91425" bIns="91425" anchor="ctr" anchorCtr="0">
             <a:normAutofit/>
           </a:bodyPr>
           <a:lstStyle>
@@ -3032,7 +3117,7 @@
             </a:lvl9pPr>
           </a:lstStyle>
           <a:p>
-            <a:pPr indent="0" lvl="0" marL="0" rtl="0" algn="r">
+            <a:pPr marL="0" lvl="0" indent="0" algn="r" rtl="0">
               <a:spcBef>
                 <a:spcPts val="0"/>
               </a:spcBef>
@@ -3058,11 +3143,11 @@
 </file>
 
 <file path=ppt/slideLayouts/slideLayout11.xml><?xml version="1.0" encoding="utf-8"?>
-<p:sldLayout xmlns:a="http://schemas.openxmlformats.org/drawingml/2006/main" xmlns:r="http://schemas.openxmlformats.org/officeDocument/2006/relationships" xmlns:mc="http://schemas.openxmlformats.org/markup-compatibility/2006" xmlns:mv="urn:schemas-microsoft-com:mac:vml" xmlns:p="http://schemas.openxmlformats.org/presentationml/2006/main" xmlns:c="http://schemas.openxmlformats.org/drawingml/2006/chart" xmlns:dgm="http://schemas.openxmlformats.org/drawingml/2006/diagram" xmlns:o="urn:schemas-microsoft-com:office:office" xmlns:v="urn:schemas-microsoft-com:vml" xmlns:pvml="urn:schemas-microsoft-com:office:powerpoint" xmlns:com="http://schemas.openxmlformats.org/drawingml/2006/compatibility" xmlns:p14="http://schemas.microsoft.com/office/powerpoint/2010/main" xmlns:p15="http://schemas.microsoft.com/office/powerpoint/2012/main" xmlns:ahyp="http://schemas.microsoft.com/office/drawing/2018/hyperlinkcolor" matchingName="Blank" type="blank">
+<p:sldLayout xmlns:a="http://schemas.openxmlformats.org/drawingml/2006/main" xmlns:r="http://schemas.openxmlformats.org/officeDocument/2006/relationships" xmlns:p="http://schemas.openxmlformats.org/presentationml/2006/main" matchingName="Blank" type="blank">
   <p:cSld name="BLANK">
     <p:spTree>
       <p:nvGrpSpPr>
-        <p:cNvPr id="80" name="Shape 80"/>
+        <p:cNvPr id="1" name="Shape 80"/>
         <p:cNvGrpSpPr/>
         <p:nvPr/>
       </p:nvGrpSpPr>
@@ -3077,9 +3162,11 @@
       <p:sp>
         <p:nvSpPr>
           <p:cNvPr id="81" name="Google Shape;81;p12"/>
-          <p:cNvSpPr txBox="1"/>
+          <p:cNvSpPr txBox="1">
+            <a:spLocks noGrp="1"/>
+          </p:cNvSpPr>
           <p:nvPr>
-            <p:ph idx="12" type="sldNum"/>
+            <p:ph type="sldNum" idx="12"/>
           </p:nvPr>
         </p:nvSpPr>
         <p:spPr>
@@ -3092,7 +3179,7 @@
           </a:prstGeom>
         </p:spPr>
         <p:txBody>
-          <a:bodyPr anchorCtr="0" anchor="ctr" bIns="91425" lIns="91425" spcFirstLastPara="1" rIns="91425" wrap="square" tIns="91425">
+          <a:bodyPr spcFirstLastPara="1" wrap="square" lIns="91425" tIns="91425" rIns="91425" bIns="91425" anchor="ctr" anchorCtr="0">
             <a:normAutofit/>
           </a:bodyPr>
           <a:lstStyle>
@@ -3134,7 +3221,7 @@
             </a:lvl9pPr>
           </a:lstStyle>
           <a:p>
-            <a:pPr indent="0" lvl="0" marL="0" rtl="0" algn="r">
+            <a:pPr marL="0" lvl="0" indent="0" algn="r" rtl="0">
               <a:spcBef>
                 <a:spcPts val="0"/>
               </a:spcBef>
@@ -3160,18 +3247,19 @@
 </file>
 
 <file path=ppt/slideLayouts/slideLayout2.xml><?xml version="1.0" encoding="utf-8"?>
-<p:sldLayout xmlns:a="http://schemas.openxmlformats.org/drawingml/2006/main" xmlns:r="http://schemas.openxmlformats.org/officeDocument/2006/relationships" xmlns:mc="http://schemas.openxmlformats.org/markup-compatibility/2006" xmlns:mv="urn:schemas-microsoft-com:mac:vml" xmlns:p="http://schemas.openxmlformats.org/presentationml/2006/main" xmlns:c="http://schemas.openxmlformats.org/drawingml/2006/chart" xmlns:dgm="http://schemas.openxmlformats.org/drawingml/2006/diagram" xmlns:o="urn:schemas-microsoft-com:office:office" xmlns:v="urn:schemas-microsoft-com:vml" xmlns:pvml="urn:schemas-microsoft-com:office:powerpoint" xmlns:com="http://schemas.openxmlformats.org/drawingml/2006/compatibility" xmlns:p14="http://schemas.microsoft.com/office/powerpoint/2010/main" xmlns:p15="http://schemas.microsoft.com/office/powerpoint/2012/main" xmlns:ahyp="http://schemas.microsoft.com/office/drawing/2018/hyperlinkcolor" matchingName="Section header" type="secHead">
+<p:sldLayout xmlns:a="http://schemas.openxmlformats.org/drawingml/2006/main" xmlns:r="http://schemas.openxmlformats.org/officeDocument/2006/relationships" xmlns:p="http://schemas.openxmlformats.org/presentationml/2006/main" matchingName="Section header" type="secHead">
   <p:cSld name="SECTION_HEADER">
     <p:bg>
       <p:bgPr>
         <a:solidFill>
           <a:schemeClr val="dk1"/>
         </a:solidFill>
+        <a:effectLst/>
       </p:bgPr>
     </p:bg>
     <p:spTree>
       <p:nvGrpSpPr>
-        <p:cNvPr id="17" name="Shape 17"/>
+        <p:cNvPr id="1" name="Shape 17"/>
         <p:cNvGrpSpPr/>
         <p:nvPr/>
       </p:nvGrpSpPr>
@@ -3219,12 +3307,12 @@
             </a:ln>
           </p:spPr>
           <p:txBody>
-            <a:bodyPr anchorCtr="0" anchor="ctr" bIns="91425" lIns="91425" spcFirstLastPara="1" rIns="91425" wrap="square" tIns="91425">
+            <a:bodyPr spcFirstLastPara="1" wrap="square" lIns="91425" tIns="91425" rIns="91425" bIns="91425" anchor="ctr" anchorCtr="0">
               <a:noAutofit/>
             </a:bodyPr>
             <a:lstStyle/>
             <a:p>
-              <a:pPr indent="0" lvl="0" marL="0" rtl="0" algn="l">
+              <a:pPr marL="0" lvl="0" indent="0" algn="l" rtl="0">
                 <a:spcBef>
                   <a:spcPts val="0"/>
                 </a:spcBef>
@@ -3233,9 +3321,6 @@
                 </a:spcAft>
                 <a:buNone/>
               </a:pPr>
-              <a:r>
-                <a:t/>
-              </a:r>
               <a:endParaRPr/>
             </a:p>
           </p:txBody>
@@ -3262,12 +3347,12 @@
             </a:ln>
           </p:spPr>
           <p:txBody>
-            <a:bodyPr anchorCtr="0" anchor="ctr" bIns="91425" lIns="91425" spcFirstLastPara="1" rIns="91425" wrap="square" tIns="91425">
+            <a:bodyPr spcFirstLastPara="1" wrap="square" lIns="91425" tIns="91425" rIns="91425" bIns="91425" anchor="ctr" anchorCtr="0">
               <a:noAutofit/>
             </a:bodyPr>
             <a:lstStyle/>
             <a:p>
-              <a:pPr indent="0" lvl="0" marL="0" rtl="0" algn="l">
+              <a:pPr marL="0" lvl="0" indent="0" algn="l" rtl="0">
                 <a:spcBef>
                   <a:spcPts val="0"/>
                 </a:spcBef>
@@ -3276,9 +3361,6 @@
                 </a:spcAft>
                 <a:buNone/>
               </a:pPr>
-              <a:r>
-                <a:t/>
-              </a:r>
               <a:endParaRPr/>
             </a:p>
           </p:txBody>
@@ -3287,7 +3369,9 @@
       <p:sp>
         <p:nvSpPr>
           <p:cNvPr id="21" name="Google Shape;21;p3"/>
-          <p:cNvSpPr txBox="1"/>
+          <p:cNvSpPr txBox="1">
+            <a:spLocks noGrp="1"/>
+          </p:cNvSpPr>
           <p:nvPr>
             <p:ph type="title"/>
           </p:nvPr>
@@ -3302,7 +3386,7 @@
           </a:prstGeom>
         </p:spPr>
         <p:txBody>
-          <a:bodyPr anchorCtr="0" anchor="t" bIns="91425" lIns="91425" spcFirstLastPara="1" rIns="91425" wrap="square" tIns="91425">
+          <a:bodyPr spcFirstLastPara="1" wrap="square" lIns="91425" tIns="91425" rIns="91425" bIns="91425" anchor="t" anchorCtr="0">
             <a:normAutofit/>
           </a:bodyPr>
           <a:lstStyle>
@@ -3469,15 +3553,19 @@
               </a:defRPr>
             </a:lvl9pPr>
           </a:lstStyle>
-          <a:p/>
+          <a:p>
+            <a:endParaRPr/>
+          </a:p>
         </p:txBody>
       </p:sp>
       <p:sp>
         <p:nvSpPr>
           <p:cNvPr id="22" name="Google Shape;22;p3"/>
-          <p:cNvSpPr txBox="1"/>
+          <p:cNvSpPr txBox="1">
+            <a:spLocks noGrp="1"/>
+          </p:cNvSpPr>
           <p:nvPr>
-            <p:ph idx="12" type="sldNum"/>
+            <p:ph type="sldNum" idx="12"/>
           </p:nvPr>
         </p:nvSpPr>
         <p:spPr>
@@ -3490,7 +3578,7 @@
           </a:prstGeom>
         </p:spPr>
         <p:txBody>
-          <a:bodyPr anchorCtr="0" anchor="ctr" bIns="91425" lIns="91425" spcFirstLastPara="1" rIns="91425" wrap="square" tIns="91425">
+          <a:bodyPr spcFirstLastPara="1" wrap="square" lIns="91425" tIns="91425" rIns="91425" bIns="91425" anchor="ctr" anchorCtr="0">
             <a:normAutofit/>
           </a:bodyPr>
           <a:lstStyle>
@@ -3568,7 +3656,7 @@
             </a:lvl9pPr>
           </a:lstStyle>
           <a:p>
-            <a:pPr indent="0" lvl="0" marL="0" rtl="0" algn="r">
+            <a:pPr marL="0" lvl="0" indent="0" algn="r" rtl="0">
               <a:spcBef>
                 <a:spcPts val="0"/>
               </a:spcBef>
@@ -3594,11 +3682,11 @@
 </file>
 
 <file path=ppt/slideLayouts/slideLayout3.xml><?xml version="1.0" encoding="utf-8"?>
-<p:sldLayout xmlns:a="http://schemas.openxmlformats.org/drawingml/2006/main" xmlns:r="http://schemas.openxmlformats.org/officeDocument/2006/relationships" xmlns:mc="http://schemas.openxmlformats.org/markup-compatibility/2006" xmlns:mv="urn:schemas-microsoft-com:mac:vml" xmlns:p="http://schemas.openxmlformats.org/presentationml/2006/main" xmlns:c="http://schemas.openxmlformats.org/drawingml/2006/chart" xmlns:dgm="http://schemas.openxmlformats.org/drawingml/2006/diagram" xmlns:o="urn:schemas-microsoft-com:office:office" xmlns:v="urn:schemas-microsoft-com:vml" xmlns:pvml="urn:schemas-microsoft-com:office:powerpoint" xmlns:com="http://schemas.openxmlformats.org/drawingml/2006/compatibility" xmlns:p14="http://schemas.microsoft.com/office/powerpoint/2010/main" xmlns:p15="http://schemas.microsoft.com/office/powerpoint/2012/main" xmlns:ahyp="http://schemas.microsoft.com/office/drawing/2018/hyperlinkcolor" matchingName="Title and body" type="tx">
+<p:sldLayout xmlns:a="http://schemas.openxmlformats.org/drawingml/2006/main" xmlns:r="http://schemas.openxmlformats.org/officeDocument/2006/relationships" xmlns:p="http://schemas.openxmlformats.org/presentationml/2006/main" matchingName="Title and body" type="tx">
   <p:cSld name="TITLE_AND_BODY">
     <p:spTree>
       <p:nvGrpSpPr>
-        <p:cNvPr id="23" name="Shape 23"/>
+        <p:cNvPr id="1" name="Shape 23"/>
         <p:cNvGrpSpPr/>
         <p:nvPr/>
       </p:nvGrpSpPr>
@@ -3632,12 +3720,12 @@
           </a:ln>
         </p:spPr>
         <p:txBody>
-          <a:bodyPr anchorCtr="0" anchor="ctr" bIns="91425" lIns="91425" spcFirstLastPara="1" rIns="91425" wrap="square" tIns="91425">
+          <a:bodyPr spcFirstLastPara="1" wrap="square" lIns="91425" tIns="91425" rIns="91425" bIns="91425" anchor="ctr" anchorCtr="0">
             <a:noAutofit/>
           </a:bodyPr>
           <a:lstStyle/>
           <a:p>
-            <a:pPr indent="0" lvl="0" marL="0" rtl="0" algn="l">
+            <a:pPr marL="0" lvl="0" indent="0" algn="l" rtl="0">
               <a:spcBef>
                 <a:spcPts val="0"/>
               </a:spcBef>
@@ -3646,9 +3734,6 @@
               </a:spcAft>
               <a:buNone/>
             </a:pPr>
-            <a:r>
-              <a:t/>
-            </a:r>
             <a:endParaRPr/>
           </a:p>
         </p:txBody>
@@ -3689,12 +3774,12 @@
             </a:ln>
           </p:spPr>
           <p:txBody>
-            <a:bodyPr anchorCtr="0" anchor="ctr" bIns="91425" lIns="91425" spcFirstLastPara="1" rIns="91425" wrap="square" tIns="91425">
+            <a:bodyPr spcFirstLastPara="1" wrap="square" lIns="91425" tIns="91425" rIns="91425" bIns="91425" anchor="ctr" anchorCtr="0">
               <a:noAutofit/>
             </a:bodyPr>
             <a:lstStyle/>
             <a:p>
-              <a:pPr indent="0" lvl="0" marL="0" rtl="0" algn="l">
+              <a:pPr marL="0" lvl="0" indent="0" algn="l" rtl="0">
                 <a:spcBef>
                   <a:spcPts val="0"/>
                 </a:spcBef>
@@ -3703,9 +3788,6 @@
                 </a:spcAft>
                 <a:buNone/>
               </a:pPr>
-              <a:r>
-                <a:t/>
-              </a:r>
               <a:endParaRPr/>
             </a:p>
           </p:txBody>
@@ -3732,12 +3814,12 @@
             </a:ln>
           </p:spPr>
           <p:txBody>
-            <a:bodyPr anchorCtr="0" anchor="ctr" bIns="91425" lIns="91425" spcFirstLastPara="1" rIns="91425" wrap="square" tIns="91425">
+            <a:bodyPr spcFirstLastPara="1" wrap="square" lIns="91425" tIns="91425" rIns="91425" bIns="91425" anchor="ctr" anchorCtr="0">
               <a:noAutofit/>
             </a:bodyPr>
             <a:lstStyle/>
             <a:p>
-              <a:pPr indent="0" lvl="0" marL="0" rtl="0" algn="l">
+              <a:pPr marL="0" lvl="0" indent="0" algn="l" rtl="0">
                 <a:spcBef>
                   <a:spcPts val="0"/>
                 </a:spcBef>
@@ -3746,9 +3828,6 @@
                 </a:spcAft>
                 <a:buNone/>
               </a:pPr>
-              <a:r>
-                <a:t/>
-              </a:r>
               <a:endParaRPr/>
             </a:p>
           </p:txBody>
@@ -3757,7 +3836,9 @@
       <p:sp>
         <p:nvSpPr>
           <p:cNvPr id="28" name="Google Shape;28;p4"/>
-          <p:cNvSpPr txBox="1"/>
+          <p:cNvSpPr txBox="1">
+            <a:spLocks noGrp="1"/>
+          </p:cNvSpPr>
           <p:nvPr>
             <p:ph type="title"/>
           </p:nvPr>
@@ -3772,7 +3853,7 @@
           </a:prstGeom>
         </p:spPr>
         <p:txBody>
-          <a:bodyPr anchorCtr="0" anchor="t" bIns="91425" lIns="91425" spcFirstLastPara="1" rIns="91425" wrap="square" tIns="91425">
+          <a:bodyPr spcFirstLastPara="1" wrap="square" lIns="91425" tIns="91425" rIns="91425" bIns="91425" anchor="t" anchorCtr="0">
             <a:normAutofit/>
           </a:bodyPr>
           <a:lstStyle>
@@ -3876,15 +3957,19 @@
               <a:defRPr sz="2600"/>
             </a:lvl9pPr>
           </a:lstStyle>
-          <a:p/>
+          <a:p>
+            <a:endParaRPr/>
+          </a:p>
         </p:txBody>
       </p:sp>
       <p:sp>
         <p:nvSpPr>
           <p:cNvPr id="29" name="Google Shape;29;p4"/>
-          <p:cNvSpPr txBox="1"/>
+          <p:cNvSpPr txBox="1">
+            <a:spLocks noGrp="1"/>
+          </p:cNvSpPr>
           <p:nvPr>
-            <p:ph idx="1" type="body"/>
+            <p:ph type="body" idx="1"/>
           </p:nvPr>
         </p:nvSpPr>
         <p:spPr>
@@ -3897,11 +3982,11 @@
           </a:prstGeom>
         </p:spPr>
         <p:txBody>
-          <a:bodyPr anchorCtr="0" anchor="t" bIns="91425" lIns="91425" spcFirstLastPara="1" rIns="91425" wrap="square" tIns="91425">
+          <a:bodyPr spcFirstLastPara="1" wrap="square" lIns="91425" tIns="91425" rIns="91425" bIns="91425" anchor="t" anchorCtr="0">
             <a:normAutofit/>
           </a:bodyPr>
           <a:lstStyle>
-            <a:lvl1pPr indent="-311150" lvl="0" marL="457200">
+            <a:lvl1pPr marL="457200" lvl="0" indent="-311150">
               <a:spcBef>
                 <a:spcPts val="0"/>
               </a:spcBef>
@@ -3912,7 +3997,7 @@
               <a:buChar char="●"/>
               <a:defRPr/>
             </a:lvl1pPr>
-            <a:lvl2pPr indent="-298450" lvl="1" marL="914400">
+            <a:lvl2pPr marL="914400" lvl="1" indent="-298450">
               <a:spcBef>
                 <a:spcPts val="0"/>
               </a:spcBef>
@@ -3923,7 +4008,7 @@
               <a:buChar char="○"/>
               <a:defRPr/>
             </a:lvl2pPr>
-            <a:lvl3pPr indent="-298450" lvl="2" marL="1371600">
+            <a:lvl3pPr marL="1371600" lvl="2" indent="-298450">
               <a:spcBef>
                 <a:spcPts val="0"/>
               </a:spcBef>
@@ -3934,7 +4019,7 @@
               <a:buChar char="■"/>
               <a:defRPr/>
             </a:lvl3pPr>
-            <a:lvl4pPr indent="-298450" lvl="3" marL="1828800">
+            <a:lvl4pPr marL="1828800" lvl="3" indent="-298450">
               <a:spcBef>
                 <a:spcPts val="0"/>
               </a:spcBef>
@@ -3945,7 +4030,7 @@
               <a:buChar char="●"/>
               <a:defRPr/>
             </a:lvl4pPr>
-            <a:lvl5pPr indent="-298450" lvl="4" marL="2286000">
+            <a:lvl5pPr marL="2286000" lvl="4" indent="-298450">
               <a:spcBef>
                 <a:spcPts val="0"/>
               </a:spcBef>
@@ -3956,7 +4041,7 @@
               <a:buChar char="○"/>
               <a:defRPr/>
             </a:lvl5pPr>
-            <a:lvl6pPr indent="-298450" lvl="5" marL="2743200">
+            <a:lvl6pPr marL="2743200" lvl="5" indent="-298450">
               <a:spcBef>
                 <a:spcPts val="0"/>
               </a:spcBef>
@@ -3967,7 +4052,7 @@
               <a:buChar char="■"/>
               <a:defRPr/>
             </a:lvl6pPr>
-            <a:lvl7pPr indent="-298450" lvl="6" marL="3200400">
+            <a:lvl7pPr marL="3200400" lvl="6" indent="-298450">
               <a:spcBef>
                 <a:spcPts val="0"/>
               </a:spcBef>
@@ -3978,7 +4063,7 @@
               <a:buChar char="●"/>
               <a:defRPr/>
             </a:lvl7pPr>
-            <a:lvl8pPr indent="-298450" lvl="7" marL="3657600">
+            <a:lvl8pPr marL="3657600" lvl="7" indent="-298450">
               <a:spcBef>
                 <a:spcPts val="0"/>
               </a:spcBef>
@@ -3989,7 +4074,7 @@
               <a:buChar char="○"/>
               <a:defRPr/>
             </a:lvl8pPr>
-            <a:lvl9pPr indent="-298450" lvl="8" marL="4114800">
+            <a:lvl9pPr marL="4114800" lvl="8" indent="-298450">
               <a:spcBef>
                 <a:spcPts val="0"/>
               </a:spcBef>
@@ -4001,15 +4086,19 @@
               <a:defRPr/>
             </a:lvl9pPr>
           </a:lstStyle>
-          <a:p/>
+          <a:p>
+            <a:endParaRPr/>
+          </a:p>
         </p:txBody>
       </p:sp>
       <p:sp>
         <p:nvSpPr>
           <p:cNvPr id="30" name="Google Shape;30;p4"/>
-          <p:cNvSpPr txBox="1"/>
+          <p:cNvSpPr txBox="1">
+            <a:spLocks noGrp="1"/>
+          </p:cNvSpPr>
           <p:nvPr>
-            <p:ph idx="12" type="sldNum"/>
+            <p:ph type="sldNum" idx="12"/>
           </p:nvPr>
         </p:nvSpPr>
         <p:spPr>
@@ -4022,7 +4111,7 @@
           </a:prstGeom>
         </p:spPr>
         <p:txBody>
-          <a:bodyPr anchorCtr="0" anchor="ctr" bIns="91425" lIns="91425" spcFirstLastPara="1" rIns="91425" wrap="square" tIns="91425">
+          <a:bodyPr spcFirstLastPara="1" wrap="square" lIns="91425" tIns="91425" rIns="91425" bIns="91425" anchor="ctr" anchorCtr="0">
             <a:normAutofit/>
           </a:bodyPr>
           <a:lstStyle>
@@ -4064,7 +4153,7 @@
             </a:lvl9pPr>
           </a:lstStyle>
           <a:p>
-            <a:pPr indent="0" lvl="0" marL="0" rtl="0" algn="r">
+            <a:pPr marL="0" lvl="0" indent="0" algn="r" rtl="0">
               <a:spcBef>
                 <a:spcPts val="0"/>
               </a:spcBef>
@@ -4090,11 +4179,11 @@
 </file>
 
 <file path=ppt/slideLayouts/slideLayout4.xml><?xml version="1.0" encoding="utf-8"?>
-<p:sldLayout xmlns:a="http://schemas.openxmlformats.org/drawingml/2006/main" xmlns:r="http://schemas.openxmlformats.org/officeDocument/2006/relationships" xmlns:mc="http://schemas.openxmlformats.org/markup-compatibility/2006" xmlns:mv="urn:schemas-microsoft-com:mac:vml" xmlns:p="http://schemas.openxmlformats.org/presentationml/2006/main" xmlns:c="http://schemas.openxmlformats.org/drawingml/2006/chart" xmlns:dgm="http://schemas.openxmlformats.org/drawingml/2006/diagram" xmlns:o="urn:schemas-microsoft-com:office:office" xmlns:v="urn:schemas-microsoft-com:vml" xmlns:pvml="urn:schemas-microsoft-com:office:powerpoint" xmlns:com="http://schemas.openxmlformats.org/drawingml/2006/compatibility" xmlns:p14="http://schemas.microsoft.com/office/powerpoint/2010/main" xmlns:p15="http://schemas.microsoft.com/office/powerpoint/2012/main" xmlns:ahyp="http://schemas.microsoft.com/office/drawing/2018/hyperlinkcolor" matchingName="Title and two columns" type="twoColTx">
+<p:sldLayout xmlns:a="http://schemas.openxmlformats.org/drawingml/2006/main" xmlns:r="http://schemas.openxmlformats.org/officeDocument/2006/relationships" xmlns:p="http://schemas.openxmlformats.org/presentationml/2006/main" matchingName="Title and two columns" type="twoColTx">
   <p:cSld name="TITLE_AND_TWO_COLUMNS">
     <p:spTree>
       <p:nvGrpSpPr>
-        <p:cNvPr id="31" name="Shape 31"/>
+        <p:cNvPr id="1" name="Shape 31"/>
         <p:cNvGrpSpPr/>
         <p:nvPr/>
       </p:nvGrpSpPr>
@@ -4128,12 +4217,12 @@
           </a:ln>
         </p:spPr>
         <p:txBody>
-          <a:bodyPr anchorCtr="0" anchor="ctr" bIns="91425" lIns="91425" spcFirstLastPara="1" rIns="91425" wrap="square" tIns="91425">
+          <a:bodyPr spcFirstLastPara="1" wrap="square" lIns="91425" tIns="91425" rIns="91425" bIns="91425" anchor="ctr" anchorCtr="0">
             <a:noAutofit/>
           </a:bodyPr>
           <a:lstStyle/>
           <a:p>
-            <a:pPr indent="0" lvl="0" marL="0" rtl="0" algn="l">
+            <a:pPr marL="0" lvl="0" indent="0" algn="l" rtl="0">
               <a:spcBef>
                 <a:spcPts val="0"/>
               </a:spcBef>
@@ -4142,9 +4231,6 @@
               </a:spcAft>
               <a:buNone/>
             </a:pPr>
-            <a:r>
-              <a:t/>
-            </a:r>
             <a:endParaRPr/>
           </a:p>
         </p:txBody>
@@ -4185,12 +4271,12 @@
             </a:ln>
           </p:spPr>
           <p:txBody>
-            <a:bodyPr anchorCtr="0" anchor="ctr" bIns="91425" lIns="91425" spcFirstLastPara="1" rIns="91425" wrap="square" tIns="91425">
+            <a:bodyPr spcFirstLastPara="1" wrap="square" lIns="91425" tIns="91425" rIns="91425" bIns="91425" anchor="ctr" anchorCtr="0">
               <a:noAutofit/>
             </a:bodyPr>
             <a:lstStyle/>
             <a:p>
-              <a:pPr indent="0" lvl="0" marL="0" rtl="0" algn="l">
+              <a:pPr marL="0" lvl="0" indent="0" algn="l" rtl="0">
                 <a:spcBef>
                   <a:spcPts val="0"/>
                 </a:spcBef>
@@ -4199,9 +4285,6 @@
                 </a:spcAft>
                 <a:buNone/>
               </a:pPr>
-              <a:r>
-                <a:t/>
-              </a:r>
               <a:endParaRPr/>
             </a:p>
           </p:txBody>
@@ -4228,12 +4311,12 @@
             </a:ln>
           </p:spPr>
           <p:txBody>
-            <a:bodyPr anchorCtr="0" anchor="ctr" bIns="91425" lIns="91425" spcFirstLastPara="1" rIns="91425" wrap="square" tIns="91425">
+            <a:bodyPr spcFirstLastPara="1" wrap="square" lIns="91425" tIns="91425" rIns="91425" bIns="91425" anchor="ctr" anchorCtr="0">
               <a:noAutofit/>
             </a:bodyPr>
             <a:lstStyle/>
             <a:p>
-              <a:pPr indent="0" lvl="0" marL="0" rtl="0" algn="l">
+              <a:pPr marL="0" lvl="0" indent="0" algn="l" rtl="0">
                 <a:spcBef>
                   <a:spcPts val="0"/>
                 </a:spcBef>
@@ -4242,9 +4325,6 @@
                 </a:spcAft>
                 <a:buNone/>
               </a:pPr>
-              <a:r>
-                <a:t/>
-              </a:r>
               <a:endParaRPr/>
             </a:p>
           </p:txBody>
@@ -4253,7 +4333,9 @@
       <p:sp>
         <p:nvSpPr>
           <p:cNvPr id="36" name="Google Shape;36;p5"/>
-          <p:cNvSpPr txBox="1"/>
+          <p:cNvSpPr txBox="1">
+            <a:spLocks noGrp="1"/>
+          </p:cNvSpPr>
           <p:nvPr>
             <p:ph type="title"/>
           </p:nvPr>
@@ -4268,7 +4350,7 @@
           </a:prstGeom>
         </p:spPr>
         <p:txBody>
-          <a:bodyPr anchorCtr="0" anchor="t" bIns="91425" lIns="91425" spcFirstLastPara="1" rIns="91425" wrap="square" tIns="91425">
+          <a:bodyPr spcFirstLastPara="1" wrap="square" lIns="91425" tIns="91425" rIns="91425" bIns="91425" anchor="t" anchorCtr="0">
             <a:normAutofit/>
           </a:bodyPr>
           <a:lstStyle>
@@ -4372,15 +4454,19 @@
               <a:defRPr sz="2600"/>
             </a:lvl9pPr>
           </a:lstStyle>
-          <a:p/>
+          <a:p>
+            <a:endParaRPr/>
+          </a:p>
         </p:txBody>
       </p:sp>
       <p:sp>
         <p:nvSpPr>
           <p:cNvPr id="37" name="Google Shape;37;p5"/>
-          <p:cNvSpPr txBox="1"/>
+          <p:cNvSpPr txBox="1">
+            <a:spLocks noGrp="1"/>
+          </p:cNvSpPr>
           <p:nvPr>
-            <p:ph idx="1" type="body"/>
+            <p:ph type="body" idx="1"/>
           </p:nvPr>
         </p:nvSpPr>
         <p:spPr>
@@ -4393,11 +4479,11 @@
           </a:prstGeom>
         </p:spPr>
         <p:txBody>
-          <a:bodyPr anchorCtr="0" anchor="t" bIns="91425" lIns="91425" spcFirstLastPara="1" rIns="91425" wrap="square" tIns="91425">
+          <a:bodyPr spcFirstLastPara="1" wrap="square" lIns="91425" tIns="91425" rIns="91425" bIns="91425" anchor="t" anchorCtr="0">
             <a:normAutofit/>
           </a:bodyPr>
           <a:lstStyle>
-            <a:lvl1pPr indent="-311150" lvl="0" marL="457200">
+            <a:lvl1pPr marL="457200" lvl="0" indent="-311150">
               <a:spcBef>
                 <a:spcPts val="0"/>
               </a:spcBef>
@@ -4408,7 +4494,7 @@
               <a:buChar char="●"/>
               <a:defRPr/>
             </a:lvl1pPr>
-            <a:lvl2pPr indent="-298450" lvl="1" marL="914400">
+            <a:lvl2pPr marL="914400" lvl="1" indent="-298450">
               <a:spcBef>
                 <a:spcPts val="0"/>
               </a:spcBef>
@@ -4419,7 +4505,7 @@
               <a:buChar char="○"/>
               <a:defRPr/>
             </a:lvl2pPr>
-            <a:lvl3pPr indent="-298450" lvl="2" marL="1371600">
+            <a:lvl3pPr marL="1371600" lvl="2" indent="-298450">
               <a:spcBef>
                 <a:spcPts val="0"/>
               </a:spcBef>
@@ -4430,7 +4516,7 @@
               <a:buChar char="■"/>
               <a:defRPr/>
             </a:lvl3pPr>
-            <a:lvl4pPr indent="-298450" lvl="3" marL="1828800">
+            <a:lvl4pPr marL="1828800" lvl="3" indent="-298450">
               <a:spcBef>
                 <a:spcPts val="0"/>
               </a:spcBef>
@@ -4441,7 +4527,7 @@
               <a:buChar char="●"/>
               <a:defRPr/>
             </a:lvl4pPr>
-            <a:lvl5pPr indent="-298450" lvl="4" marL="2286000">
+            <a:lvl5pPr marL="2286000" lvl="4" indent="-298450">
               <a:spcBef>
                 <a:spcPts val="0"/>
               </a:spcBef>
@@ -4452,7 +4538,7 @@
               <a:buChar char="○"/>
               <a:defRPr/>
             </a:lvl5pPr>
-            <a:lvl6pPr indent="-298450" lvl="5" marL="2743200">
+            <a:lvl6pPr marL="2743200" lvl="5" indent="-298450">
               <a:spcBef>
                 <a:spcPts val="0"/>
               </a:spcBef>
@@ -4463,7 +4549,7 @@
               <a:buChar char="■"/>
               <a:defRPr/>
             </a:lvl6pPr>
-            <a:lvl7pPr indent="-298450" lvl="6" marL="3200400">
+            <a:lvl7pPr marL="3200400" lvl="6" indent="-298450">
               <a:spcBef>
                 <a:spcPts val="0"/>
               </a:spcBef>
@@ -4474,7 +4560,7 @@
               <a:buChar char="●"/>
               <a:defRPr/>
             </a:lvl7pPr>
-            <a:lvl8pPr indent="-298450" lvl="7" marL="3657600">
+            <a:lvl8pPr marL="3657600" lvl="7" indent="-298450">
               <a:spcBef>
                 <a:spcPts val="0"/>
               </a:spcBef>
@@ -4485,7 +4571,7 @@
               <a:buChar char="○"/>
               <a:defRPr/>
             </a:lvl8pPr>
-            <a:lvl9pPr indent="-298450" lvl="8" marL="4114800">
+            <a:lvl9pPr marL="4114800" lvl="8" indent="-298450">
               <a:spcBef>
                 <a:spcPts val="0"/>
               </a:spcBef>
@@ -4497,15 +4583,19 @@
               <a:defRPr/>
             </a:lvl9pPr>
           </a:lstStyle>
-          <a:p/>
+          <a:p>
+            <a:endParaRPr/>
+          </a:p>
         </p:txBody>
       </p:sp>
       <p:sp>
         <p:nvSpPr>
           <p:cNvPr id="38" name="Google Shape;38;p5"/>
-          <p:cNvSpPr txBox="1"/>
+          <p:cNvSpPr txBox="1">
+            <a:spLocks noGrp="1"/>
+          </p:cNvSpPr>
           <p:nvPr>
-            <p:ph idx="2" type="body"/>
+            <p:ph type="body" idx="2"/>
           </p:nvPr>
         </p:nvSpPr>
         <p:spPr>
@@ -4518,11 +4608,11 @@
           </a:prstGeom>
         </p:spPr>
         <p:txBody>
-          <a:bodyPr anchorCtr="0" anchor="t" bIns="91425" lIns="91425" spcFirstLastPara="1" rIns="91425" wrap="square" tIns="91425">
+          <a:bodyPr spcFirstLastPara="1" wrap="square" lIns="91425" tIns="91425" rIns="91425" bIns="91425" anchor="t" anchorCtr="0">
             <a:normAutofit/>
           </a:bodyPr>
           <a:lstStyle>
-            <a:lvl1pPr indent="-311150" lvl="0" marL="457200">
+            <a:lvl1pPr marL="457200" lvl="0" indent="-311150">
               <a:spcBef>
                 <a:spcPts val="0"/>
               </a:spcBef>
@@ -4533,7 +4623,7 @@
               <a:buChar char="●"/>
               <a:defRPr/>
             </a:lvl1pPr>
-            <a:lvl2pPr indent="-298450" lvl="1" marL="914400">
+            <a:lvl2pPr marL="914400" lvl="1" indent="-298450">
               <a:spcBef>
                 <a:spcPts val="0"/>
               </a:spcBef>
@@ -4544,7 +4634,7 @@
               <a:buChar char="○"/>
               <a:defRPr/>
             </a:lvl2pPr>
-            <a:lvl3pPr indent="-298450" lvl="2" marL="1371600">
+            <a:lvl3pPr marL="1371600" lvl="2" indent="-298450">
               <a:spcBef>
                 <a:spcPts val="0"/>
               </a:spcBef>
@@ -4555,7 +4645,7 @@
               <a:buChar char="■"/>
               <a:defRPr/>
             </a:lvl3pPr>
-            <a:lvl4pPr indent="-298450" lvl="3" marL="1828800">
+            <a:lvl4pPr marL="1828800" lvl="3" indent="-298450">
               <a:spcBef>
                 <a:spcPts val="0"/>
               </a:spcBef>
@@ -4566,7 +4656,7 @@
               <a:buChar char="●"/>
               <a:defRPr/>
             </a:lvl4pPr>
-            <a:lvl5pPr indent="-298450" lvl="4" marL="2286000">
+            <a:lvl5pPr marL="2286000" lvl="4" indent="-298450">
               <a:spcBef>
                 <a:spcPts val="0"/>
               </a:spcBef>
@@ -4577,7 +4667,7 @@
               <a:buChar char="○"/>
               <a:defRPr/>
             </a:lvl5pPr>
-            <a:lvl6pPr indent="-298450" lvl="5" marL="2743200">
+            <a:lvl6pPr marL="2743200" lvl="5" indent="-298450">
               <a:spcBef>
                 <a:spcPts val="0"/>
               </a:spcBef>
@@ -4588,7 +4678,7 @@
               <a:buChar char="■"/>
               <a:defRPr/>
             </a:lvl6pPr>
-            <a:lvl7pPr indent="-298450" lvl="6" marL="3200400">
+            <a:lvl7pPr marL="3200400" lvl="6" indent="-298450">
               <a:spcBef>
                 <a:spcPts val="0"/>
               </a:spcBef>
@@ -4599,7 +4689,7 @@
               <a:buChar char="●"/>
               <a:defRPr/>
             </a:lvl7pPr>
-            <a:lvl8pPr indent="-298450" lvl="7" marL="3657600">
+            <a:lvl8pPr marL="3657600" lvl="7" indent="-298450">
               <a:spcBef>
                 <a:spcPts val="0"/>
               </a:spcBef>
@@ -4610,7 +4700,7 @@
               <a:buChar char="○"/>
               <a:defRPr/>
             </a:lvl8pPr>
-            <a:lvl9pPr indent="-298450" lvl="8" marL="4114800">
+            <a:lvl9pPr marL="4114800" lvl="8" indent="-298450">
               <a:spcBef>
                 <a:spcPts val="0"/>
               </a:spcBef>
@@ -4622,15 +4712,19 @@
               <a:defRPr/>
             </a:lvl9pPr>
           </a:lstStyle>
-          <a:p/>
+          <a:p>
+            <a:endParaRPr/>
+          </a:p>
         </p:txBody>
       </p:sp>
       <p:sp>
         <p:nvSpPr>
           <p:cNvPr id="39" name="Google Shape;39;p5"/>
-          <p:cNvSpPr txBox="1"/>
+          <p:cNvSpPr txBox="1">
+            <a:spLocks noGrp="1"/>
+          </p:cNvSpPr>
           <p:nvPr>
-            <p:ph idx="12" type="sldNum"/>
+            <p:ph type="sldNum" idx="12"/>
           </p:nvPr>
         </p:nvSpPr>
         <p:spPr>
@@ -4643,7 +4737,7 @@
           </a:prstGeom>
         </p:spPr>
         <p:txBody>
-          <a:bodyPr anchorCtr="0" anchor="ctr" bIns="91425" lIns="91425" spcFirstLastPara="1" rIns="91425" wrap="square" tIns="91425">
+          <a:bodyPr spcFirstLastPara="1" wrap="square" lIns="91425" tIns="91425" rIns="91425" bIns="91425" anchor="ctr" anchorCtr="0">
             <a:normAutofit/>
           </a:bodyPr>
           <a:lstStyle>
@@ -4685,7 +4779,7 @@
             </a:lvl9pPr>
           </a:lstStyle>
           <a:p>
-            <a:pPr indent="0" lvl="0" marL="0" rtl="0" algn="r">
+            <a:pPr marL="0" lvl="0" indent="0" algn="r" rtl="0">
               <a:spcBef>
                 <a:spcPts val="0"/>
               </a:spcBef>
@@ -4711,11 +4805,11 @@
 </file>
 
 <file path=ppt/slideLayouts/slideLayout5.xml><?xml version="1.0" encoding="utf-8"?>
-<p:sldLayout xmlns:a="http://schemas.openxmlformats.org/drawingml/2006/main" xmlns:r="http://schemas.openxmlformats.org/officeDocument/2006/relationships" xmlns:mc="http://schemas.openxmlformats.org/markup-compatibility/2006" xmlns:mv="urn:schemas-microsoft-com:mac:vml" xmlns:p="http://schemas.openxmlformats.org/presentationml/2006/main" xmlns:c="http://schemas.openxmlformats.org/drawingml/2006/chart" xmlns:dgm="http://schemas.openxmlformats.org/drawingml/2006/diagram" xmlns:o="urn:schemas-microsoft-com:office:office" xmlns:v="urn:schemas-microsoft-com:vml" xmlns:pvml="urn:schemas-microsoft-com:office:powerpoint" xmlns:com="http://schemas.openxmlformats.org/drawingml/2006/compatibility" xmlns:p14="http://schemas.microsoft.com/office/powerpoint/2010/main" xmlns:p15="http://schemas.microsoft.com/office/powerpoint/2012/main" xmlns:ahyp="http://schemas.microsoft.com/office/drawing/2018/hyperlinkcolor" matchingName="Title only" type="titleOnly">
+<p:sldLayout xmlns:a="http://schemas.openxmlformats.org/drawingml/2006/main" xmlns:r="http://schemas.openxmlformats.org/officeDocument/2006/relationships" xmlns:p="http://schemas.openxmlformats.org/presentationml/2006/main" matchingName="Title only" type="titleOnly">
   <p:cSld name="TITLE_ONLY">
     <p:spTree>
       <p:nvGrpSpPr>
-        <p:cNvPr id="40" name="Shape 40"/>
+        <p:cNvPr id="1" name="Shape 40"/>
         <p:cNvGrpSpPr/>
         <p:nvPr/>
       </p:nvGrpSpPr>
@@ -4749,12 +4843,12 @@
           </a:ln>
         </p:spPr>
         <p:txBody>
-          <a:bodyPr anchorCtr="0" anchor="ctr" bIns="91425" lIns="91425" spcFirstLastPara="1" rIns="91425" wrap="square" tIns="91425">
+          <a:bodyPr spcFirstLastPara="1" wrap="square" lIns="91425" tIns="91425" rIns="91425" bIns="91425" anchor="ctr" anchorCtr="0">
             <a:noAutofit/>
           </a:bodyPr>
           <a:lstStyle/>
           <a:p>
-            <a:pPr indent="0" lvl="0" marL="0" rtl="0" algn="l">
+            <a:pPr marL="0" lvl="0" indent="0" algn="l" rtl="0">
               <a:spcBef>
                 <a:spcPts val="0"/>
               </a:spcBef>
@@ -4763,9 +4857,6 @@
               </a:spcAft>
               <a:buNone/>
             </a:pPr>
-            <a:r>
-              <a:t/>
-            </a:r>
             <a:endParaRPr/>
           </a:p>
         </p:txBody>
@@ -4806,12 +4897,12 @@
             </a:ln>
           </p:spPr>
           <p:txBody>
-            <a:bodyPr anchorCtr="0" anchor="ctr" bIns="91425" lIns="91425" spcFirstLastPara="1" rIns="91425" wrap="square" tIns="91425">
+            <a:bodyPr spcFirstLastPara="1" wrap="square" lIns="91425" tIns="91425" rIns="91425" bIns="91425" anchor="ctr" anchorCtr="0">
               <a:noAutofit/>
             </a:bodyPr>
             <a:lstStyle/>
             <a:p>
-              <a:pPr indent="0" lvl="0" marL="0" rtl="0" algn="l">
+              <a:pPr marL="0" lvl="0" indent="0" algn="l" rtl="0">
                 <a:spcBef>
                   <a:spcPts val="0"/>
                 </a:spcBef>
@@ -4820,9 +4911,6 @@
                 </a:spcAft>
                 <a:buNone/>
               </a:pPr>
-              <a:r>
-                <a:t/>
-              </a:r>
               <a:endParaRPr/>
             </a:p>
           </p:txBody>
@@ -4849,12 +4937,12 @@
             </a:ln>
           </p:spPr>
           <p:txBody>
-            <a:bodyPr anchorCtr="0" anchor="ctr" bIns="91425" lIns="91425" spcFirstLastPara="1" rIns="91425" wrap="square" tIns="91425">
+            <a:bodyPr spcFirstLastPara="1" wrap="square" lIns="91425" tIns="91425" rIns="91425" bIns="91425" anchor="ctr" anchorCtr="0">
               <a:noAutofit/>
             </a:bodyPr>
             <a:lstStyle/>
             <a:p>
-              <a:pPr indent="0" lvl="0" marL="0" rtl="0" algn="l">
+              <a:pPr marL="0" lvl="0" indent="0" algn="l" rtl="0">
                 <a:spcBef>
                   <a:spcPts val="0"/>
                 </a:spcBef>
@@ -4863,9 +4951,6 @@
                 </a:spcAft>
                 <a:buNone/>
               </a:pPr>
-              <a:r>
-                <a:t/>
-              </a:r>
               <a:endParaRPr/>
             </a:p>
           </p:txBody>
@@ -4874,7 +4959,9 @@
       <p:sp>
         <p:nvSpPr>
           <p:cNvPr id="45" name="Google Shape;45;p6"/>
-          <p:cNvSpPr txBox="1"/>
+          <p:cNvSpPr txBox="1">
+            <a:spLocks noGrp="1"/>
+          </p:cNvSpPr>
           <p:nvPr>
             <p:ph type="title"/>
           </p:nvPr>
@@ -4889,7 +4976,7 @@
           </a:prstGeom>
         </p:spPr>
         <p:txBody>
-          <a:bodyPr anchorCtr="0" anchor="t" bIns="91425" lIns="91425" spcFirstLastPara="1" rIns="91425" wrap="square" tIns="91425">
+          <a:bodyPr spcFirstLastPara="1" wrap="square" lIns="91425" tIns="91425" rIns="91425" bIns="91425" anchor="t" anchorCtr="0">
             <a:normAutofit/>
           </a:bodyPr>
           <a:lstStyle>
@@ -4993,15 +5080,19 @@
               <a:defRPr sz="2600"/>
             </a:lvl9pPr>
           </a:lstStyle>
-          <a:p/>
+          <a:p>
+            <a:endParaRPr/>
+          </a:p>
         </p:txBody>
       </p:sp>
       <p:sp>
         <p:nvSpPr>
           <p:cNvPr id="46" name="Google Shape;46;p6"/>
-          <p:cNvSpPr txBox="1"/>
+          <p:cNvSpPr txBox="1">
+            <a:spLocks noGrp="1"/>
+          </p:cNvSpPr>
           <p:nvPr>
-            <p:ph idx="12" type="sldNum"/>
+            <p:ph type="sldNum" idx="12"/>
           </p:nvPr>
         </p:nvSpPr>
         <p:spPr>
@@ -5014,7 +5105,7 @@
           </a:prstGeom>
         </p:spPr>
         <p:txBody>
-          <a:bodyPr anchorCtr="0" anchor="ctr" bIns="91425" lIns="91425" spcFirstLastPara="1" rIns="91425" wrap="square" tIns="91425">
+          <a:bodyPr spcFirstLastPara="1" wrap="square" lIns="91425" tIns="91425" rIns="91425" bIns="91425" anchor="ctr" anchorCtr="0">
             <a:normAutofit/>
           </a:bodyPr>
           <a:lstStyle>
@@ -5056,7 +5147,7 @@
             </a:lvl9pPr>
           </a:lstStyle>
           <a:p>
-            <a:pPr indent="0" lvl="0" marL="0" rtl="0" algn="r">
+            <a:pPr marL="0" lvl="0" indent="0" algn="r" rtl="0">
               <a:spcBef>
                 <a:spcPts val="0"/>
               </a:spcBef>
@@ -5082,11 +5173,11 @@
 </file>
 
 <file path=ppt/slideLayouts/slideLayout6.xml><?xml version="1.0" encoding="utf-8"?>
-<p:sldLayout xmlns:a="http://schemas.openxmlformats.org/drawingml/2006/main" xmlns:r="http://schemas.openxmlformats.org/officeDocument/2006/relationships" xmlns:mc="http://schemas.openxmlformats.org/markup-compatibility/2006" xmlns:mv="urn:schemas-microsoft-com:mac:vml" xmlns:p="http://schemas.openxmlformats.org/presentationml/2006/main" xmlns:c="http://schemas.openxmlformats.org/drawingml/2006/chart" xmlns:dgm="http://schemas.openxmlformats.org/drawingml/2006/diagram" xmlns:o="urn:schemas-microsoft-com:office:office" xmlns:v="urn:schemas-microsoft-com:vml" xmlns:pvml="urn:schemas-microsoft-com:office:powerpoint" xmlns:com="http://schemas.openxmlformats.org/drawingml/2006/compatibility" xmlns:p14="http://schemas.microsoft.com/office/powerpoint/2010/main" xmlns:p15="http://schemas.microsoft.com/office/powerpoint/2012/main" xmlns:ahyp="http://schemas.microsoft.com/office/drawing/2018/hyperlinkcolor" matchingName="One column text">
+<p:sldLayout xmlns:a="http://schemas.openxmlformats.org/drawingml/2006/main" xmlns:r="http://schemas.openxmlformats.org/officeDocument/2006/relationships" xmlns:p="http://schemas.openxmlformats.org/presentationml/2006/main" matchingName="One column text">
   <p:cSld name="ONE_COLUMN_TEXT">
     <p:spTree>
       <p:nvGrpSpPr>
-        <p:cNvPr id="47" name="Shape 47"/>
+        <p:cNvPr id="1" name="Shape 47"/>
         <p:cNvGrpSpPr/>
         <p:nvPr/>
       </p:nvGrpSpPr>
@@ -5120,12 +5211,12 @@
           </a:ln>
         </p:spPr>
         <p:txBody>
-          <a:bodyPr anchorCtr="0" anchor="ctr" bIns="91425" lIns="91425" spcFirstLastPara="1" rIns="91425" wrap="square" tIns="91425">
+          <a:bodyPr spcFirstLastPara="1" wrap="square" lIns="91425" tIns="91425" rIns="91425" bIns="91425" anchor="ctr" anchorCtr="0">
             <a:noAutofit/>
           </a:bodyPr>
           <a:lstStyle/>
           <a:p>
-            <a:pPr indent="0" lvl="0" marL="0" rtl="0" algn="l">
+            <a:pPr marL="0" lvl="0" indent="0" algn="l" rtl="0">
               <a:spcBef>
                 <a:spcPts val="0"/>
               </a:spcBef>
@@ -5134,9 +5225,6 @@
               </a:spcAft>
               <a:buNone/>
             </a:pPr>
-            <a:r>
-              <a:t/>
-            </a:r>
             <a:endParaRPr/>
           </a:p>
         </p:txBody>
@@ -5177,12 +5265,12 @@
             </a:ln>
           </p:spPr>
           <p:txBody>
-            <a:bodyPr anchorCtr="0" anchor="ctr" bIns="91425" lIns="91425" spcFirstLastPara="1" rIns="91425" wrap="square" tIns="91425">
+            <a:bodyPr spcFirstLastPara="1" wrap="square" lIns="91425" tIns="91425" rIns="91425" bIns="91425" anchor="ctr" anchorCtr="0">
               <a:noAutofit/>
             </a:bodyPr>
             <a:lstStyle/>
             <a:p>
-              <a:pPr indent="0" lvl="0" marL="0" rtl="0" algn="l">
+              <a:pPr marL="0" lvl="0" indent="0" algn="l" rtl="0">
                 <a:spcBef>
                   <a:spcPts val="0"/>
                 </a:spcBef>
@@ -5191,9 +5279,6 @@
                 </a:spcAft>
                 <a:buNone/>
               </a:pPr>
-              <a:r>
-                <a:t/>
-              </a:r>
               <a:endParaRPr/>
             </a:p>
           </p:txBody>
@@ -5220,12 +5305,12 @@
             </a:ln>
           </p:spPr>
           <p:txBody>
-            <a:bodyPr anchorCtr="0" anchor="ctr" bIns="91425" lIns="91425" spcFirstLastPara="1" rIns="91425" wrap="square" tIns="91425">
+            <a:bodyPr spcFirstLastPara="1" wrap="square" lIns="91425" tIns="91425" rIns="91425" bIns="91425" anchor="ctr" anchorCtr="0">
               <a:noAutofit/>
             </a:bodyPr>
             <a:lstStyle/>
             <a:p>
-              <a:pPr indent="0" lvl="0" marL="0" rtl="0" algn="l">
+              <a:pPr marL="0" lvl="0" indent="0" algn="l" rtl="0">
                 <a:spcBef>
                   <a:spcPts val="0"/>
                 </a:spcBef>
@@ -5234,9 +5319,6 @@
                 </a:spcAft>
                 <a:buNone/>
               </a:pPr>
-              <a:r>
-                <a:t/>
-              </a:r>
               <a:endParaRPr/>
             </a:p>
           </p:txBody>
@@ -5245,7 +5327,9 @@
       <p:sp>
         <p:nvSpPr>
           <p:cNvPr id="52" name="Google Shape;52;p7"/>
-          <p:cNvSpPr txBox="1"/>
+          <p:cNvSpPr txBox="1">
+            <a:spLocks noGrp="1"/>
+          </p:cNvSpPr>
           <p:nvPr>
             <p:ph type="title"/>
           </p:nvPr>
@@ -5260,7 +5344,7 @@
           </a:prstGeom>
         </p:spPr>
         <p:txBody>
-          <a:bodyPr anchorCtr="0" anchor="t" bIns="91425" lIns="91425" spcFirstLastPara="1" rIns="91425" wrap="square" tIns="91425">
+          <a:bodyPr spcFirstLastPara="1" wrap="square" lIns="91425" tIns="91425" rIns="91425" bIns="91425" anchor="t" anchorCtr="0">
             <a:normAutofit/>
           </a:bodyPr>
           <a:lstStyle>
@@ -5364,15 +5448,19 @@
               <a:defRPr sz="2600"/>
             </a:lvl9pPr>
           </a:lstStyle>
-          <a:p/>
+          <a:p>
+            <a:endParaRPr/>
+          </a:p>
         </p:txBody>
       </p:sp>
       <p:sp>
         <p:nvSpPr>
           <p:cNvPr id="53" name="Google Shape;53;p7"/>
-          <p:cNvSpPr txBox="1"/>
+          <p:cNvSpPr txBox="1">
+            <a:spLocks noGrp="1"/>
+          </p:cNvSpPr>
           <p:nvPr>
-            <p:ph idx="1" type="body"/>
+            <p:ph type="body" idx="1"/>
           </p:nvPr>
         </p:nvSpPr>
         <p:spPr>
@@ -5385,11 +5473,11 @@
           </a:prstGeom>
         </p:spPr>
         <p:txBody>
-          <a:bodyPr anchorCtr="0" anchor="t" bIns="91425" lIns="91425" spcFirstLastPara="1" rIns="91425" wrap="square" tIns="91425">
+          <a:bodyPr spcFirstLastPara="1" wrap="square" lIns="91425" tIns="91425" rIns="91425" bIns="91425" anchor="t" anchorCtr="0">
             <a:normAutofit/>
           </a:bodyPr>
           <a:lstStyle>
-            <a:lvl1pPr indent="-311150" lvl="0" marL="457200">
+            <a:lvl1pPr marL="457200" lvl="0" indent="-311150">
               <a:spcBef>
                 <a:spcPts val="0"/>
               </a:spcBef>
@@ -5400,7 +5488,7 @@
               <a:buChar char="●"/>
               <a:defRPr/>
             </a:lvl1pPr>
-            <a:lvl2pPr indent="-298450" lvl="1" marL="914400">
+            <a:lvl2pPr marL="914400" lvl="1" indent="-298450">
               <a:spcBef>
                 <a:spcPts val="0"/>
               </a:spcBef>
@@ -5411,7 +5499,7 @@
               <a:buChar char="○"/>
               <a:defRPr/>
             </a:lvl2pPr>
-            <a:lvl3pPr indent="-298450" lvl="2" marL="1371600">
+            <a:lvl3pPr marL="1371600" lvl="2" indent="-298450">
               <a:spcBef>
                 <a:spcPts val="0"/>
               </a:spcBef>
@@ -5422,7 +5510,7 @@
               <a:buChar char="■"/>
               <a:defRPr/>
             </a:lvl3pPr>
-            <a:lvl4pPr indent="-298450" lvl="3" marL="1828800">
+            <a:lvl4pPr marL="1828800" lvl="3" indent="-298450">
               <a:spcBef>
                 <a:spcPts val="0"/>
               </a:spcBef>
@@ -5433,7 +5521,7 @@
               <a:buChar char="●"/>
               <a:defRPr/>
             </a:lvl4pPr>
-            <a:lvl5pPr indent="-298450" lvl="4" marL="2286000">
+            <a:lvl5pPr marL="2286000" lvl="4" indent="-298450">
               <a:spcBef>
                 <a:spcPts val="0"/>
               </a:spcBef>
@@ -5444,7 +5532,7 @@
               <a:buChar char="○"/>
               <a:defRPr/>
             </a:lvl5pPr>
-            <a:lvl6pPr indent="-298450" lvl="5" marL="2743200">
+            <a:lvl6pPr marL="2743200" lvl="5" indent="-298450">
               <a:spcBef>
                 <a:spcPts val="0"/>
               </a:spcBef>
@@ -5455,7 +5543,7 @@
               <a:buChar char="■"/>
               <a:defRPr/>
             </a:lvl6pPr>
-            <a:lvl7pPr indent="-298450" lvl="6" marL="3200400">
+            <a:lvl7pPr marL="3200400" lvl="6" indent="-298450">
               <a:spcBef>
                 <a:spcPts val="0"/>
               </a:spcBef>
@@ -5466,7 +5554,7 @@
               <a:buChar char="●"/>
               <a:defRPr/>
             </a:lvl7pPr>
-            <a:lvl8pPr indent="-298450" lvl="7" marL="3657600">
+            <a:lvl8pPr marL="3657600" lvl="7" indent="-298450">
               <a:spcBef>
                 <a:spcPts val="0"/>
               </a:spcBef>
@@ -5477,7 +5565,7 @@
               <a:buChar char="○"/>
               <a:defRPr/>
             </a:lvl8pPr>
-            <a:lvl9pPr indent="-298450" lvl="8" marL="4114800">
+            <a:lvl9pPr marL="4114800" lvl="8" indent="-298450">
               <a:spcBef>
                 <a:spcPts val="0"/>
               </a:spcBef>
@@ -5489,15 +5577,19 @@
               <a:defRPr/>
             </a:lvl9pPr>
           </a:lstStyle>
-          <a:p/>
+          <a:p>
+            <a:endParaRPr/>
+          </a:p>
         </p:txBody>
       </p:sp>
       <p:sp>
         <p:nvSpPr>
           <p:cNvPr id="54" name="Google Shape;54;p7"/>
-          <p:cNvSpPr txBox="1"/>
+          <p:cNvSpPr txBox="1">
+            <a:spLocks noGrp="1"/>
+          </p:cNvSpPr>
           <p:nvPr>
-            <p:ph idx="12" type="sldNum"/>
+            <p:ph type="sldNum" idx="12"/>
           </p:nvPr>
         </p:nvSpPr>
         <p:spPr>
@@ -5510,7 +5602,7 @@
           </a:prstGeom>
         </p:spPr>
         <p:txBody>
-          <a:bodyPr anchorCtr="0" anchor="ctr" bIns="91425" lIns="91425" spcFirstLastPara="1" rIns="91425" wrap="square" tIns="91425">
+          <a:bodyPr spcFirstLastPara="1" wrap="square" lIns="91425" tIns="91425" rIns="91425" bIns="91425" anchor="ctr" anchorCtr="0">
             <a:normAutofit/>
           </a:bodyPr>
           <a:lstStyle>
@@ -5552,7 +5644,7 @@
             </a:lvl9pPr>
           </a:lstStyle>
           <a:p>
-            <a:pPr indent="0" lvl="0" marL="0" rtl="0" algn="r">
+            <a:pPr marL="0" lvl="0" indent="0" algn="r" rtl="0">
               <a:spcBef>
                 <a:spcPts val="0"/>
               </a:spcBef>
@@ -5578,18 +5670,19 @@
 </file>
 
 <file path=ppt/slideLayouts/slideLayout7.xml><?xml version="1.0" encoding="utf-8"?>
-<p:sldLayout xmlns:a="http://schemas.openxmlformats.org/drawingml/2006/main" xmlns:r="http://schemas.openxmlformats.org/officeDocument/2006/relationships" xmlns:mc="http://schemas.openxmlformats.org/markup-compatibility/2006" xmlns:mv="urn:schemas-microsoft-com:mac:vml" xmlns:p="http://schemas.openxmlformats.org/presentationml/2006/main" xmlns:c="http://schemas.openxmlformats.org/drawingml/2006/chart" xmlns:dgm="http://schemas.openxmlformats.org/drawingml/2006/diagram" xmlns:o="urn:schemas-microsoft-com:office:office" xmlns:v="urn:schemas-microsoft-com:vml" xmlns:pvml="urn:schemas-microsoft-com:office:powerpoint" xmlns:com="http://schemas.openxmlformats.org/drawingml/2006/compatibility" xmlns:p14="http://schemas.microsoft.com/office/powerpoint/2010/main" xmlns:p15="http://schemas.microsoft.com/office/powerpoint/2012/main" xmlns:ahyp="http://schemas.microsoft.com/office/drawing/2018/hyperlinkcolor" matchingName="Main point">
+<p:sldLayout xmlns:a="http://schemas.openxmlformats.org/drawingml/2006/main" xmlns:r="http://schemas.openxmlformats.org/officeDocument/2006/relationships" xmlns:p="http://schemas.openxmlformats.org/presentationml/2006/main" matchingName="Main point">
   <p:cSld name="MAIN_POINT">
     <p:bg>
       <p:bgPr>
         <a:solidFill>
           <a:schemeClr val="accent3"/>
         </a:solidFill>
+        <a:effectLst/>
       </p:bgPr>
     </p:bg>
     <p:spTree>
       <p:nvGrpSpPr>
-        <p:cNvPr id="55" name="Shape 55"/>
+        <p:cNvPr id="1" name="Shape 55"/>
         <p:cNvGrpSpPr/>
         <p:nvPr/>
       </p:nvGrpSpPr>
@@ -5637,12 +5730,12 @@
             </a:ln>
           </p:spPr>
           <p:txBody>
-            <a:bodyPr anchorCtr="0" anchor="ctr" bIns="91425" lIns="91425" spcFirstLastPara="1" rIns="91425" wrap="square" tIns="91425">
+            <a:bodyPr spcFirstLastPara="1" wrap="square" lIns="91425" tIns="91425" rIns="91425" bIns="91425" anchor="ctr" anchorCtr="0">
               <a:noAutofit/>
             </a:bodyPr>
             <a:lstStyle/>
             <a:p>
-              <a:pPr indent="0" lvl="0" marL="0" rtl="0" algn="l">
+              <a:pPr marL="0" lvl="0" indent="0" algn="l" rtl="0">
                 <a:spcBef>
                   <a:spcPts val="0"/>
                 </a:spcBef>
@@ -5651,9 +5744,6 @@
                 </a:spcAft>
                 <a:buNone/>
               </a:pPr>
-              <a:r>
-                <a:t/>
-              </a:r>
               <a:endParaRPr/>
             </a:p>
           </p:txBody>
@@ -5680,12 +5770,12 @@
             </a:ln>
           </p:spPr>
           <p:txBody>
-            <a:bodyPr anchorCtr="0" anchor="ctr" bIns="91425" lIns="91425" spcFirstLastPara="1" rIns="91425" wrap="square" tIns="91425">
+            <a:bodyPr spcFirstLastPara="1" wrap="square" lIns="91425" tIns="91425" rIns="91425" bIns="91425" anchor="ctr" anchorCtr="0">
               <a:noAutofit/>
             </a:bodyPr>
             <a:lstStyle/>
             <a:p>
-              <a:pPr indent="0" lvl="0" marL="0" rtl="0" algn="l">
+              <a:pPr marL="0" lvl="0" indent="0" algn="l" rtl="0">
                 <a:spcBef>
                   <a:spcPts val="0"/>
                 </a:spcBef>
@@ -5694,9 +5784,6 @@
                 </a:spcAft>
                 <a:buNone/>
               </a:pPr>
-              <a:r>
-                <a:t/>
-              </a:r>
               <a:endParaRPr/>
             </a:p>
           </p:txBody>
@@ -5705,7 +5792,9 @@
       <p:sp>
         <p:nvSpPr>
           <p:cNvPr id="59" name="Google Shape;59;p8"/>
-          <p:cNvSpPr txBox="1"/>
+          <p:cNvSpPr txBox="1">
+            <a:spLocks noGrp="1"/>
+          </p:cNvSpPr>
           <p:nvPr>
             <p:ph type="title"/>
           </p:nvPr>
@@ -5720,7 +5809,7 @@
           </a:prstGeom>
         </p:spPr>
         <p:txBody>
-          <a:bodyPr anchorCtr="0" anchor="ctr" bIns="91425" lIns="91425" spcFirstLastPara="1" rIns="91425" wrap="square" tIns="91425">
+          <a:bodyPr spcFirstLastPara="1" wrap="square" lIns="91425" tIns="91425" rIns="91425" bIns="91425" anchor="ctr" anchorCtr="0">
             <a:normAutofit/>
           </a:bodyPr>
           <a:lstStyle>
@@ -5887,15 +5976,19 @@
               </a:defRPr>
             </a:lvl9pPr>
           </a:lstStyle>
-          <a:p/>
+          <a:p>
+            <a:endParaRPr/>
+          </a:p>
         </p:txBody>
       </p:sp>
       <p:sp>
         <p:nvSpPr>
           <p:cNvPr id="60" name="Google Shape;60;p8"/>
-          <p:cNvSpPr txBox="1"/>
+          <p:cNvSpPr txBox="1">
+            <a:spLocks noGrp="1"/>
+          </p:cNvSpPr>
           <p:nvPr>
-            <p:ph idx="12" type="sldNum"/>
+            <p:ph type="sldNum" idx="12"/>
           </p:nvPr>
         </p:nvSpPr>
         <p:spPr>
@@ -5908,7 +6001,7 @@
           </a:prstGeom>
         </p:spPr>
         <p:txBody>
-          <a:bodyPr anchorCtr="0" anchor="ctr" bIns="91425" lIns="91425" spcFirstLastPara="1" rIns="91425" wrap="square" tIns="91425">
+          <a:bodyPr spcFirstLastPara="1" wrap="square" lIns="91425" tIns="91425" rIns="91425" bIns="91425" anchor="ctr" anchorCtr="0">
             <a:normAutofit/>
           </a:bodyPr>
           <a:lstStyle>
@@ -5986,7 +6079,7 @@
             </a:lvl9pPr>
           </a:lstStyle>
           <a:p>
-            <a:pPr indent="0" lvl="0" marL="0" rtl="0" algn="r">
+            <a:pPr marL="0" lvl="0" indent="0" algn="r" rtl="0">
               <a:spcBef>
                 <a:spcPts val="0"/>
               </a:spcBef>
@@ -6012,11 +6105,11 @@
 </file>
 
 <file path=ppt/slideLayouts/slideLayout8.xml><?xml version="1.0" encoding="utf-8"?>
-<p:sldLayout xmlns:a="http://schemas.openxmlformats.org/drawingml/2006/main" xmlns:r="http://schemas.openxmlformats.org/officeDocument/2006/relationships" xmlns:mc="http://schemas.openxmlformats.org/markup-compatibility/2006" xmlns:mv="urn:schemas-microsoft-com:mac:vml" xmlns:p="http://schemas.openxmlformats.org/presentationml/2006/main" xmlns:c="http://schemas.openxmlformats.org/drawingml/2006/chart" xmlns:dgm="http://schemas.openxmlformats.org/drawingml/2006/diagram" xmlns:o="urn:schemas-microsoft-com:office:office" xmlns:v="urn:schemas-microsoft-com:vml" xmlns:pvml="urn:schemas-microsoft-com:office:powerpoint" xmlns:com="http://schemas.openxmlformats.org/drawingml/2006/compatibility" xmlns:p14="http://schemas.microsoft.com/office/powerpoint/2010/main" xmlns:p15="http://schemas.microsoft.com/office/powerpoint/2012/main" xmlns:ahyp="http://schemas.microsoft.com/office/drawing/2018/hyperlinkcolor" matchingName="Section title and description">
+<p:sldLayout xmlns:a="http://schemas.openxmlformats.org/drawingml/2006/main" xmlns:r="http://schemas.openxmlformats.org/officeDocument/2006/relationships" xmlns:p="http://schemas.openxmlformats.org/presentationml/2006/main" matchingName="Section title and description">
   <p:cSld name="SECTION_TITLE_AND_DESCRIPTION">
     <p:spTree>
       <p:nvGrpSpPr>
-        <p:cNvPr id="61" name="Shape 61"/>
+        <p:cNvPr id="1" name="Shape 61"/>
         <p:cNvGrpSpPr/>
         <p:nvPr/>
       </p:nvGrpSpPr>
@@ -6050,12 +6143,12 @@
           </a:ln>
         </p:spPr>
         <p:txBody>
-          <a:bodyPr anchorCtr="0" anchor="ctr" bIns="91425" lIns="91425" spcFirstLastPara="1" rIns="91425" wrap="square" tIns="91425">
+          <a:bodyPr spcFirstLastPara="1" wrap="square" lIns="91425" tIns="91425" rIns="91425" bIns="91425" anchor="ctr" anchorCtr="0">
             <a:noAutofit/>
           </a:bodyPr>
           <a:lstStyle/>
           <a:p>
-            <a:pPr indent="0" lvl="0" marL="0" rtl="0" algn="l">
+            <a:pPr marL="0" lvl="0" indent="0" algn="l" rtl="0">
               <a:spcBef>
                 <a:spcPts val="0"/>
               </a:spcBef>
@@ -6064,9 +6157,6 @@
               </a:spcAft>
               <a:buNone/>
             </a:pPr>
-            <a:r>
-              <a:t/>
-            </a:r>
             <a:endParaRPr/>
           </a:p>
         </p:txBody>
@@ -6107,12 +6197,12 @@
             </a:ln>
           </p:spPr>
           <p:txBody>
-            <a:bodyPr anchorCtr="0" anchor="ctr" bIns="91425" lIns="91425" spcFirstLastPara="1" rIns="91425" wrap="square" tIns="91425">
+            <a:bodyPr spcFirstLastPara="1" wrap="square" lIns="91425" tIns="91425" rIns="91425" bIns="91425" anchor="ctr" anchorCtr="0">
               <a:noAutofit/>
             </a:bodyPr>
             <a:lstStyle/>
             <a:p>
-              <a:pPr indent="0" lvl="0" marL="0" rtl="0" algn="l">
+              <a:pPr marL="0" lvl="0" indent="0" algn="l" rtl="0">
                 <a:spcBef>
                   <a:spcPts val="0"/>
                 </a:spcBef>
@@ -6121,9 +6211,6 @@
                 </a:spcAft>
                 <a:buNone/>
               </a:pPr>
-              <a:r>
-                <a:t/>
-              </a:r>
               <a:endParaRPr/>
             </a:p>
           </p:txBody>
@@ -6150,12 +6237,12 @@
             </a:ln>
           </p:spPr>
           <p:txBody>
-            <a:bodyPr anchorCtr="0" anchor="ctr" bIns="91425" lIns="91425" spcFirstLastPara="1" rIns="91425" wrap="square" tIns="91425">
+            <a:bodyPr spcFirstLastPara="1" wrap="square" lIns="91425" tIns="91425" rIns="91425" bIns="91425" anchor="ctr" anchorCtr="0">
               <a:noAutofit/>
             </a:bodyPr>
             <a:lstStyle/>
             <a:p>
-              <a:pPr indent="0" lvl="0" marL="0" rtl="0" algn="l">
+              <a:pPr marL="0" lvl="0" indent="0" algn="l" rtl="0">
                 <a:spcBef>
                   <a:spcPts val="0"/>
                 </a:spcBef>
@@ -6164,9 +6251,6 @@
                 </a:spcAft>
                 <a:buNone/>
               </a:pPr>
-              <a:r>
-                <a:t/>
-              </a:r>
               <a:endParaRPr/>
             </a:p>
           </p:txBody>
@@ -6175,7 +6259,9 @@
       <p:sp>
         <p:nvSpPr>
           <p:cNvPr id="66" name="Google Shape;66;p9"/>
-          <p:cNvSpPr txBox="1"/>
+          <p:cNvSpPr txBox="1">
+            <a:spLocks noGrp="1"/>
+          </p:cNvSpPr>
           <p:nvPr>
             <p:ph type="title"/>
           </p:nvPr>
@@ -6190,7 +6276,7 @@
           </a:prstGeom>
         </p:spPr>
         <p:txBody>
-          <a:bodyPr anchorCtr="0" anchor="t" bIns="91425" lIns="91425" spcFirstLastPara="1" rIns="91425" wrap="square" tIns="91425">
+          <a:bodyPr spcFirstLastPara="1" wrap="square" lIns="91425" tIns="91425" rIns="91425" bIns="91425" anchor="t" anchorCtr="0">
             <a:normAutofit/>
           </a:bodyPr>
           <a:lstStyle>
@@ -6294,15 +6380,19 @@
               <a:defRPr sz="2600"/>
             </a:lvl9pPr>
           </a:lstStyle>
-          <a:p/>
+          <a:p>
+            <a:endParaRPr/>
+          </a:p>
         </p:txBody>
       </p:sp>
       <p:sp>
         <p:nvSpPr>
           <p:cNvPr id="67" name="Google Shape;67;p9"/>
-          <p:cNvSpPr txBox="1"/>
+          <p:cNvSpPr txBox="1">
+            <a:spLocks noGrp="1"/>
+          </p:cNvSpPr>
           <p:nvPr>
-            <p:ph idx="1" type="subTitle"/>
+            <p:ph type="subTitle" idx="1"/>
           </p:nvPr>
         </p:nvSpPr>
         <p:spPr>
@@ -6315,7 +6405,7 @@
           </a:prstGeom>
         </p:spPr>
         <p:txBody>
-          <a:bodyPr anchorCtr="0" anchor="t" bIns="91425" lIns="91425" spcFirstLastPara="1" rIns="91425" wrap="square" tIns="91425">
+          <a:bodyPr spcFirstLastPara="1" wrap="square" lIns="91425" tIns="91425" rIns="91425" bIns="91425" anchor="t" anchorCtr="0">
             <a:normAutofit/>
           </a:bodyPr>
           <a:lstStyle>
@@ -6446,15 +6536,19 @@
               <a:defRPr sz="1600"/>
             </a:lvl9pPr>
           </a:lstStyle>
-          <a:p/>
+          <a:p>
+            <a:endParaRPr/>
+          </a:p>
         </p:txBody>
       </p:sp>
       <p:sp>
         <p:nvSpPr>
           <p:cNvPr id="68" name="Google Shape;68;p9"/>
-          <p:cNvSpPr txBox="1"/>
+          <p:cNvSpPr txBox="1">
+            <a:spLocks noGrp="1"/>
+          </p:cNvSpPr>
           <p:nvPr>
-            <p:ph idx="2" type="body"/>
+            <p:ph type="body" idx="2"/>
           </p:nvPr>
         </p:nvSpPr>
         <p:spPr>
@@ -6467,11 +6561,11 @@
           </a:prstGeom>
         </p:spPr>
         <p:txBody>
-          <a:bodyPr anchorCtr="0" anchor="t" bIns="91425" lIns="91425" spcFirstLastPara="1" rIns="91425" wrap="square" tIns="91425">
+          <a:bodyPr spcFirstLastPara="1" wrap="square" lIns="91425" tIns="91425" rIns="91425" bIns="91425" anchor="t" anchorCtr="0">
             <a:normAutofit/>
           </a:bodyPr>
           <a:lstStyle>
-            <a:lvl1pPr indent="-311150" lvl="0" marL="457200">
+            <a:lvl1pPr marL="457200" lvl="0" indent="-311150">
               <a:spcBef>
                 <a:spcPts val="0"/>
               </a:spcBef>
@@ -6482,7 +6576,7 @@
               <a:buChar char="●"/>
               <a:defRPr/>
             </a:lvl1pPr>
-            <a:lvl2pPr indent="-298450" lvl="1" marL="914400">
+            <a:lvl2pPr marL="914400" lvl="1" indent="-298450">
               <a:spcBef>
                 <a:spcPts val="0"/>
               </a:spcBef>
@@ -6493,7 +6587,7 @@
               <a:buChar char="○"/>
               <a:defRPr/>
             </a:lvl2pPr>
-            <a:lvl3pPr indent="-298450" lvl="2" marL="1371600">
+            <a:lvl3pPr marL="1371600" lvl="2" indent="-298450">
               <a:spcBef>
                 <a:spcPts val="0"/>
               </a:spcBef>
@@ -6504,7 +6598,7 @@
               <a:buChar char="■"/>
               <a:defRPr/>
             </a:lvl3pPr>
-            <a:lvl4pPr indent="-298450" lvl="3" marL="1828800">
+            <a:lvl4pPr marL="1828800" lvl="3" indent="-298450">
               <a:spcBef>
                 <a:spcPts val="0"/>
               </a:spcBef>
@@ -6515,7 +6609,7 @@
               <a:buChar char="●"/>
               <a:defRPr/>
             </a:lvl4pPr>
-            <a:lvl5pPr indent="-298450" lvl="4" marL="2286000">
+            <a:lvl5pPr marL="2286000" lvl="4" indent="-298450">
               <a:spcBef>
                 <a:spcPts val="0"/>
               </a:spcBef>
@@ -6526,7 +6620,7 @@
               <a:buChar char="○"/>
               <a:defRPr/>
             </a:lvl5pPr>
-            <a:lvl6pPr indent="-298450" lvl="5" marL="2743200">
+            <a:lvl6pPr marL="2743200" lvl="5" indent="-298450">
               <a:spcBef>
                 <a:spcPts val="0"/>
               </a:spcBef>
@@ -6537,7 +6631,7 @@
               <a:buChar char="■"/>
               <a:defRPr/>
             </a:lvl6pPr>
-            <a:lvl7pPr indent="-298450" lvl="6" marL="3200400">
+            <a:lvl7pPr marL="3200400" lvl="6" indent="-298450">
               <a:spcBef>
                 <a:spcPts val="0"/>
               </a:spcBef>
@@ -6548,7 +6642,7 @@
               <a:buChar char="●"/>
               <a:defRPr/>
             </a:lvl7pPr>
-            <a:lvl8pPr indent="-298450" lvl="7" marL="3657600">
+            <a:lvl8pPr marL="3657600" lvl="7" indent="-298450">
               <a:spcBef>
                 <a:spcPts val="0"/>
               </a:spcBef>
@@ -6559,7 +6653,7 @@
               <a:buChar char="○"/>
               <a:defRPr/>
             </a:lvl8pPr>
-            <a:lvl9pPr indent="-298450" lvl="8" marL="4114800">
+            <a:lvl9pPr marL="4114800" lvl="8" indent="-298450">
               <a:spcBef>
                 <a:spcPts val="0"/>
               </a:spcBef>
@@ -6571,15 +6665,19 @@
               <a:defRPr/>
             </a:lvl9pPr>
           </a:lstStyle>
-          <a:p/>
+          <a:p>
+            <a:endParaRPr/>
+          </a:p>
         </p:txBody>
       </p:sp>
       <p:sp>
         <p:nvSpPr>
           <p:cNvPr id="69" name="Google Shape;69;p9"/>
-          <p:cNvSpPr txBox="1"/>
+          <p:cNvSpPr txBox="1">
+            <a:spLocks noGrp="1"/>
+          </p:cNvSpPr>
           <p:nvPr>
-            <p:ph idx="12" type="sldNum"/>
+            <p:ph type="sldNum" idx="12"/>
           </p:nvPr>
         </p:nvSpPr>
         <p:spPr>
@@ -6592,7 +6690,7 @@
           </a:prstGeom>
         </p:spPr>
         <p:txBody>
-          <a:bodyPr anchorCtr="0" anchor="ctr" bIns="91425" lIns="91425" spcFirstLastPara="1" rIns="91425" wrap="square" tIns="91425">
+          <a:bodyPr spcFirstLastPara="1" wrap="square" lIns="91425" tIns="91425" rIns="91425" bIns="91425" anchor="ctr" anchorCtr="0">
             <a:normAutofit/>
           </a:bodyPr>
           <a:lstStyle>
@@ -6634,7 +6732,7 @@
             </a:lvl9pPr>
           </a:lstStyle>
           <a:p>
-            <a:pPr indent="0" lvl="0" marL="0" rtl="0" algn="r">
+            <a:pPr marL="0" lvl="0" indent="0" algn="r" rtl="0">
               <a:spcBef>
                 <a:spcPts val="0"/>
               </a:spcBef>
@@ -6660,11 +6758,11 @@
 </file>
 
 <file path=ppt/slideLayouts/slideLayout9.xml><?xml version="1.0" encoding="utf-8"?>
-<p:sldLayout xmlns:a="http://schemas.openxmlformats.org/drawingml/2006/main" xmlns:r="http://schemas.openxmlformats.org/officeDocument/2006/relationships" xmlns:mc="http://schemas.openxmlformats.org/markup-compatibility/2006" xmlns:mv="urn:schemas-microsoft-com:mac:vml" xmlns:p="http://schemas.openxmlformats.org/presentationml/2006/main" xmlns:c="http://schemas.openxmlformats.org/drawingml/2006/chart" xmlns:dgm="http://schemas.openxmlformats.org/drawingml/2006/diagram" xmlns:o="urn:schemas-microsoft-com:office:office" xmlns:v="urn:schemas-microsoft-com:vml" xmlns:pvml="urn:schemas-microsoft-com:office:powerpoint" xmlns:com="http://schemas.openxmlformats.org/drawingml/2006/compatibility" xmlns:p14="http://schemas.microsoft.com/office/powerpoint/2010/main" xmlns:p15="http://schemas.microsoft.com/office/powerpoint/2012/main" xmlns:ahyp="http://schemas.microsoft.com/office/drawing/2018/hyperlinkcolor" matchingName="Caption">
+<p:sldLayout xmlns:a="http://schemas.openxmlformats.org/drawingml/2006/main" xmlns:r="http://schemas.openxmlformats.org/officeDocument/2006/relationships" xmlns:p="http://schemas.openxmlformats.org/presentationml/2006/main" matchingName="Caption">
   <p:cSld name="CAPTION_ONLY">
     <p:spTree>
       <p:nvGrpSpPr>
-        <p:cNvPr id="70" name="Shape 70"/>
+        <p:cNvPr id="1" name="Shape 70"/>
         <p:cNvGrpSpPr/>
         <p:nvPr/>
       </p:nvGrpSpPr>
@@ -6679,9 +6777,11 @@
       <p:sp>
         <p:nvSpPr>
           <p:cNvPr id="71" name="Google Shape;71;p10"/>
-          <p:cNvSpPr txBox="1"/>
+          <p:cNvSpPr txBox="1">
+            <a:spLocks noGrp="1"/>
+          </p:cNvSpPr>
           <p:nvPr>
-            <p:ph idx="1" type="body"/>
+            <p:ph type="body" idx="1"/>
           </p:nvPr>
         </p:nvSpPr>
         <p:spPr>
@@ -6694,11 +6794,11 @@
           </a:prstGeom>
         </p:spPr>
         <p:txBody>
-          <a:bodyPr anchorCtr="0" anchor="ctr" bIns="91425" lIns="91425" spcFirstLastPara="1" rIns="91425" wrap="square" tIns="91425">
+          <a:bodyPr spcFirstLastPara="1" wrap="square" lIns="91425" tIns="91425" rIns="91425" bIns="91425" anchor="ctr" anchorCtr="0">
             <a:normAutofit/>
           </a:bodyPr>
           <a:lstStyle>
-            <a:lvl1pPr indent="-228600" lvl="0" marL="457200">
+            <a:lvl1pPr marL="457200" lvl="0" indent="-228600">
               <a:lnSpc>
                 <a:spcPct val="100000"/>
               </a:lnSpc>
@@ -6713,15 +6813,19 @@
               <a:defRPr/>
             </a:lvl1pPr>
           </a:lstStyle>
-          <a:p/>
+          <a:p>
+            <a:endParaRPr/>
+          </a:p>
         </p:txBody>
       </p:sp>
       <p:sp>
         <p:nvSpPr>
           <p:cNvPr id="72" name="Google Shape;72;p10"/>
-          <p:cNvSpPr txBox="1"/>
+          <p:cNvSpPr txBox="1">
+            <a:spLocks noGrp="1"/>
+          </p:cNvSpPr>
           <p:nvPr>
-            <p:ph idx="12" type="sldNum"/>
+            <p:ph type="sldNum" idx="12"/>
           </p:nvPr>
         </p:nvSpPr>
         <p:spPr>
@@ -6734,7 +6838,7 @@
           </a:prstGeom>
         </p:spPr>
         <p:txBody>
-          <a:bodyPr anchorCtr="0" anchor="ctr" bIns="91425" lIns="91425" spcFirstLastPara="1" rIns="91425" wrap="square" tIns="91425">
+          <a:bodyPr spcFirstLastPara="1" wrap="square" lIns="91425" tIns="91425" rIns="91425" bIns="91425" anchor="ctr" anchorCtr="0">
             <a:normAutofit/>
           </a:bodyPr>
           <a:lstStyle>
@@ -6776,7 +6880,7 @@
             </a:lvl9pPr>
           </a:lstStyle>
           <a:p>
-            <a:pPr indent="0" lvl="0" marL="0" rtl="0" algn="r">
+            <a:pPr marL="0" lvl="0" indent="0" algn="r" rtl="0">
               <a:spcBef>
                 <a:spcPts val="0"/>
               </a:spcBef>
@@ -6802,18 +6906,19 @@
 </file>
 
 <file path=ppt/slideMasters/slideMaster1.xml><?xml version="1.0" encoding="utf-8"?>
-<p:sldMaster xmlns:a="http://schemas.openxmlformats.org/drawingml/2006/main" xmlns:r="http://schemas.openxmlformats.org/officeDocument/2006/relationships" xmlns:mc="http://schemas.openxmlformats.org/markup-compatibility/2006" xmlns:mv="urn:schemas-microsoft-com:mac:vml" xmlns:p="http://schemas.openxmlformats.org/presentationml/2006/main" xmlns:c="http://schemas.openxmlformats.org/drawingml/2006/chart" xmlns:dgm="http://schemas.openxmlformats.org/drawingml/2006/diagram" xmlns:o="urn:schemas-microsoft-com:office:office" xmlns:v="urn:schemas-microsoft-com:vml" xmlns:pvml="urn:schemas-microsoft-com:office:powerpoint" xmlns:com="http://schemas.openxmlformats.org/drawingml/2006/compatibility" xmlns:p14="http://schemas.microsoft.com/office/powerpoint/2010/main" xmlns:p15="http://schemas.microsoft.com/office/powerpoint/2012/main" xmlns:ahyp="http://schemas.microsoft.com/office/drawing/2018/hyperlinkcolor">
+<p:sldMaster xmlns:a="http://schemas.openxmlformats.org/drawingml/2006/main" xmlns:r="http://schemas.openxmlformats.org/officeDocument/2006/relationships" xmlns:p="http://schemas.openxmlformats.org/presentationml/2006/main">
   <p:cSld name="streamline">
     <p:bg>
       <p:bgPr>
         <a:solidFill>
           <a:schemeClr val="lt1"/>
         </a:solidFill>
+        <a:effectLst/>
       </p:bgPr>
     </p:bg>
     <p:spTree>
       <p:nvGrpSpPr>
-        <p:cNvPr id="5" name="Shape 5"/>
+        <p:cNvPr id="1" name="Shape 5"/>
         <p:cNvGrpSpPr/>
         <p:nvPr/>
       </p:nvGrpSpPr>
@@ -6828,7 +6933,9 @@
       <p:sp>
         <p:nvSpPr>
           <p:cNvPr id="6" name="Google Shape;6;p1"/>
-          <p:cNvSpPr txBox="1"/>
+          <p:cNvSpPr txBox="1">
+            <a:spLocks noGrp="1"/>
+          </p:cNvSpPr>
           <p:nvPr>
             <p:ph type="title"/>
           </p:nvPr>
@@ -6847,7 +6954,7 @@
           </a:ln>
         </p:spPr>
         <p:txBody>
-          <a:bodyPr anchorCtr="0" anchor="t" bIns="91425" lIns="91425" spcFirstLastPara="1" rIns="91425" wrap="square" tIns="91425">
+          <a:bodyPr spcFirstLastPara="1" wrap="square" lIns="91425" tIns="91425" rIns="91425" bIns="91425" anchor="t" anchorCtr="0">
             <a:normAutofit/>
           </a:bodyPr>
           <a:lstStyle>
@@ -6864,7 +6971,7 @@
               <a:buSzPts val="2800"/>
               <a:buFont typeface="Raleway"/>
               <a:buNone/>
-              <a:defRPr b="1" sz="2800">
+              <a:defRPr sz="2800" b="1">
                 <a:solidFill>
                   <a:schemeClr val="dk2"/>
                 </a:solidFill>
@@ -6887,7 +6994,7 @@
               <a:buSzPts val="2800"/>
               <a:buFont typeface="Raleway"/>
               <a:buNone/>
-              <a:defRPr b="1" sz="2800">
+              <a:defRPr sz="2800" b="1">
                 <a:solidFill>
                   <a:schemeClr val="dk2"/>
                 </a:solidFill>
@@ -6910,7 +7017,7 @@
               <a:buSzPts val="2800"/>
               <a:buFont typeface="Raleway"/>
               <a:buNone/>
-              <a:defRPr b="1" sz="2800">
+              <a:defRPr sz="2800" b="1">
                 <a:solidFill>
                   <a:schemeClr val="dk2"/>
                 </a:solidFill>
@@ -6933,7 +7040,7 @@
               <a:buSzPts val="2800"/>
               <a:buFont typeface="Raleway"/>
               <a:buNone/>
-              <a:defRPr b="1" sz="2800">
+              <a:defRPr sz="2800" b="1">
                 <a:solidFill>
                   <a:schemeClr val="dk2"/>
                 </a:solidFill>
@@ -6956,7 +7063,7 @@
               <a:buSzPts val="2800"/>
               <a:buFont typeface="Raleway"/>
               <a:buNone/>
-              <a:defRPr b="1" sz="2800">
+              <a:defRPr sz="2800" b="1">
                 <a:solidFill>
                   <a:schemeClr val="dk2"/>
                 </a:solidFill>
@@ -6979,7 +7086,7 @@
               <a:buSzPts val="2800"/>
               <a:buFont typeface="Raleway"/>
               <a:buNone/>
-              <a:defRPr b="1" sz="2800">
+              <a:defRPr sz="2800" b="1">
                 <a:solidFill>
                   <a:schemeClr val="dk2"/>
                 </a:solidFill>
@@ -7002,7 +7109,7 @@
               <a:buSzPts val="2800"/>
               <a:buFont typeface="Raleway"/>
               <a:buNone/>
-              <a:defRPr b="1" sz="2800">
+              <a:defRPr sz="2800" b="1">
                 <a:solidFill>
                   <a:schemeClr val="dk2"/>
                 </a:solidFill>
@@ -7025,7 +7132,7 @@
               <a:buSzPts val="2800"/>
               <a:buFont typeface="Raleway"/>
               <a:buNone/>
-              <a:defRPr b="1" sz="2800">
+              <a:defRPr sz="2800" b="1">
                 <a:solidFill>
                   <a:schemeClr val="dk2"/>
                 </a:solidFill>
@@ -7048,7 +7155,7 @@
               <a:buSzPts val="2800"/>
               <a:buFont typeface="Raleway"/>
               <a:buNone/>
-              <a:defRPr b="1" sz="2800">
+              <a:defRPr sz="2800" b="1">
                 <a:solidFill>
                   <a:schemeClr val="dk2"/>
                 </a:solidFill>
@@ -7059,15 +7166,19 @@
               </a:defRPr>
             </a:lvl9pPr>
           </a:lstStyle>
-          <a:p/>
+          <a:p>
+            <a:endParaRPr/>
+          </a:p>
         </p:txBody>
       </p:sp>
       <p:sp>
         <p:nvSpPr>
           <p:cNvPr id="7" name="Google Shape;7;p1"/>
-          <p:cNvSpPr txBox="1"/>
+          <p:cNvSpPr txBox="1">
+            <a:spLocks noGrp="1"/>
+          </p:cNvSpPr>
           <p:nvPr>
-            <p:ph idx="1" type="body"/>
+            <p:ph type="body" idx="1"/>
           </p:nvPr>
         </p:nvSpPr>
         <p:spPr>
@@ -7084,11 +7195,11 @@
           </a:ln>
         </p:spPr>
         <p:txBody>
-          <a:bodyPr anchorCtr="0" anchor="t" bIns="91425" lIns="91425" spcFirstLastPara="1" rIns="91425" wrap="square" tIns="91425">
+          <a:bodyPr spcFirstLastPara="1" wrap="square" lIns="91425" tIns="91425" rIns="91425" bIns="91425" anchor="t" anchorCtr="0">
             <a:normAutofit/>
           </a:bodyPr>
           <a:lstStyle>
-            <a:lvl1pPr indent="-311150" lvl="0" marL="457200">
+            <a:lvl1pPr marL="457200" lvl="0" indent="-311150">
               <a:lnSpc>
                 <a:spcPct val="115000"/>
               </a:lnSpc>
@@ -7114,7 +7225,7 @@
                 <a:sym typeface="Lato"/>
               </a:defRPr>
             </a:lvl1pPr>
-            <a:lvl2pPr indent="-298450" lvl="1" marL="914400">
+            <a:lvl2pPr marL="914400" lvl="1" indent="-298450">
               <a:lnSpc>
                 <a:spcPct val="115000"/>
               </a:lnSpc>
@@ -7140,7 +7251,7 @@
                 <a:sym typeface="Lato"/>
               </a:defRPr>
             </a:lvl2pPr>
-            <a:lvl3pPr indent="-298450" lvl="2" marL="1371600">
+            <a:lvl3pPr marL="1371600" lvl="2" indent="-298450">
               <a:lnSpc>
                 <a:spcPct val="115000"/>
               </a:lnSpc>
@@ -7166,7 +7277,7 @@
                 <a:sym typeface="Lato"/>
               </a:defRPr>
             </a:lvl3pPr>
-            <a:lvl4pPr indent="-298450" lvl="3" marL="1828800">
+            <a:lvl4pPr marL="1828800" lvl="3" indent="-298450">
               <a:lnSpc>
                 <a:spcPct val="115000"/>
               </a:lnSpc>
@@ -7192,7 +7303,7 @@
                 <a:sym typeface="Lato"/>
               </a:defRPr>
             </a:lvl4pPr>
-            <a:lvl5pPr indent="-298450" lvl="4" marL="2286000">
+            <a:lvl5pPr marL="2286000" lvl="4" indent="-298450">
               <a:lnSpc>
                 <a:spcPct val="115000"/>
               </a:lnSpc>
@@ -7218,7 +7329,7 @@
                 <a:sym typeface="Lato"/>
               </a:defRPr>
             </a:lvl5pPr>
-            <a:lvl6pPr indent="-298450" lvl="5" marL="2743200">
+            <a:lvl6pPr marL="2743200" lvl="5" indent="-298450">
               <a:lnSpc>
                 <a:spcPct val="115000"/>
               </a:lnSpc>
@@ -7244,7 +7355,7 @@
                 <a:sym typeface="Lato"/>
               </a:defRPr>
             </a:lvl6pPr>
-            <a:lvl7pPr indent="-298450" lvl="6" marL="3200400">
+            <a:lvl7pPr marL="3200400" lvl="6" indent="-298450">
               <a:lnSpc>
                 <a:spcPct val="115000"/>
               </a:lnSpc>
@@ -7270,7 +7381,7 @@
                 <a:sym typeface="Lato"/>
               </a:defRPr>
             </a:lvl7pPr>
-            <a:lvl8pPr indent="-298450" lvl="7" marL="3657600">
+            <a:lvl8pPr marL="3657600" lvl="7" indent="-298450">
               <a:lnSpc>
                 <a:spcPct val="115000"/>
               </a:lnSpc>
@@ -7296,7 +7407,7 @@
                 <a:sym typeface="Lato"/>
               </a:defRPr>
             </a:lvl8pPr>
-            <a:lvl9pPr indent="-298450" lvl="8" marL="4114800">
+            <a:lvl9pPr marL="4114800" lvl="8" indent="-298450">
               <a:lnSpc>
                 <a:spcPct val="115000"/>
               </a:lnSpc>
@@ -7323,15 +7434,19 @@
               </a:defRPr>
             </a:lvl9pPr>
           </a:lstStyle>
-          <a:p/>
+          <a:p>
+            <a:endParaRPr/>
+          </a:p>
         </p:txBody>
       </p:sp>
       <p:sp>
         <p:nvSpPr>
           <p:cNvPr id="8" name="Google Shape;8;p1"/>
-          <p:cNvSpPr txBox="1"/>
+          <p:cNvSpPr txBox="1">
+            <a:spLocks noGrp="1"/>
+          </p:cNvSpPr>
           <p:nvPr>
-            <p:ph idx="12" type="sldNum"/>
+            <p:ph type="sldNum" idx="12"/>
           </p:nvPr>
         </p:nvSpPr>
         <p:spPr>
@@ -7348,7 +7463,7 @@
           </a:ln>
         </p:spPr>
         <p:txBody>
-          <a:bodyPr anchorCtr="0" anchor="ctr" bIns="91425" lIns="91425" spcFirstLastPara="1" rIns="91425" wrap="square" tIns="91425">
+          <a:bodyPr spcFirstLastPara="1" wrap="square" lIns="91425" tIns="91425" rIns="91425" bIns="91425" anchor="ctr" anchorCtr="0">
             <a:normAutofit/>
           </a:bodyPr>
           <a:lstStyle>
@@ -7462,7 +7577,7 @@
             </a:lvl9pPr>
           </a:lstStyle>
           <a:p>
-            <a:pPr indent="0" lvl="0" marL="0" rtl="0" algn="r">
+            <a:pPr marL="0" lvl="0" indent="0" algn="r" rtl="0">
               <a:spcBef>
                 <a:spcPts val="0"/>
               </a:spcBef>
@@ -7481,7 +7596,7 @@
       </p:sp>
     </p:spTree>
   </p:cSld>
-  <p:clrMap accent1="accent1" accent2="accent2" accent3="accent3" accent4="accent4" accent5="accent5" accent6="accent6" bg1="lt1" bg2="dk2" tx1="dk1" tx2="lt2" folHlink="folHlink" hlink="hlink"/>
+  <p:clrMap bg1="lt1" tx1="dk1" bg2="dk2" tx2="lt2" accent1="accent1" accent2="accent2" accent3="accent3" accent4="accent4" accent5="accent5" accent6="accent6" hlink="hlink" folHlink="folHlink"/>
   <p:sldLayoutIdLst>
     <p:sldLayoutId id="2147483648" r:id="rId1"/>
     <p:sldLayoutId id="2147483649" r:id="rId2"/>
@@ -7495,10 +7610,10 @@
     <p:sldLayoutId id="2147483657" r:id="rId10"/>
     <p:sldLayoutId id="2147483658" r:id="rId11"/>
   </p:sldLayoutIdLst>
-  <p:hf dt="0" ftr="0" hdr="0" sldNum="0"/>
+  <p:hf sldNum="0" hdr="0" ftr="0" dt="0"/>
   <p:txStyles>
     <p:titleStyle>
-      <a:defPPr lvl="0" marR="0" rtl="0" algn="l">
+      <a:defPPr marR="0" lvl="0" algn="l" rtl="0">
         <a:lnSpc>
           <a:spcPct val="100000"/>
         </a:lnSpc>
@@ -7509,7 +7624,7 @@
           <a:spcPts val="0"/>
         </a:spcAft>
       </a:defPPr>
-      <a:lvl1pPr lvl="0" marR="0" rtl="0" algn="l">
+      <a:lvl1pPr marR="0" lvl="0" algn="l" rtl="0">
         <a:lnSpc>
           <a:spcPct val="100000"/>
         </a:lnSpc>
@@ -7523,7 +7638,7 @@
           <a:srgbClr val="000000"/>
         </a:buClr>
         <a:buFont typeface="Arial"/>
-        <a:defRPr b="0" i="0" sz="1400" u="none" cap="none" strike="noStrike">
+        <a:defRPr sz="1400" b="0" i="0" u="none" strike="noStrike" cap="none">
           <a:solidFill>
             <a:srgbClr val="000000"/>
           </a:solidFill>
@@ -7533,7 +7648,7 @@
           <a:sym typeface="Arial"/>
         </a:defRPr>
       </a:lvl1pPr>
-      <a:lvl2pPr lvl="1" marR="0" rtl="0" algn="l">
+      <a:lvl2pPr marR="0" lvl="1" algn="l" rtl="0">
         <a:lnSpc>
           <a:spcPct val="100000"/>
         </a:lnSpc>
@@ -7547,7 +7662,7 @@
           <a:srgbClr val="000000"/>
         </a:buClr>
         <a:buFont typeface="Arial"/>
-        <a:defRPr b="0" i="0" sz="1400" u="none" cap="none" strike="noStrike">
+        <a:defRPr sz="1400" b="0" i="0" u="none" strike="noStrike" cap="none">
           <a:solidFill>
             <a:srgbClr val="000000"/>
           </a:solidFill>
@@ -7557,7 +7672,7 @@
           <a:sym typeface="Arial"/>
         </a:defRPr>
       </a:lvl2pPr>
-      <a:lvl3pPr lvl="2" marR="0" rtl="0" algn="l">
+      <a:lvl3pPr marR="0" lvl="2" algn="l" rtl="0">
         <a:lnSpc>
           <a:spcPct val="100000"/>
         </a:lnSpc>
@@ -7571,7 +7686,7 @@
           <a:srgbClr val="000000"/>
         </a:buClr>
         <a:buFont typeface="Arial"/>
-        <a:defRPr b="0" i="0" sz="1400" u="none" cap="none" strike="noStrike">
+        <a:defRPr sz="1400" b="0" i="0" u="none" strike="noStrike" cap="none">
           <a:solidFill>
             <a:srgbClr val="000000"/>
           </a:solidFill>
@@ -7581,7 +7696,7 @@
           <a:sym typeface="Arial"/>
         </a:defRPr>
       </a:lvl3pPr>
-      <a:lvl4pPr lvl="3" marR="0" rtl="0" algn="l">
+      <a:lvl4pPr marR="0" lvl="3" algn="l" rtl="0">
         <a:lnSpc>
           <a:spcPct val="100000"/>
         </a:lnSpc>
@@ -7595,7 +7710,7 @@
           <a:srgbClr val="000000"/>
         </a:buClr>
         <a:buFont typeface="Arial"/>
-        <a:defRPr b="0" i="0" sz="1400" u="none" cap="none" strike="noStrike">
+        <a:defRPr sz="1400" b="0" i="0" u="none" strike="noStrike" cap="none">
           <a:solidFill>
             <a:srgbClr val="000000"/>
           </a:solidFill>
@@ -7605,7 +7720,7 @@
           <a:sym typeface="Arial"/>
         </a:defRPr>
       </a:lvl4pPr>
-      <a:lvl5pPr lvl="4" marR="0" rtl="0" algn="l">
+      <a:lvl5pPr marR="0" lvl="4" algn="l" rtl="0">
         <a:lnSpc>
           <a:spcPct val="100000"/>
         </a:lnSpc>
@@ -7619,7 +7734,7 @@
           <a:srgbClr val="000000"/>
         </a:buClr>
         <a:buFont typeface="Arial"/>
-        <a:defRPr b="0" i="0" sz="1400" u="none" cap="none" strike="noStrike">
+        <a:defRPr sz="1400" b="0" i="0" u="none" strike="noStrike" cap="none">
           <a:solidFill>
             <a:srgbClr val="000000"/>
           </a:solidFill>
@@ -7629,7 +7744,7 @@
           <a:sym typeface="Arial"/>
         </a:defRPr>
       </a:lvl5pPr>
-      <a:lvl6pPr lvl="5" marR="0" rtl="0" algn="l">
+      <a:lvl6pPr marR="0" lvl="5" algn="l" rtl="0">
         <a:lnSpc>
           <a:spcPct val="100000"/>
         </a:lnSpc>
@@ -7643,7 +7758,7 @@
           <a:srgbClr val="000000"/>
         </a:buClr>
         <a:buFont typeface="Arial"/>
-        <a:defRPr b="0" i="0" sz="1400" u="none" cap="none" strike="noStrike">
+        <a:defRPr sz="1400" b="0" i="0" u="none" strike="noStrike" cap="none">
           <a:solidFill>
             <a:srgbClr val="000000"/>
           </a:solidFill>
@@ -7653,7 +7768,7 @@
           <a:sym typeface="Arial"/>
         </a:defRPr>
       </a:lvl6pPr>
-      <a:lvl7pPr lvl="6" marR="0" rtl="0" algn="l">
+      <a:lvl7pPr marR="0" lvl="6" algn="l" rtl="0">
         <a:lnSpc>
           <a:spcPct val="100000"/>
         </a:lnSpc>
@@ -7667,7 +7782,7 @@
           <a:srgbClr val="000000"/>
         </a:buClr>
         <a:buFont typeface="Arial"/>
-        <a:defRPr b="0" i="0" sz="1400" u="none" cap="none" strike="noStrike">
+        <a:defRPr sz="1400" b="0" i="0" u="none" strike="noStrike" cap="none">
           <a:solidFill>
             <a:srgbClr val="000000"/>
           </a:solidFill>
@@ -7677,7 +7792,7 @@
           <a:sym typeface="Arial"/>
         </a:defRPr>
       </a:lvl7pPr>
-      <a:lvl8pPr lvl="7" marR="0" rtl="0" algn="l">
+      <a:lvl8pPr marR="0" lvl="7" algn="l" rtl="0">
         <a:lnSpc>
           <a:spcPct val="100000"/>
         </a:lnSpc>
@@ -7691,7 +7806,7 @@
           <a:srgbClr val="000000"/>
         </a:buClr>
         <a:buFont typeface="Arial"/>
-        <a:defRPr b="0" i="0" sz="1400" u="none" cap="none" strike="noStrike">
+        <a:defRPr sz="1400" b="0" i="0" u="none" strike="noStrike" cap="none">
           <a:solidFill>
             <a:srgbClr val="000000"/>
           </a:solidFill>
@@ -7701,7 +7816,7 @@
           <a:sym typeface="Arial"/>
         </a:defRPr>
       </a:lvl8pPr>
-      <a:lvl9pPr lvl="8" marR="0" rtl="0" algn="l">
+      <a:lvl9pPr marR="0" lvl="8" algn="l" rtl="0">
         <a:lnSpc>
           <a:spcPct val="100000"/>
         </a:lnSpc>
@@ -7715,7 +7830,7 @@
           <a:srgbClr val="000000"/>
         </a:buClr>
         <a:buFont typeface="Arial"/>
-        <a:defRPr b="0" i="0" sz="1400" u="none" cap="none" strike="noStrike">
+        <a:defRPr sz="1400" b="0" i="0" u="none" strike="noStrike" cap="none">
           <a:solidFill>
             <a:srgbClr val="000000"/>
           </a:solidFill>
@@ -7727,7 +7842,7 @@
       </a:lvl9pPr>
     </p:titleStyle>
     <p:bodyStyle>
-      <a:defPPr lvl="0" marR="0" rtl="0" algn="l">
+      <a:defPPr marR="0" lvl="0" algn="l" rtl="0">
         <a:lnSpc>
           <a:spcPct val="100000"/>
         </a:lnSpc>
@@ -7738,7 +7853,7 @@
           <a:spcPts val="0"/>
         </a:spcAft>
       </a:defPPr>
-      <a:lvl1pPr lvl="0" marR="0" rtl="0" algn="l">
+      <a:lvl1pPr marR="0" lvl="0" algn="l" rtl="0">
         <a:lnSpc>
           <a:spcPct val="100000"/>
         </a:lnSpc>
@@ -7752,7 +7867,7 @@
           <a:srgbClr val="000000"/>
         </a:buClr>
         <a:buFont typeface="Arial"/>
-        <a:defRPr b="0" i="0" sz="1400" u="none" cap="none" strike="noStrike">
+        <a:defRPr sz="1400" b="0" i="0" u="none" strike="noStrike" cap="none">
           <a:solidFill>
             <a:srgbClr val="000000"/>
           </a:solidFill>
@@ -7762,7 +7877,7 @@
           <a:sym typeface="Arial"/>
         </a:defRPr>
       </a:lvl1pPr>
-      <a:lvl2pPr lvl="1" marR="0" rtl="0" algn="l">
+      <a:lvl2pPr marR="0" lvl="1" algn="l" rtl="0">
         <a:lnSpc>
           <a:spcPct val="100000"/>
         </a:lnSpc>
@@ -7776,7 +7891,7 @@
           <a:srgbClr val="000000"/>
         </a:buClr>
         <a:buFont typeface="Arial"/>
-        <a:defRPr b="0" i="0" sz="1400" u="none" cap="none" strike="noStrike">
+        <a:defRPr sz="1400" b="0" i="0" u="none" strike="noStrike" cap="none">
           <a:solidFill>
             <a:srgbClr val="000000"/>
           </a:solidFill>
@@ -7786,7 +7901,7 @@
           <a:sym typeface="Arial"/>
         </a:defRPr>
       </a:lvl2pPr>
-      <a:lvl3pPr lvl="2" marR="0" rtl="0" algn="l">
+      <a:lvl3pPr marR="0" lvl="2" algn="l" rtl="0">
         <a:lnSpc>
           <a:spcPct val="100000"/>
         </a:lnSpc>
@@ -7800,7 +7915,7 @@
           <a:srgbClr val="000000"/>
         </a:buClr>
         <a:buFont typeface="Arial"/>
-        <a:defRPr b="0" i="0" sz="1400" u="none" cap="none" strike="noStrike">
+        <a:defRPr sz="1400" b="0" i="0" u="none" strike="noStrike" cap="none">
           <a:solidFill>
             <a:srgbClr val="000000"/>
           </a:solidFill>
@@ -7810,7 +7925,7 @@
           <a:sym typeface="Arial"/>
         </a:defRPr>
       </a:lvl3pPr>
-      <a:lvl4pPr lvl="3" marR="0" rtl="0" algn="l">
+      <a:lvl4pPr marR="0" lvl="3" algn="l" rtl="0">
         <a:lnSpc>
           <a:spcPct val="100000"/>
         </a:lnSpc>
@@ -7824,7 +7939,7 @@
           <a:srgbClr val="000000"/>
         </a:buClr>
         <a:buFont typeface="Arial"/>
-        <a:defRPr b="0" i="0" sz="1400" u="none" cap="none" strike="noStrike">
+        <a:defRPr sz="1400" b="0" i="0" u="none" strike="noStrike" cap="none">
           <a:solidFill>
             <a:srgbClr val="000000"/>
           </a:solidFill>
@@ -7834,7 +7949,7 @@
           <a:sym typeface="Arial"/>
         </a:defRPr>
       </a:lvl4pPr>
-      <a:lvl5pPr lvl="4" marR="0" rtl="0" algn="l">
+      <a:lvl5pPr marR="0" lvl="4" algn="l" rtl="0">
         <a:lnSpc>
           <a:spcPct val="100000"/>
         </a:lnSpc>
@@ -7848,7 +7963,7 @@
           <a:srgbClr val="000000"/>
         </a:buClr>
         <a:buFont typeface="Arial"/>
-        <a:defRPr b="0" i="0" sz="1400" u="none" cap="none" strike="noStrike">
+        <a:defRPr sz="1400" b="0" i="0" u="none" strike="noStrike" cap="none">
           <a:solidFill>
             <a:srgbClr val="000000"/>
           </a:solidFill>
@@ -7858,7 +7973,7 @@
           <a:sym typeface="Arial"/>
         </a:defRPr>
       </a:lvl5pPr>
-      <a:lvl6pPr lvl="5" marR="0" rtl="0" algn="l">
+      <a:lvl6pPr marR="0" lvl="5" algn="l" rtl="0">
         <a:lnSpc>
           <a:spcPct val="100000"/>
         </a:lnSpc>
@@ -7872,7 +7987,7 @@
           <a:srgbClr val="000000"/>
         </a:buClr>
         <a:buFont typeface="Arial"/>
-        <a:defRPr b="0" i="0" sz="1400" u="none" cap="none" strike="noStrike">
+        <a:defRPr sz="1400" b="0" i="0" u="none" strike="noStrike" cap="none">
           <a:solidFill>
             <a:srgbClr val="000000"/>
           </a:solidFill>
@@ -7882,7 +7997,7 @@
           <a:sym typeface="Arial"/>
         </a:defRPr>
       </a:lvl6pPr>
-      <a:lvl7pPr lvl="6" marR="0" rtl="0" algn="l">
+      <a:lvl7pPr marR="0" lvl="6" algn="l" rtl="0">
         <a:lnSpc>
           <a:spcPct val="100000"/>
         </a:lnSpc>
@@ -7896,7 +8011,7 @@
           <a:srgbClr val="000000"/>
         </a:buClr>
         <a:buFont typeface="Arial"/>
-        <a:defRPr b="0" i="0" sz="1400" u="none" cap="none" strike="noStrike">
+        <a:defRPr sz="1400" b="0" i="0" u="none" strike="noStrike" cap="none">
           <a:solidFill>
             <a:srgbClr val="000000"/>
           </a:solidFill>
@@ -7906,7 +8021,7 @@
           <a:sym typeface="Arial"/>
         </a:defRPr>
       </a:lvl7pPr>
-      <a:lvl8pPr lvl="7" marR="0" rtl="0" algn="l">
+      <a:lvl8pPr marR="0" lvl="7" algn="l" rtl="0">
         <a:lnSpc>
           <a:spcPct val="100000"/>
         </a:lnSpc>
@@ -7920,7 +8035,7 @@
           <a:srgbClr val="000000"/>
         </a:buClr>
         <a:buFont typeface="Arial"/>
-        <a:defRPr b="0" i="0" sz="1400" u="none" cap="none" strike="noStrike">
+        <a:defRPr sz="1400" b="0" i="0" u="none" strike="noStrike" cap="none">
           <a:solidFill>
             <a:srgbClr val="000000"/>
           </a:solidFill>
@@ -7930,7 +8045,7 @@
           <a:sym typeface="Arial"/>
         </a:defRPr>
       </a:lvl8pPr>
-      <a:lvl9pPr lvl="8" marR="0" rtl="0" algn="l">
+      <a:lvl9pPr marR="0" lvl="8" algn="l" rtl="0">
         <a:lnSpc>
           <a:spcPct val="100000"/>
         </a:lnSpc>
@@ -7944,7 +8059,7 @@
           <a:srgbClr val="000000"/>
         </a:buClr>
         <a:buFont typeface="Arial"/>
-        <a:defRPr b="0" i="0" sz="1400" u="none" cap="none" strike="noStrike">
+        <a:defRPr sz="1400" b="0" i="0" u="none" strike="noStrike" cap="none">
           <a:solidFill>
             <a:srgbClr val="000000"/>
           </a:solidFill>
@@ -7956,7 +8071,7 @@
       </a:lvl9pPr>
     </p:bodyStyle>
     <p:otherStyle>
-      <a:defPPr lvl="0" marR="0" rtl="0" algn="l">
+      <a:defPPr marR="0" lvl="0" algn="l" rtl="0">
         <a:lnSpc>
           <a:spcPct val="100000"/>
         </a:lnSpc>
@@ -7967,7 +8082,7 @@
           <a:spcPts val="0"/>
         </a:spcAft>
       </a:defPPr>
-      <a:lvl1pPr lvl="0" marR="0" rtl="0" algn="l">
+      <a:lvl1pPr marR="0" lvl="0" algn="l" rtl="0">
         <a:lnSpc>
           <a:spcPct val="100000"/>
         </a:lnSpc>
@@ -7981,7 +8096,7 @@
           <a:srgbClr val="000000"/>
         </a:buClr>
         <a:buFont typeface="Arial"/>
-        <a:defRPr b="0" i="0" sz="1400" u="none" cap="none" strike="noStrike">
+        <a:defRPr sz="1400" b="0" i="0" u="none" strike="noStrike" cap="none">
           <a:solidFill>
             <a:srgbClr val="000000"/>
           </a:solidFill>
@@ -7991,7 +8106,7 @@
           <a:sym typeface="Arial"/>
         </a:defRPr>
       </a:lvl1pPr>
-      <a:lvl2pPr lvl="1" marR="0" rtl="0" algn="l">
+      <a:lvl2pPr marR="0" lvl="1" algn="l" rtl="0">
         <a:lnSpc>
           <a:spcPct val="100000"/>
         </a:lnSpc>
@@ -8005,7 +8120,7 @@
           <a:srgbClr val="000000"/>
         </a:buClr>
         <a:buFont typeface="Arial"/>
-        <a:defRPr b="0" i="0" sz="1400" u="none" cap="none" strike="noStrike">
+        <a:defRPr sz="1400" b="0" i="0" u="none" strike="noStrike" cap="none">
           <a:solidFill>
             <a:srgbClr val="000000"/>
           </a:solidFill>
@@ -8015,7 +8130,7 @@
           <a:sym typeface="Arial"/>
         </a:defRPr>
       </a:lvl2pPr>
-      <a:lvl3pPr lvl="2" marR="0" rtl="0" algn="l">
+      <a:lvl3pPr marR="0" lvl="2" algn="l" rtl="0">
         <a:lnSpc>
           <a:spcPct val="100000"/>
         </a:lnSpc>
@@ -8029,7 +8144,7 @@
           <a:srgbClr val="000000"/>
         </a:buClr>
         <a:buFont typeface="Arial"/>
-        <a:defRPr b="0" i="0" sz="1400" u="none" cap="none" strike="noStrike">
+        <a:defRPr sz="1400" b="0" i="0" u="none" strike="noStrike" cap="none">
           <a:solidFill>
             <a:srgbClr val="000000"/>
           </a:solidFill>
@@ -8039,7 +8154,7 @@
           <a:sym typeface="Arial"/>
         </a:defRPr>
       </a:lvl3pPr>
-      <a:lvl4pPr lvl="3" marR="0" rtl="0" algn="l">
+      <a:lvl4pPr marR="0" lvl="3" algn="l" rtl="0">
         <a:lnSpc>
           <a:spcPct val="100000"/>
         </a:lnSpc>
@@ -8053,7 +8168,7 @@
           <a:srgbClr val="000000"/>
         </a:buClr>
         <a:buFont typeface="Arial"/>
-        <a:defRPr b="0" i="0" sz="1400" u="none" cap="none" strike="noStrike">
+        <a:defRPr sz="1400" b="0" i="0" u="none" strike="noStrike" cap="none">
           <a:solidFill>
             <a:srgbClr val="000000"/>
           </a:solidFill>
@@ -8063,7 +8178,7 @@
           <a:sym typeface="Arial"/>
         </a:defRPr>
       </a:lvl4pPr>
-      <a:lvl5pPr lvl="4" marR="0" rtl="0" algn="l">
+      <a:lvl5pPr marR="0" lvl="4" algn="l" rtl="0">
         <a:lnSpc>
           <a:spcPct val="100000"/>
         </a:lnSpc>
@@ -8077,7 +8192,7 @@
           <a:srgbClr val="000000"/>
         </a:buClr>
         <a:buFont typeface="Arial"/>
-        <a:defRPr b="0" i="0" sz="1400" u="none" cap="none" strike="noStrike">
+        <a:defRPr sz="1400" b="0" i="0" u="none" strike="noStrike" cap="none">
           <a:solidFill>
             <a:srgbClr val="000000"/>
           </a:solidFill>
@@ -8087,7 +8202,7 @@
           <a:sym typeface="Arial"/>
         </a:defRPr>
       </a:lvl5pPr>
-      <a:lvl6pPr lvl="5" marR="0" rtl="0" algn="l">
+      <a:lvl6pPr marR="0" lvl="5" algn="l" rtl="0">
         <a:lnSpc>
           <a:spcPct val="100000"/>
         </a:lnSpc>
@@ -8101,7 +8216,7 @@
           <a:srgbClr val="000000"/>
         </a:buClr>
         <a:buFont typeface="Arial"/>
-        <a:defRPr b="0" i="0" sz="1400" u="none" cap="none" strike="noStrike">
+        <a:defRPr sz="1400" b="0" i="0" u="none" strike="noStrike" cap="none">
           <a:solidFill>
             <a:srgbClr val="000000"/>
           </a:solidFill>
@@ -8111,7 +8226,7 @@
           <a:sym typeface="Arial"/>
         </a:defRPr>
       </a:lvl6pPr>
-      <a:lvl7pPr lvl="6" marR="0" rtl="0" algn="l">
+      <a:lvl7pPr marR="0" lvl="6" algn="l" rtl="0">
         <a:lnSpc>
           <a:spcPct val="100000"/>
         </a:lnSpc>
@@ -8125,7 +8240,7 @@
           <a:srgbClr val="000000"/>
         </a:buClr>
         <a:buFont typeface="Arial"/>
-        <a:defRPr b="0" i="0" sz="1400" u="none" cap="none" strike="noStrike">
+        <a:defRPr sz="1400" b="0" i="0" u="none" strike="noStrike" cap="none">
           <a:solidFill>
             <a:srgbClr val="000000"/>
           </a:solidFill>
@@ -8135,7 +8250,7 @@
           <a:sym typeface="Arial"/>
         </a:defRPr>
       </a:lvl7pPr>
-      <a:lvl8pPr lvl="7" marR="0" rtl="0" algn="l">
+      <a:lvl8pPr marR="0" lvl="7" algn="l" rtl="0">
         <a:lnSpc>
           <a:spcPct val="100000"/>
         </a:lnSpc>
@@ -8149,7 +8264,7 @@
           <a:srgbClr val="000000"/>
         </a:buClr>
         <a:buFont typeface="Arial"/>
-        <a:defRPr b="0" i="0" sz="1400" u="none" cap="none" strike="noStrike">
+        <a:defRPr sz="1400" b="0" i="0" u="none" strike="noStrike" cap="none">
           <a:solidFill>
             <a:srgbClr val="000000"/>
           </a:solidFill>
@@ -8159,7 +8274,7 @@
           <a:sym typeface="Arial"/>
         </a:defRPr>
       </a:lvl8pPr>
-      <a:lvl9pPr lvl="8" marR="0" rtl="0" algn="l">
+      <a:lvl9pPr marR="0" lvl="8" algn="l" rtl="0">
         <a:lnSpc>
           <a:spcPct val="100000"/>
         </a:lnSpc>
@@ -8173,7 +8288,7 @@
           <a:srgbClr val="000000"/>
         </a:buClr>
         <a:buFont typeface="Arial"/>
-        <a:defRPr b="0" i="0" sz="1400" u="none" cap="none" strike="noStrike">
+        <a:defRPr sz="1400" b="0" i="0" u="none" strike="noStrike" cap="none">
           <a:solidFill>
             <a:srgbClr val="000000"/>
           </a:solidFill>
@@ -8189,11 +8304,11 @@
 </file>
 
 <file path=ppt/slides/slide1.xml><?xml version="1.0" encoding="utf-8"?>
-<p:sld xmlns:a="http://schemas.openxmlformats.org/drawingml/2006/main" xmlns:r="http://schemas.openxmlformats.org/officeDocument/2006/relationships" xmlns:mc="http://schemas.openxmlformats.org/markup-compatibility/2006" xmlns:mv="urn:schemas-microsoft-com:mac:vml" xmlns:p="http://schemas.openxmlformats.org/presentationml/2006/main" xmlns:c="http://schemas.openxmlformats.org/drawingml/2006/chart" xmlns:dgm="http://schemas.openxmlformats.org/drawingml/2006/diagram" xmlns:o="urn:schemas-microsoft-com:office:office" xmlns:v="urn:schemas-microsoft-com:vml" xmlns:pvml="urn:schemas-microsoft-com:office:powerpoint" xmlns:com="http://schemas.openxmlformats.org/drawingml/2006/compatibility" xmlns:p14="http://schemas.microsoft.com/office/powerpoint/2010/main" xmlns:p15="http://schemas.microsoft.com/office/powerpoint/2012/main" xmlns:ahyp="http://schemas.microsoft.com/office/drawing/2018/hyperlinkcolor">
+<p:sld xmlns:a="http://schemas.openxmlformats.org/drawingml/2006/main" xmlns:r="http://schemas.openxmlformats.org/officeDocument/2006/relationships" xmlns:p="http://schemas.openxmlformats.org/presentationml/2006/main">
   <p:cSld>
     <p:spTree>
       <p:nvGrpSpPr>
-        <p:cNvPr id="85" name="Shape 85"/>
+        <p:cNvPr id="1" name="Shape 85"/>
         <p:cNvGrpSpPr/>
         <p:nvPr/>
       </p:nvGrpSpPr>
@@ -8208,7 +8323,9 @@
       <p:sp>
         <p:nvSpPr>
           <p:cNvPr id="86" name="Google Shape;86;p13"/>
-          <p:cNvSpPr txBox="1"/>
+          <p:cNvSpPr txBox="1">
+            <a:spLocks noGrp="1"/>
+          </p:cNvSpPr>
           <p:nvPr>
             <p:ph type="ctrTitle"/>
           </p:nvPr>
@@ -8223,12 +8340,12 @@
           </a:prstGeom>
         </p:spPr>
         <p:txBody>
-          <a:bodyPr anchorCtr="0" anchor="t" bIns="91425" lIns="91425" spcFirstLastPara="1" rIns="91425" wrap="square" tIns="91425">
+          <a:bodyPr spcFirstLastPara="1" wrap="square" lIns="91425" tIns="91425" rIns="91425" bIns="91425" anchor="t" anchorCtr="0">
             <a:normAutofit/>
           </a:bodyPr>
           <a:lstStyle/>
           <a:p>
-            <a:pPr indent="0" lvl="0" marL="0" rtl="0" algn="l">
+            <a:pPr marL="0" lvl="0" indent="0" algn="l" rtl="0">
               <a:spcBef>
                 <a:spcPts val="0"/>
               </a:spcBef>
@@ -8248,9 +8365,11 @@
       <p:sp>
         <p:nvSpPr>
           <p:cNvPr id="87" name="Google Shape;87;p13"/>
-          <p:cNvSpPr txBox="1"/>
+          <p:cNvSpPr txBox="1">
+            <a:spLocks noGrp="1"/>
+          </p:cNvSpPr>
           <p:nvPr>
-            <p:ph idx="1" type="subTitle"/>
+            <p:ph type="subTitle" idx="1"/>
           </p:nvPr>
         </p:nvSpPr>
         <p:spPr>
@@ -8263,12 +8382,12 @@
           </a:prstGeom>
         </p:spPr>
         <p:txBody>
-          <a:bodyPr anchorCtr="0" anchor="t" bIns="91425" lIns="91425" spcFirstLastPara="1" rIns="91425" wrap="square" tIns="91425">
+          <a:bodyPr spcFirstLastPara="1" wrap="square" lIns="91425" tIns="91425" rIns="91425" bIns="91425" anchor="t" anchorCtr="0">
             <a:normAutofit/>
           </a:bodyPr>
           <a:lstStyle/>
           <a:p>
-            <a:pPr indent="0" lvl="0" marL="0" rtl="0" algn="l">
+            <a:pPr marL="0" lvl="0" indent="0" algn="l" rtl="0">
               <a:spcBef>
                 <a:spcPts val="0"/>
               </a:spcBef>
@@ -8294,11 +8413,126 @@
 </file>
 
 <file path=ppt/slides/slide10.xml><?xml version="1.0" encoding="utf-8"?>
-<p:sld xmlns:a="http://schemas.openxmlformats.org/drawingml/2006/main" xmlns:r="http://schemas.openxmlformats.org/officeDocument/2006/relationships" xmlns:mc="http://schemas.openxmlformats.org/markup-compatibility/2006" xmlns:mv="urn:schemas-microsoft-com:mac:vml" xmlns:p="http://schemas.openxmlformats.org/presentationml/2006/main" xmlns:c="http://schemas.openxmlformats.org/drawingml/2006/chart" xmlns:dgm="http://schemas.openxmlformats.org/drawingml/2006/diagram" xmlns:o="urn:schemas-microsoft-com:office:office" xmlns:v="urn:schemas-microsoft-com:vml" xmlns:pvml="urn:schemas-microsoft-com:office:powerpoint" xmlns:com="http://schemas.openxmlformats.org/drawingml/2006/compatibility" xmlns:p14="http://schemas.microsoft.com/office/powerpoint/2010/main" xmlns:p15="http://schemas.microsoft.com/office/powerpoint/2012/main" xmlns:ahyp="http://schemas.microsoft.com/office/drawing/2018/hyperlinkcolor">
+<p:sld xmlns:a="http://schemas.openxmlformats.org/drawingml/2006/main" xmlns:r="http://schemas.openxmlformats.org/officeDocument/2006/relationships" xmlns:p="http://schemas.openxmlformats.org/presentationml/2006/main">
   <p:cSld>
     <p:spTree>
       <p:nvGrpSpPr>
-        <p:cNvPr id="141" name="Shape 141"/>
+        <p:cNvPr id="1" name=""/>
+        <p:cNvGrpSpPr/>
+        <p:nvPr/>
+      </p:nvGrpSpPr>
+      <p:grpSpPr>
+        <a:xfrm>
+          <a:off x="0" y="0"/>
+          <a:ext cx="0" cy="0"/>
+          <a:chOff x="0" y="0"/>
+          <a:chExt cx="0" cy="0"/>
+        </a:xfrm>
+      </p:grpSpPr>
+      <p:sp>
+        <p:nvSpPr>
+          <p:cNvPr id="2" name="Title 1">
+            <a:extLst>
+              <a:ext uri="{FF2B5EF4-FFF2-40B4-BE49-F238E27FC236}">
+                <a16:creationId xmlns:a16="http://schemas.microsoft.com/office/drawing/2014/main" id="{E48EEFBC-EE80-4061-90C0-CA9664552B9D}"/>
+              </a:ext>
+            </a:extLst>
+          </p:cNvPr>
+          <p:cNvSpPr>
+            <a:spLocks noGrp="1"/>
+          </p:cNvSpPr>
+          <p:nvPr>
+            <p:ph type="title"/>
+          </p:nvPr>
+        </p:nvSpPr>
+        <p:spPr/>
+        <p:txBody>
+          <a:bodyPr>
+            <a:normAutofit fontScale="90000"/>
+          </a:bodyPr>
+          <a:lstStyle/>
+          <a:p>
+            <a:r>
+              <a:rPr lang="en-US" dirty="0"/>
+              <a:t>Traceability Matrix</a:t>
+            </a:r>
+          </a:p>
+        </p:txBody>
+      </p:sp>
+      <p:sp>
+        <p:nvSpPr>
+          <p:cNvPr id="3" name="Text Placeholder 2">
+            <a:extLst>
+              <a:ext uri="{FF2B5EF4-FFF2-40B4-BE49-F238E27FC236}">
+                <a16:creationId xmlns:a16="http://schemas.microsoft.com/office/drawing/2014/main" id="{066C2F3A-B579-43C6-B061-913ADED9C4C5}"/>
+              </a:ext>
+            </a:extLst>
+          </p:cNvPr>
+          <p:cNvSpPr>
+            <a:spLocks noGrp="1"/>
+          </p:cNvSpPr>
+          <p:nvPr>
+            <p:ph type="body" idx="1"/>
+          </p:nvPr>
+        </p:nvSpPr>
+        <p:spPr/>
+        <p:txBody>
+          <a:bodyPr/>
+          <a:lstStyle/>
+          <a:p>
+            <a:endParaRPr lang="en-US"/>
+          </a:p>
+        </p:txBody>
+      </p:sp>
+      <p:pic>
+        <p:nvPicPr>
+          <p:cNvPr id="5" name="Picture 4" descr="Calendar&#10;&#10;Description automatically generated">
+            <a:extLst>
+              <a:ext uri="{FF2B5EF4-FFF2-40B4-BE49-F238E27FC236}">
+                <a16:creationId xmlns:a16="http://schemas.microsoft.com/office/drawing/2014/main" id="{1615B6E3-8FF7-40A8-9151-CFBD954EA9E1}"/>
+              </a:ext>
+            </a:extLst>
+          </p:cNvPr>
+          <p:cNvPicPr>
+            <a:picLocks noChangeAspect="1"/>
+          </p:cNvPicPr>
+          <p:nvPr/>
+        </p:nvPicPr>
+        <p:blipFill>
+          <a:blip r:embed="rId2"/>
+          <a:stretch>
+            <a:fillRect/>
+          </a:stretch>
+        </p:blipFill>
+        <p:spPr>
+          <a:xfrm>
+            <a:off x="0" y="2078875"/>
+            <a:ext cx="9144000" cy="2036351"/>
+          </a:xfrm>
+          <a:prstGeom prst="rect">
+            <a:avLst/>
+          </a:prstGeom>
+        </p:spPr>
+      </p:pic>
+    </p:spTree>
+    <p:extLst>
+      <p:ext uri="{BB962C8B-B14F-4D97-AF65-F5344CB8AC3E}">
+        <p14:creationId xmlns:p14="http://schemas.microsoft.com/office/powerpoint/2010/main" val="1555306122"/>
+      </p:ext>
+    </p:extLst>
+  </p:cSld>
+  <p:clrMapOvr>
+    <a:masterClrMapping/>
+  </p:clrMapOvr>
+</p:sld>
+</file>
+
+<file path=ppt/slides/slide11.xml><?xml version="1.0" encoding="utf-8"?>
+<p:sld xmlns:a="http://schemas.openxmlformats.org/drawingml/2006/main" xmlns:r="http://schemas.openxmlformats.org/officeDocument/2006/relationships" xmlns:p="http://schemas.openxmlformats.org/presentationml/2006/main">
+  <p:cSld>
+    <p:spTree>
+      <p:nvGrpSpPr>
+        <p:cNvPr id="1" name="Shape 141"/>
         <p:cNvGrpSpPr/>
         <p:nvPr/>
       </p:nvGrpSpPr>
@@ -8313,7 +8547,9 @@
       <p:sp>
         <p:nvSpPr>
           <p:cNvPr id="142" name="Google Shape;142;p22"/>
-          <p:cNvSpPr txBox="1"/>
+          <p:cNvSpPr txBox="1">
+            <a:spLocks noGrp="1"/>
+          </p:cNvSpPr>
           <p:nvPr>
             <p:ph type="title"/>
           </p:nvPr>
@@ -8328,12 +8564,12 @@
           </a:prstGeom>
         </p:spPr>
         <p:txBody>
-          <a:bodyPr anchorCtr="0" anchor="t" bIns="91425" lIns="91425" spcFirstLastPara="1" rIns="91425" wrap="square" tIns="91425">
+          <a:bodyPr spcFirstLastPara="1" wrap="square" lIns="91425" tIns="91425" rIns="91425" bIns="91425" anchor="t" anchorCtr="0">
             <a:normAutofit fontScale="90000"/>
           </a:bodyPr>
           <a:lstStyle/>
           <a:p>
-            <a:pPr indent="0" lvl="0" marL="0" rtl="0" algn="l">
+            <a:pPr marL="0" lvl="0" indent="0" algn="l" rtl="0">
               <a:spcBef>
                 <a:spcPts val="0"/>
               </a:spcBef>
@@ -8352,30 +8588,32 @@
       </p:sp>
       <p:pic>
         <p:nvPicPr>
-          <p:cNvPr id="143" name="Google Shape;143;p22"/>
-          <p:cNvPicPr preferRelativeResize="0"/>
+          <p:cNvPr id="3" name="Picture 2" descr="Graphical user interface, text, application&#10;&#10;Description automatically generated">
+            <a:extLst>
+              <a:ext uri="{FF2B5EF4-FFF2-40B4-BE49-F238E27FC236}">
+                <a16:creationId xmlns:a16="http://schemas.microsoft.com/office/drawing/2014/main" id="{B55B512A-402B-41FB-8BEC-03376EEF8658}"/>
+              </a:ext>
+            </a:extLst>
+          </p:cNvPr>
+          <p:cNvPicPr>
+            <a:picLocks noChangeAspect="1"/>
+          </p:cNvPicPr>
           <p:nvPr/>
         </p:nvPicPr>
         <p:blipFill>
-          <a:blip r:embed="rId3">
-            <a:alphaModFix/>
-          </a:blip>
+          <a:blip r:embed="rId3"/>
           <a:stretch>
             <a:fillRect/>
           </a:stretch>
         </p:blipFill>
         <p:spPr>
           <a:xfrm>
-            <a:off x="3612701" y="466950"/>
-            <a:ext cx="4032125" cy="4718999"/>
+            <a:off x="4055872" y="495948"/>
+            <a:ext cx="3938404" cy="4647552"/>
           </a:xfrm>
           <a:prstGeom prst="rect">
             <a:avLst/>
           </a:prstGeom>
-          <a:noFill/>
-          <a:ln>
-            <a:noFill/>
-          </a:ln>
         </p:spPr>
       </p:pic>
     </p:spTree>
@@ -8386,12 +8624,269 @@
 </p:sld>
 </file>
 
-<file path=ppt/slides/slide11.xml><?xml version="1.0" encoding="utf-8"?>
-<p:sld xmlns:a="http://schemas.openxmlformats.org/drawingml/2006/main" xmlns:r="http://schemas.openxmlformats.org/officeDocument/2006/relationships" xmlns:mc="http://schemas.openxmlformats.org/markup-compatibility/2006" xmlns:mv="urn:schemas-microsoft-com:mac:vml" xmlns:p="http://schemas.openxmlformats.org/presentationml/2006/main" xmlns:c="http://schemas.openxmlformats.org/drawingml/2006/chart" xmlns:dgm="http://schemas.openxmlformats.org/drawingml/2006/diagram" xmlns:o="urn:schemas-microsoft-com:office:office" xmlns:v="urn:schemas-microsoft-com:vml" xmlns:pvml="urn:schemas-microsoft-com:office:powerpoint" xmlns:com="http://schemas.openxmlformats.org/drawingml/2006/compatibility" xmlns:p14="http://schemas.microsoft.com/office/powerpoint/2010/main" xmlns:p15="http://schemas.microsoft.com/office/powerpoint/2012/main" xmlns:ahyp="http://schemas.microsoft.com/office/drawing/2018/hyperlinkcolor">
+<file path=ppt/slides/slide12.xml><?xml version="1.0" encoding="utf-8"?>
+<p:sld xmlns:a="http://schemas.openxmlformats.org/drawingml/2006/main" xmlns:r="http://schemas.openxmlformats.org/officeDocument/2006/relationships" xmlns:p="http://schemas.openxmlformats.org/presentationml/2006/main">
   <p:cSld>
     <p:spTree>
       <p:nvGrpSpPr>
-        <p:cNvPr id="147" name="Shape 147"/>
+        <p:cNvPr id="1" name=""/>
+        <p:cNvGrpSpPr/>
+        <p:nvPr/>
+      </p:nvGrpSpPr>
+      <p:grpSpPr>
+        <a:xfrm>
+          <a:off x="0" y="0"/>
+          <a:ext cx="0" cy="0"/>
+          <a:chOff x="0" y="0"/>
+          <a:chExt cx="0" cy="0"/>
+        </a:xfrm>
+      </p:grpSpPr>
+      <p:sp>
+        <p:nvSpPr>
+          <p:cNvPr id="2" name="Title 1">
+            <a:extLst>
+              <a:ext uri="{FF2B5EF4-FFF2-40B4-BE49-F238E27FC236}">
+                <a16:creationId xmlns:a16="http://schemas.microsoft.com/office/drawing/2014/main" id="{4C34EBF7-38A8-4A20-B3F5-9A94454ADC76}"/>
+              </a:ext>
+            </a:extLst>
+          </p:cNvPr>
+          <p:cNvSpPr>
+            <a:spLocks noGrp="1"/>
+          </p:cNvSpPr>
+          <p:nvPr>
+            <p:ph type="title"/>
+          </p:nvPr>
+        </p:nvSpPr>
+        <p:spPr/>
+        <p:txBody>
+          <a:bodyPr>
+            <a:normAutofit fontScale="90000"/>
+          </a:bodyPr>
+          <a:lstStyle/>
+          <a:p>
+            <a:r>
+              <a:rPr lang="en-US" dirty="0"/>
+              <a:t>SSD</a:t>
+            </a:r>
+          </a:p>
+        </p:txBody>
+      </p:sp>
+      <p:sp>
+        <p:nvSpPr>
+          <p:cNvPr id="3" name="Text Placeholder 2">
+            <a:extLst>
+              <a:ext uri="{FF2B5EF4-FFF2-40B4-BE49-F238E27FC236}">
+                <a16:creationId xmlns:a16="http://schemas.microsoft.com/office/drawing/2014/main" id="{1C57A745-D25C-4477-8D48-8E1FBC7C1437}"/>
+              </a:ext>
+            </a:extLst>
+          </p:cNvPr>
+          <p:cNvSpPr>
+            <a:spLocks noGrp="1"/>
+          </p:cNvSpPr>
+          <p:nvPr>
+            <p:ph type="body" idx="1"/>
+          </p:nvPr>
+        </p:nvSpPr>
+        <p:spPr/>
+        <p:txBody>
+          <a:bodyPr/>
+          <a:lstStyle/>
+          <a:p>
+            <a:endParaRPr lang="en-US"/>
+          </a:p>
+        </p:txBody>
+      </p:sp>
+      <p:pic>
+        <p:nvPicPr>
+          <p:cNvPr id="5" name="Picture 4" descr="Table&#10;&#10;Description automatically generated">
+            <a:extLst>
+              <a:ext uri="{FF2B5EF4-FFF2-40B4-BE49-F238E27FC236}">
+                <a16:creationId xmlns:a16="http://schemas.microsoft.com/office/drawing/2014/main" id="{01F018C1-22AA-4213-8023-2016CD1A3CD9}"/>
+              </a:ext>
+            </a:extLst>
+          </p:cNvPr>
+          <p:cNvPicPr>
+            <a:picLocks noChangeAspect="1"/>
+          </p:cNvPicPr>
+          <p:nvPr/>
+        </p:nvPicPr>
+        <p:blipFill>
+          <a:blip r:embed="rId2"/>
+          <a:stretch>
+            <a:fillRect/>
+          </a:stretch>
+        </p:blipFill>
+        <p:spPr>
+          <a:xfrm>
+            <a:off x="3521673" y="1174773"/>
+            <a:ext cx="4892877" cy="2947061"/>
+          </a:xfrm>
+          <a:prstGeom prst="rect">
+            <a:avLst/>
+          </a:prstGeom>
+        </p:spPr>
+      </p:pic>
+    </p:spTree>
+    <p:extLst>
+      <p:ext uri="{BB962C8B-B14F-4D97-AF65-F5344CB8AC3E}">
+        <p14:creationId xmlns:p14="http://schemas.microsoft.com/office/powerpoint/2010/main" val="2864188593"/>
+      </p:ext>
+    </p:extLst>
+  </p:cSld>
+  <p:clrMapOvr>
+    <a:masterClrMapping/>
+  </p:clrMapOvr>
+</p:sld>
+</file>
+
+<file path=ppt/slides/slide13.xml><?xml version="1.0" encoding="utf-8"?>
+<p:sld xmlns:a="http://schemas.openxmlformats.org/drawingml/2006/main" xmlns:r="http://schemas.openxmlformats.org/officeDocument/2006/relationships" xmlns:p="http://schemas.openxmlformats.org/presentationml/2006/main">
+  <p:cSld>
+    <p:spTree>
+      <p:nvGrpSpPr>
+        <p:cNvPr id="1" name=""/>
+        <p:cNvGrpSpPr/>
+        <p:nvPr/>
+      </p:nvGrpSpPr>
+      <p:grpSpPr>
+        <a:xfrm>
+          <a:off x="0" y="0"/>
+          <a:ext cx="0" cy="0"/>
+          <a:chOff x="0" y="0"/>
+          <a:chExt cx="0" cy="0"/>
+        </a:xfrm>
+      </p:grpSpPr>
+      <p:sp>
+        <p:nvSpPr>
+          <p:cNvPr id="2" name="Title 1">
+            <a:extLst>
+              <a:ext uri="{FF2B5EF4-FFF2-40B4-BE49-F238E27FC236}">
+                <a16:creationId xmlns:a16="http://schemas.microsoft.com/office/drawing/2014/main" id="{654B28C5-46C1-4270-B964-B7980C75BF8B}"/>
+              </a:ext>
+            </a:extLst>
+          </p:cNvPr>
+          <p:cNvSpPr>
+            <a:spLocks noGrp="1"/>
+          </p:cNvSpPr>
+          <p:nvPr>
+            <p:ph type="title"/>
+          </p:nvPr>
+        </p:nvSpPr>
+        <p:spPr/>
+        <p:txBody>
+          <a:bodyPr>
+            <a:normAutofit fontScale="90000"/>
+          </a:bodyPr>
+          <a:lstStyle/>
+          <a:p>
+            <a:endParaRPr lang="en-US"/>
+          </a:p>
+        </p:txBody>
+      </p:sp>
+      <p:sp>
+        <p:nvSpPr>
+          <p:cNvPr id="3" name="Text Placeholder 2">
+            <a:extLst>
+              <a:ext uri="{FF2B5EF4-FFF2-40B4-BE49-F238E27FC236}">
+                <a16:creationId xmlns:a16="http://schemas.microsoft.com/office/drawing/2014/main" id="{48AFA443-8970-46D8-9963-B02A759458C5}"/>
+              </a:ext>
+            </a:extLst>
+          </p:cNvPr>
+          <p:cNvSpPr>
+            <a:spLocks noGrp="1"/>
+          </p:cNvSpPr>
+          <p:nvPr>
+            <p:ph type="body" idx="1"/>
+          </p:nvPr>
+        </p:nvSpPr>
+        <p:spPr/>
+        <p:txBody>
+          <a:bodyPr/>
+          <a:lstStyle/>
+          <a:p>
+            <a:endParaRPr lang="en-US"/>
+          </a:p>
+        </p:txBody>
+      </p:sp>
+      <p:pic>
+        <p:nvPicPr>
+          <p:cNvPr id="5" name="Picture 4" descr="Text, letter&#10;&#10;Description automatically generated">
+            <a:extLst>
+              <a:ext uri="{FF2B5EF4-FFF2-40B4-BE49-F238E27FC236}">
+                <a16:creationId xmlns:a16="http://schemas.microsoft.com/office/drawing/2014/main" id="{53371772-8C66-4023-9060-5006C2904BDB}"/>
+              </a:ext>
+            </a:extLst>
+          </p:cNvPr>
+          <p:cNvPicPr>
+            <a:picLocks noChangeAspect="1"/>
+          </p:cNvPicPr>
+          <p:nvPr/>
+        </p:nvPicPr>
+        <p:blipFill>
+          <a:blip r:embed="rId2"/>
+          <a:stretch>
+            <a:fillRect/>
+          </a:stretch>
+        </p:blipFill>
+        <p:spPr>
+          <a:xfrm>
+            <a:off x="725850" y="1821943"/>
+            <a:ext cx="3078737" cy="2935416"/>
+          </a:xfrm>
+          <a:prstGeom prst="rect">
+            <a:avLst/>
+          </a:prstGeom>
+        </p:spPr>
+      </p:pic>
+      <p:pic>
+        <p:nvPicPr>
+          <p:cNvPr id="7" name="Picture 6" descr="Graphical user interface, text, application&#10;&#10;Description automatically generated">
+            <a:extLst>
+              <a:ext uri="{FF2B5EF4-FFF2-40B4-BE49-F238E27FC236}">
+                <a16:creationId xmlns:a16="http://schemas.microsoft.com/office/drawing/2014/main" id="{EB311CCD-EA95-4047-B868-9B9485681BB4}"/>
+              </a:ext>
+            </a:extLst>
+          </p:cNvPr>
+          <p:cNvPicPr>
+            <a:picLocks noChangeAspect="1"/>
+          </p:cNvPicPr>
+          <p:nvPr/>
+        </p:nvPicPr>
+        <p:blipFill>
+          <a:blip r:embed="rId3"/>
+          <a:stretch>
+            <a:fillRect/>
+          </a:stretch>
+        </p:blipFill>
+        <p:spPr>
+          <a:xfrm>
+            <a:off x="4819507" y="701270"/>
+            <a:ext cx="3938280" cy="3552174"/>
+          </a:xfrm>
+          <a:prstGeom prst="rect">
+            <a:avLst/>
+          </a:prstGeom>
+        </p:spPr>
+      </p:pic>
+    </p:spTree>
+    <p:extLst>
+      <p:ext uri="{BB962C8B-B14F-4D97-AF65-F5344CB8AC3E}">
+        <p14:creationId xmlns:p14="http://schemas.microsoft.com/office/powerpoint/2010/main" val="1005931875"/>
+      </p:ext>
+    </p:extLst>
+  </p:cSld>
+  <p:clrMapOvr>
+    <a:masterClrMapping/>
+  </p:clrMapOvr>
+</p:sld>
+</file>
+
+<file path=ppt/slides/slide14.xml><?xml version="1.0" encoding="utf-8"?>
+<p:sld xmlns:a="http://schemas.openxmlformats.org/drawingml/2006/main" xmlns:r="http://schemas.openxmlformats.org/officeDocument/2006/relationships" xmlns:p="http://schemas.openxmlformats.org/presentationml/2006/main">
+  <p:cSld>
+    <p:spTree>
+      <p:nvGrpSpPr>
+        <p:cNvPr id="1" name="Shape 147"/>
         <p:cNvGrpSpPr/>
         <p:nvPr/>
       </p:nvGrpSpPr>
@@ -8406,7 +8901,9 @@
       <p:sp>
         <p:nvSpPr>
           <p:cNvPr id="148" name="Google Shape;148;p23"/>
-          <p:cNvSpPr txBox="1"/>
+          <p:cNvSpPr txBox="1">
+            <a:spLocks noGrp="1"/>
+          </p:cNvSpPr>
           <p:nvPr>
             <p:ph type="title"/>
           </p:nvPr>
@@ -8421,12 +8918,12 @@
           </a:prstGeom>
         </p:spPr>
         <p:txBody>
-          <a:bodyPr anchorCtr="0" anchor="t" bIns="91425" lIns="91425" spcFirstLastPara="1" rIns="91425" wrap="square" tIns="91425">
+          <a:bodyPr spcFirstLastPara="1" wrap="square" lIns="91425" tIns="91425" rIns="91425" bIns="91425" anchor="t" anchorCtr="0">
             <a:normAutofit fontScale="90000"/>
           </a:bodyPr>
           <a:lstStyle/>
           <a:p>
-            <a:pPr indent="0" lvl="0" marL="0" rtl="0" algn="l">
+            <a:pPr marL="0" lvl="0" indent="0" algn="l" rtl="0">
               <a:spcBef>
                 <a:spcPts val="0"/>
               </a:spcBef>
@@ -8446,9 +8943,11 @@
       <p:sp>
         <p:nvSpPr>
           <p:cNvPr id="149" name="Google Shape;149;p23"/>
-          <p:cNvSpPr txBox="1"/>
+          <p:cNvSpPr txBox="1">
+            <a:spLocks noGrp="1"/>
+          </p:cNvSpPr>
           <p:nvPr>
-            <p:ph idx="1" type="body"/>
+            <p:ph type="body" idx="1"/>
           </p:nvPr>
         </p:nvSpPr>
         <p:spPr>
@@ -8461,12 +8960,12 @@
           </a:prstGeom>
         </p:spPr>
         <p:txBody>
-          <a:bodyPr anchorCtr="0" anchor="t" bIns="91425" lIns="91425" spcFirstLastPara="1" rIns="91425" wrap="square" tIns="91425">
+          <a:bodyPr spcFirstLastPara="1" wrap="square" lIns="91425" tIns="91425" rIns="91425" bIns="91425" anchor="t" anchorCtr="0">
             <a:normAutofit/>
           </a:bodyPr>
           <a:lstStyle/>
           <a:p>
-            <a:pPr indent="0" lvl="0" marL="0" rtl="0" algn="l">
+            <a:pPr marL="0" lvl="0" indent="0" algn="l" rtl="0">
               <a:spcBef>
                 <a:spcPts val="0"/>
               </a:spcBef>
@@ -8475,13 +8974,10 @@
               </a:spcAft>
               <a:buNone/>
             </a:pPr>
-            <a:r>
-              <a:t/>
-            </a:r>
             <a:endParaRPr/>
           </a:p>
           <a:p>
-            <a:pPr indent="0" lvl="0" marL="0" rtl="0" algn="l">
+            <a:pPr marL="0" lvl="0" indent="0" algn="l" rtl="0">
               <a:spcBef>
                 <a:spcPts val="1200"/>
               </a:spcBef>
@@ -8490,9 +8986,6 @@
               </a:spcAft>
               <a:buNone/>
             </a:pPr>
-            <a:r>
-              <a:t/>
-            </a:r>
             <a:endParaRPr/>
           </a:p>
         </p:txBody>
@@ -8533,12 +9026,242 @@
 </p:sld>
 </file>
 
-<file path=ppt/slides/slide12.xml><?xml version="1.0" encoding="utf-8"?>
-<p:sld xmlns:a="http://schemas.openxmlformats.org/drawingml/2006/main" xmlns:r="http://schemas.openxmlformats.org/officeDocument/2006/relationships" xmlns:mc="http://schemas.openxmlformats.org/markup-compatibility/2006" xmlns:mv="urn:schemas-microsoft-com:mac:vml" xmlns:p="http://schemas.openxmlformats.org/presentationml/2006/main" xmlns:c="http://schemas.openxmlformats.org/drawingml/2006/chart" xmlns:dgm="http://schemas.openxmlformats.org/drawingml/2006/diagram" xmlns:o="urn:schemas-microsoft-com:office:office" xmlns:v="urn:schemas-microsoft-com:vml" xmlns:pvml="urn:schemas-microsoft-com:office:powerpoint" xmlns:com="http://schemas.openxmlformats.org/drawingml/2006/compatibility" xmlns:p14="http://schemas.microsoft.com/office/powerpoint/2010/main" xmlns:p15="http://schemas.microsoft.com/office/powerpoint/2012/main" xmlns:ahyp="http://schemas.microsoft.com/office/drawing/2018/hyperlinkcolor">
+<file path=ppt/slides/slide15.xml><?xml version="1.0" encoding="utf-8"?>
+<p:sld xmlns:a="http://schemas.openxmlformats.org/drawingml/2006/main" xmlns:r="http://schemas.openxmlformats.org/officeDocument/2006/relationships" xmlns:p="http://schemas.openxmlformats.org/presentationml/2006/main">
   <p:cSld>
     <p:spTree>
       <p:nvGrpSpPr>
-        <p:cNvPr id="154" name="Shape 154"/>
+        <p:cNvPr id="1" name=""/>
+        <p:cNvGrpSpPr/>
+        <p:nvPr/>
+      </p:nvGrpSpPr>
+      <p:grpSpPr>
+        <a:xfrm>
+          <a:off x="0" y="0"/>
+          <a:ext cx="0" cy="0"/>
+          <a:chOff x="0" y="0"/>
+          <a:chExt cx="0" cy="0"/>
+        </a:xfrm>
+      </p:grpSpPr>
+      <p:sp>
+        <p:nvSpPr>
+          <p:cNvPr id="2" name="Title 1">
+            <a:extLst>
+              <a:ext uri="{FF2B5EF4-FFF2-40B4-BE49-F238E27FC236}">
+                <a16:creationId xmlns:a16="http://schemas.microsoft.com/office/drawing/2014/main" id="{C22322FB-7257-407B-80EB-007F0B7B5A0D}"/>
+              </a:ext>
+            </a:extLst>
+          </p:cNvPr>
+          <p:cNvSpPr>
+            <a:spLocks noGrp="1"/>
+          </p:cNvSpPr>
+          <p:nvPr>
+            <p:ph type="title"/>
+          </p:nvPr>
+        </p:nvSpPr>
+        <p:spPr/>
+        <p:txBody>
+          <a:bodyPr>
+            <a:normAutofit fontScale="90000"/>
+          </a:bodyPr>
+          <a:lstStyle/>
+          <a:p>
+            <a:r>
+              <a:rPr lang="en-US" dirty="0"/>
+              <a:t>Gantt Diagram</a:t>
+            </a:r>
+          </a:p>
+        </p:txBody>
+      </p:sp>
+      <p:sp>
+        <p:nvSpPr>
+          <p:cNvPr id="3" name="Text Placeholder 2">
+            <a:extLst>
+              <a:ext uri="{FF2B5EF4-FFF2-40B4-BE49-F238E27FC236}">
+                <a16:creationId xmlns:a16="http://schemas.microsoft.com/office/drawing/2014/main" id="{562E844A-E0A9-4CC5-A1B4-E9ED49B6C042}"/>
+              </a:ext>
+            </a:extLst>
+          </p:cNvPr>
+          <p:cNvSpPr>
+            <a:spLocks noGrp="1"/>
+          </p:cNvSpPr>
+          <p:nvPr>
+            <p:ph type="body" idx="1"/>
+          </p:nvPr>
+        </p:nvSpPr>
+        <p:spPr/>
+        <p:txBody>
+          <a:bodyPr/>
+          <a:lstStyle/>
+          <a:p>
+            <a:endParaRPr lang="en-US"/>
+          </a:p>
+        </p:txBody>
+      </p:sp>
+      <p:pic>
+        <p:nvPicPr>
+          <p:cNvPr id="5" name="Picture 4" descr="Graphical user interface, application, table, Excel&#10;&#10;Description automatically generated">
+            <a:extLst>
+              <a:ext uri="{FF2B5EF4-FFF2-40B4-BE49-F238E27FC236}">
+                <a16:creationId xmlns:a16="http://schemas.microsoft.com/office/drawing/2014/main" id="{D0BE964C-A648-4C80-AABA-217C59509077}"/>
+              </a:ext>
+            </a:extLst>
+          </p:cNvPr>
+          <p:cNvPicPr>
+            <a:picLocks noChangeAspect="1"/>
+          </p:cNvPicPr>
+          <p:nvPr/>
+        </p:nvPicPr>
+        <p:blipFill>
+          <a:blip r:embed="rId2"/>
+          <a:stretch>
+            <a:fillRect/>
+          </a:stretch>
+        </p:blipFill>
+        <p:spPr>
+          <a:xfrm>
+            <a:off x="0" y="1858729"/>
+            <a:ext cx="9144000" cy="2214745"/>
+          </a:xfrm>
+          <a:prstGeom prst="rect">
+            <a:avLst/>
+          </a:prstGeom>
+        </p:spPr>
+      </p:pic>
+    </p:spTree>
+    <p:extLst>
+      <p:ext uri="{BB962C8B-B14F-4D97-AF65-F5344CB8AC3E}">
+        <p14:creationId xmlns:p14="http://schemas.microsoft.com/office/powerpoint/2010/main" val="2602676206"/>
+      </p:ext>
+    </p:extLst>
+  </p:cSld>
+  <p:clrMapOvr>
+    <a:masterClrMapping/>
+  </p:clrMapOvr>
+</p:sld>
+</file>
+
+<file path=ppt/slides/slide16.xml><?xml version="1.0" encoding="utf-8"?>
+<p:sld xmlns:a="http://schemas.openxmlformats.org/drawingml/2006/main" xmlns:r="http://schemas.openxmlformats.org/officeDocument/2006/relationships" xmlns:p="http://schemas.openxmlformats.org/presentationml/2006/main">
+  <p:cSld>
+    <p:spTree>
+      <p:nvGrpSpPr>
+        <p:cNvPr id="1" name=""/>
+        <p:cNvGrpSpPr/>
+        <p:nvPr/>
+      </p:nvGrpSpPr>
+      <p:grpSpPr>
+        <a:xfrm>
+          <a:off x="0" y="0"/>
+          <a:ext cx="0" cy="0"/>
+          <a:chOff x="0" y="0"/>
+          <a:chExt cx="0" cy="0"/>
+        </a:xfrm>
+      </p:grpSpPr>
+      <p:sp>
+        <p:nvSpPr>
+          <p:cNvPr id="2" name="Title 1">
+            <a:extLst>
+              <a:ext uri="{FF2B5EF4-FFF2-40B4-BE49-F238E27FC236}">
+                <a16:creationId xmlns:a16="http://schemas.microsoft.com/office/drawing/2014/main" id="{75A68F9A-C538-4BA6-A5C8-3E5DE96A2663}"/>
+              </a:ext>
+            </a:extLst>
+          </p:cNvPr>
+          <p:cNvSpPr>
+            <a:spLocks noGrp="1"/>
+          </p:cNvSpPr>
+          <p:nvPr>
+            <p:ph type="title"/>
+          </p:nvPr>
+        </p:nvSpPr>
+        <p:spPr/>
+        <p:txBody>
+          <a:bodyPr>
+            <a:normAutofit fontScale="90000"/>
+          </a:bodyPr>
+          <a:lstStyle/>
+          <a:p>
+            <a:r>
+              <a:rPr lang="en-US" dirty="0"/>
+              <a:t>Gantt Diagram</a:t>
+            </a:r>
+          </a:p>
+        </p:txBody>
+      </p:sp>
+      <p:sp>
+        <p:nvSpPr>
+          <p:cNvPr id="3" name="Text Placeholder 2">
+            <a:extLst>
+              <a:ext uri="{FF2B5EF4-FFF2-40B4-BE49-F238E27FC236}">
+                <a16:creationId xmlns:a16="http://schemas.microsoft.com/office/drawing/2014/main" id="{4B8FB0DF-2494-463C-A04D-D025FEB35FEA}"/>
+              </a:ext>
+            </a:extLst>
+          </p:cNvPr>
+          <p:cNvSpPr>
+            <a:spLocks noGrp="1"/>
+          </p:cNvSpPr>
+          <p:nvPr>
+            <p:ph type="body" idx="1"/>
+          </p:nvPr>
+        </p:nvSpPr>
+        <p:spPr/>
+        <p:txBody>
+          <a:bodyPr/>
+          <a:lstStyle/>
+          <a:p>
+            <a:endParaRPr lang="en-US"/>
+          </a:p>
+        </p:txBody>
+      </p:sp>
+      <p:pic>
+        <p:nvPicPr>
+          <p:cNvPr id="5" name="Picture 4">
+            <a:extLst>
+              <a:ext uri="{FF2B5EF4-FFF2-40B4-BE49-F238E27FC236}">
+                <a16:creationId xmlns:a16="http://schemas.microsoft.com/office/drawing/2014/main" id="{2E5BD1F1-E800-488F-B919-CDB3ACDA5681}"/>
+              </a:ext>
+            </a:extLst>
+          </p:cNvPr>
+          <p:cNvPicPr>
+            <a:picLocks noChangeAspect="1"/>
+          </p:cNvPicPr>
+          <p:nvPr/>
+        </p:nvPicPr>
+        <p:blipFill>
+          <a:blip r:embed="rId2"/>
+          <a:stretch>
+            <a:fillRect/>
+          </a:stretch>
+        </p:blipFill>
+        <p:spPr>
+          <a:xfrm>
+            <a:off x="0" y="2118521"/>
+            <a:ext cx="9144000" cy="906457"/>
+          </a:xfrm>
+          <a:prstGeom prst="rect">
+            <a:avLst/>
+          </a:prstGeom>
+        </p:spPr>
+      </p:pic>
+    </p:spTree>
+    <p:extLst>
+      <p:ext uri="{BB962C8B-B14F-4D97-AF65-F5344CB8AC3E}">
+        <p14:creationId xmlns:p14="http://schemas.microsoft.com/office/powerpoint/2010/main" val="2013831986"/>
+      </p:ext>
+    </p:extLst>
+  </p:cSld>
+  <p:clrMapOvr>
+    <a:masterClrMapping/>
+  </p:clrMapOvr>
+</p:sld>
+</file>
+
+<file path=ppt/slides/slide17.xml><?xml version="1.0" encoding="utf-8"?>
+<p:sld xmlns:a="http://schemas.openxmlformats.org/drawingml/2006/main" xmlns:r="http://schemas.openxmlformats.org/officeDocument/2006/relationships" xmlns:p="http://schemas.openxmlformats.org/presentationml/2006/main">
+  <p:cSld>
+    <p:spTree>
+      <p:nvGrpSpPr>
+        <p:cNvPr id="1" name="Shape 154"/>
         <p:cNvGrpSpPr/>
         <p:nvPr/>
       </p:nvGrpSpPr>
@@ -8553,7 +9276,9 @@
       <p:sp>
         <p:nvSpPr>
           <p:cNvPr id="155" name="Google Shape;155;p24"/>
-          <p:cNvSpPr txBox="1"/>
+          <p:cNvSpPr txBox="1">
+            <a:spLocks noGrp="1"/>
+          </p:cNvSpPr>
           <p:nvPr>
             <p:ph type="title"/>
           </p:nvPr>
@@ -8568,12 +9293,12 @@
           </a:prstGeom>
         </p:spPr>
         <p:txBody>
-          <a:bodyPr anchorCtr="0" anchor="t" bIns="91425" lIns="91425" spcFirstLastPara="1" rIns="91425" wrap="square" tIns="91425">
+          <a:bodyPr spcFirstLastPara="1" wrap="square" lIns="91425" tIns="91425" rIns="91425" bIns="91425" anchor="t" anchorCtr="0">
             <a:normAutofit fontScale="90000"/>
           </a:bodyPr>
           <a:lstStyle/>
           <a:p>
-            <a:pPr indent="0" lvl="0" marL="0" rtl="0" algn="l">
+            <a:pPr marL="0" lvl="0" indent="0" algn="l" rtl="0">
               <a:spcBef>
                 <a:spcPts val="0"/>
               </a:spcBef>
@@ -8593,9 +9318,11 @@
       <p:sp>
         <p:nvSpPr>
           <p:cNvPr id="156" name="Google Shape;156;p24"/>
-          <p:cNvSpPr txBox="1"/>
+          <p:cNvSpPr txBox="1">
+            <a:spLocks noGrp="1"/>
+          </p:cNvSpPr>
           <p:nvPr>
-            <p:ph idx="1" type="body"/>
+            <p:ph type="body" idx="1"/>
           </p:nvPr>
         </p:nvSpPr>
         <p:spPr>
@@ -8608,12 +9335,12 @@
           </a:prstGeom>
         </p:spPr>
         <p:txBody>
-          <a:bodyPr anchorCtr="0" anchor="t" bIns="91425" lIns="91425" spcFirstLastPara="1" rIns="91425" wrap="square" tIns="91425">
+          <a:bodyPr spcFirstLastPara="1" wrap="square" lIns="91425" tIns="91425" rIns="91425" bIns="91425" anchor="t" anchorCtr="0">
             <a:normAutofit/>
           </a:bodyPr>
           <a:lstStyle/>
           <a:p>
-            <a:pPr indent="0" lvl="0" marL="0" rtl="0" algn="l">
+            <a:pPr marL="0" lvl="0" indent="0" algn="l" rtl="0">
               <a:spcBef>
                 <a:spcPts val="0"/>
               </a:spcBef>
@@ -8634,7 +9361,7 @@
             <a:endParaRPr/>
           </a:p>
           <a:p>
-            <a:pPr indent="0" lvl="0" marL="0" rtl="0" algn="l">
+            <a:pPr marL="0" lvl="0" indent="0" algn="l" rtl="0">
               <a:spcBef>
                 <a:spcPts val="1200"/>
               </a:spcBef>
@@ -8655,7 +9382,7 @@
             <a:endParaRPr/>
           </a:p>
           <a:p>
-            <a:pPr indent="0" lvl="0" marL="0" rtl="0" algn="l">
+            <a:pPr marL="0" lvl="0" indent="0" algn="l" rtl="0">
               <a:spcBef>
                 <a:spcPts val="1200"/>
               </a:spcBef>
@@ -8664,9 +9391,6 @@
               </a:spcAft>
               <a:buNone/>
             </a:pPr>
-            <a:r>
-              <a:t/>
-            </a:r>
             <a:endParaRPr/>
           </a:p>
         </p:txBody>
@@ -8680,11 +9404,11 @@
 </file>
 
 <file path=ppt/slides/slide2.xml><?xml version="1.0" encoding="utf-8"?>
-<p:sld xmlns:a="http://schemas.openxmlformats.org/drawingml/2006/main" xmlns:r="http://schemas.openxmlformats.org/officeDocument/2006/relationships" xmlns:mc="http://schemas.openxmlformats.org/markup-compatibility/2006" xmlns:mv="urn:schemas-microsoft-com:mac:vml" xmlns:p="http://schemas.openxmlformats.org/presentationml/2006/main" xmlns:c="http://schemas.openxmlformats.org/drawingml/2006/chart" xmlns:dgm="http://schemas.openxmlformats.org/drawingml/2006/diagram" xmlns:o="urn:schemas-microsoft-com:office:office" xmlns:v="urn:schemas-microsoft-com:vml" xmlns:pvml="urn:schemas-microsoft-com:office:powerpoint" xmlns:com="http://schemas.openxmlformats.org/drawingml/2006/compatibility" xmlns:p14="http://schemas.microsoft.com/office/powerpoint/2010/main" xmlns:p15="http://schemas.microsoft.com/office/powerpoint/2012/main" xmlns:ahyp="http://schemas.microsoft.com/office/drawing/2018/hyperlinkcolor">
+<p:sld xmlns:a="http://schemas.openxmlformats.org/drawingml/2006/main" xmlns:r="http://schemas.openxmlformats.org/officeDocument/2006/relationships" xmlns:p="http://schemas.openxmlformats.org/presentationml/2006/main">
   <p:cSld>
     <p:spTree>
       <p:nvGrpSpPr>
-        <p:cNvPr id="91" name="Shape 91"/>
+        <p:cNvPr id="1" name="Shape 91"/>
         <p:cNvGrpSpPr/>
         <p:nvPr/>
       </p:nvGrpSpPr>
@@ -8699,7 +9423,9 @@
       <p:sp>
         <p:nvSpPr>
           <p:cNvPr id="92" name="Google Shape;92;p14"/>
-          <p:cNvSpPr txBox="1"/>
+          <p:cNvSpPr txBox="1">
+            <a:spLocks noGrp="1"/>
+          </p:cNvSpPr>
           <p:nvPr>
             <p:ph type="title"/>
           </p:nvPr>
@@ -8714,12 +9440,12 @@
           </a:prstGeom>
         </p:spPr>
         <p:txBody>
-          <a:bodyPr anchorCtr="0" anchor="t" bIns="91425" lIns="91425" spcFirstLastPara="1" rIns="91425" wrap="square" tIns="91425">
+          <a:bodyPr spcFirstLastPara="1" wrap="square" lIns="91425" tIns="91425" rIns="91425" bIns="91425" anchor="t" anchorCtr="0">
             <a:normAutofit fontScale="90000"/>
           </a:bodyPr>
           <a:lstStyle/>
           <a:p>
-            <a:pPr indent="0" lvl="0" marL="0" rtl="0" algn="l">
+            <a:pPr marL="0" lvl="0" indent="0" algn="l" rtl="0">
               <a:spcBef>
                 <a:spcPts val="0"/>
               </a:spcBef>
@@ -8756,12 +9482,12 @@
           </a:ln>
         </p:spPr>
         <p:txBody>
-          <a:bodyPr anchorCtr="0" anchor="t" bIns="91425" lIns="91425" spcFirstLastPara="1" rIns="91425" wrap="square" tIns="91425">
+          <a:bodyPr spcFirstLastPara="1" wrap="square" lIns="91425" tIns="91425" rIns="91425" bIns="91425" anchor="t" anchorCtr="0">
             <a:spAutoFit/>
           </a:bodyPr>
           <a:lstStyle/>
           <a:p>
-            <a:pPr indent="0" lvl="0" marL="0" rtl="0" algn="l">
+            <a:pPr marL="0" lvl="0" indent="0" algn="l" rtl="0">
               <a:lnSpc>
                 <a:spcPct val="200000"/>
               </a:lnSpc>
@@ -8790,7 +9516,7 @@
             </a:endParaRPr>
           </a:p>
           <a:p>
-            <a:pPr indent="0" lvl="0" marL="0" rtl="0" algn="l">
+            <a:pPr marL="0" lvl="0" indent="0" algn="l" rtl="0">
               <a:spcBef>
                 <a:spcPts val="0"/>
               </a:spcBef>
@@ -8799,9 +9525,6 @@
               </a:spcAft>
               <a:buNone/>
             </a:pPr>
-            <a:r>
-              <a:t/>
-            </a:r>
             <a:endParaRPr>
               <a:latin typeface="Lato"/>
               <a:ea typeface="Lato"/>
@@ -8820,11 +9543,11 @@
 </file>
 
 <file path=ppt/slides/slide3.xml><?xml version="1.0" encoding="utf-8"?>
-<p:sld xmlns:a="http://schemas.openxmlformats.org/drawingml/2006/main" xmlns:r="http://schemas.openxmlformats.org/officeDocument/2006/relationships" xmlns:mc="http://schemas.openxmlformats.org/markup-compatibility/2006" xmlns:mv="urn:schemas-microsoft-com:mac:vml" xmlns:p="http://schemas.openxmlformats.org/presentationml/2006/main" xmlns:c="http://schemas.openxmlformats.org/drawingml/2006/chart" xmlns:dgm="http://schemas.openxmlformats.org/drawingml/2006/diagram" xmlns:o="urn:schemas-microsoft-com:office:office" xmlns:v="urn:schemas-microsoft-com:vml" xmlns:pvml="urn:schemas-microsoft-com:office:powerpoint" xmlns:com="http://schemas.openxmlformats.org/drawingml/2006/compatibility" xmlns:p14="http://schemas.microsoft.com/office/powerpoint/2010/main" xmlns:p15="http://schemas.microsoft.com/office/powerpoint/2012/main" xmlns:ahyp="http://schemas.microsoft.com/office/drawing/2018/hyperlinkcolor">
+<p:sld xmlns:a="http://schemas.openxmlformats.org/drawingml/2006/main" xmlns:r="http://schemas.openxmlformats.org/officeDocument/2006/relationships" xmlns:p="http://schemas.openxmlformats.org/presentationml/2006/main">
   <p:cSld>
     <p:spTree>
       <p:nvGrpSpPr>
-        <p:cNvPr id="97" name="Shape 97"/>
+        <p:cNvPr id="1" name="Shape 97"/>
         <p:cNvGrpSpPr/>
         <p:nvPr/>
       </p:nvGrpSpPr>
@@ -8839,7 +9562,9 @@
       <p:sp>
         <p:nvSpPr>
           <p:cNvPr id="98" name="Google Shape;98;p15"/>
-          <p:cNvSpPr txBox="1"/>
+          <p:cNvSpPr txBox="1">
+            <a:spLocks noGrp="1"/>
+          </p:cNvSpPr>
           <p:nvPr>
             <p:ph type="title"/>
           </p:nvPr>
@@ -8854,12 +9579,12 @@
           </a:prstGeom>
         </p:spPr>
         <p:txBody>
-          <a:bodyPr anchorCtr="0" anchor="t" bIns="91425" lIns="91425" spcFirstLastPara="1" rIns="91425" wrap="square" tIns="91425">
+          <a:bodyPr spcFirstLastPara="1" wrap="square" lIns="91425" tIns="91425" rIns="91425" bIns="91425" anchor="t" anchorCtr="0">
             <a:normAutofit fontScale="90000"/>
           </a:bodyPr>
           <a:lstStyle/>
           <a:p>
-            <a:pPr indent="0" lvl="0" marL="0" rtl="0" algn="l">
+            <a:pPr marL="0" lvl="0" indent="0" algn="l" rtl="0">
               <a:spcBef>
                 <a:spcPts val="0"/>
               </a:spcBef>
@@ -8879,9 +9604,11 @@
       <p:sp>
         <p:nvSpPr>
           <p:cNvPr id="99" name="Google Shape;99;p15"/>
-          <p:cNvSpPr txBox="1"/>
+          <p:cNvSpPr txBox="1">
+            <a:spLocks noGrp="1"/>
+          </p:cNvSpPr>
           <p:nvPr>
-            <p:ph idx="1" type="body"/>
+            <p:ph type="body" idx="1"/>
           </p:nvPr>
         </p:nvSpPr>
         <p:spPr>
@@ -8894,12 +9621,12 @@
           </a:prstGeom>
         </p:spPr>
         <p:txBody>
-          <a:bodyPr anchorCtr="0" anchor="t" bIns="91425" lIns="91425" spcFirstLastPara="1" rIns="91425" wrap="square" tIns="91425">
+          <a:bodyPr spcFirstLastPara="1" wrap="square" lIns="91425" tIns="91425" rIns="91425" bIns="91425" anchor="t" anchorCtr="0">
             <a:normAutofit/>
           </a:bodyPr>
           <a:lstStyle/>
           <a:p>
-            <a:pPr indent="-311150" lvl="0" marL="457200" rtl="0" algn="l">
+            <a:pPr marL="457200" lvl="0" indent="-311150" algn="l" rtl="0">
               <a:spcBef>
                 <a:spcPts val="0"/>
               </a:spcBef>
@@ -8916,7 +9643,7 @@
             <a:endParaRPr/>
           </a:p>
           <a:p>
-            <a:pPr indent="-311150" lvl="0" marL="457200" rtl="0" algn="l">
+            <a:pPr marL="457200" lvl="0" indent="-311150" algn="l" rtl="0">
               <a:spcBef>
                 <a:spcPts val="0"/>
               </a:spcBef>
@@ -8933,7 +9660,7 @@
             <a:endParaRPr/>
           </a:p>
           <a:p>
-            <a:pPr indent="-311150" lvl="0" marL="457200" rtl="0" algn="l">
+            <a:pPr marL="457200" lvl="0" indent="-311150" algn="l" rtl="0">
               <a:spcBef>
                 <a:spcPts val="0"/>
               </a:spcBef>
@@ -8960,11 +9687,11 @@
 </file>
 
 <file path=ppt/slides/slide4.xml><?xml version="1.0" encoding="utf-8"?>
-<p:sld xmlns:a="http://schemas.openxmlformats.org/drawingml/2006/main" xmlns:r="http://schemas.openxmlformats.org/officeDocument/2006/relationships" xmlns:mc="http://schemas.openxmlformats.org/markup-compatibility/2006" xmlns:mv="urn:schemas-microsoft-com:mac:vml" xmlns:p="http://schemas.openxmlformats.org/presentationml/2006/main" xmlns:c="http://schemas.openxmlformats.org/drawingml/2006/chart" xmlns:dgm="http://schemas.openxmlformats.org/drawingml/2006/diagram" xmlns:o="urn:schemas-microsoft-com:office:office" xmlns:v="urn:schemas-microsoft-com:vml" xmlns:pvml="urn:schemas-microsoft-com:office:powerpoint" xmlns:com="http://schemas.openxmlformats.org/drawingml/2006/compatibility" xmlns:p14="http://schemas.microsoft.com/office/powerpoint/2010/main" xmlns:p15="http://schemas.microsoft.com/office/powerpoint/2012/main" xmlns:ahyp="http://schemas.microsoft.com/office/drawing/2018/hyperlinkcolor">
+<p:sld xmlns:a="http://schemas.openxmlformats.org/drawingml/2006/main" xmlns:r="http://schemas.openxmlformats.org/officeDocument/2006/relationships" xmlns:p="http://schemas.openxmlformats.org/presentationml/2006/main">
   <p:cSld>
     <p:spTree>
       <p:nvGrpSpPr>
-        <p:cNvPr id="103" name="Shape 103"/>
+        <p:cNvPr id="1" name="Shape 103"/>
         <p:cNvGrpSpPr/>
         <p:nvPr/>
       </p:nvGrpSpPr>
@@ -8979,7 +9706,9 @@
       <p:sp>
         <p:nvSpPr>
           <p:cNvPr id="104" name="Google Shape;104;p16"/>
-          <p:cNvSpPr txBox="1"/>
+          <p:cNvSpPr txBox="1">
+            <a:spLocks noGrp="1"/>
+          </p:cNvSpPr>
           <p:nvPr>
             <p:ph type="title"/>
           </p:nvPr>
@@ -8994,12 +9723,12 @@
           </a:prstGeom>
         </p:spPr>
         <p:txBody>
-          <a:bodyPr anchorCtr="0" anchor="t" bIns="91425" lIns="91425" spcFirstLastPara="1" rIns="91425" wrap="square" tIns="91425">
+          <a:bodyPr spcFirstLastPara="1" wrap="square" lIns="91425" tIns="91425" rIns="91425" bIns="91425" anchor="t" anchorCtr="0">
             <a:normAutofit fontScale="90000"/>
           </a:bodyPr>
           <a:lstStyle/>
           <a:p>
-            <a:pPr indent="0" lvl="0" marL="0" rtl="0" algn="l">
+            <a:pPr marL="0" lvl="0" indent="0" algn="l" rtl="0">
               <a:spcBef>
                 <a:spcPts val="0"/>
               </a:spcBef>
@@ -9053,11 +9782,11 @@
 </file>
 
 <file path=ppt/slides/slide5.xml><?xml version="1.0" encoding="utf-8"?>
-<p:sld xmlns:a="http://schemas.openxmlformats.org/drawingml/2006/main" xmlns:r="http://schemas.openxmlformats.org/officeDocument/2006/relationships" xmlns:mc="http://schemas.openxmlformats.org/markup-compatibility/2006" xmlns:mv="urn:schemas-microsoft-com:mac:vml" xmlns:p="http://schemas.openxmlformats.org/presentationml/2006/main" xmlns:c="http://schemas.openxmlformats.org/drawingml/2006/chart" xmlns:dgm="http://schemas.openxmlformats.org/drawingml/2006/diagram" xmlns:o="urn:schemas-microsoft-com:office:office" xmlns:v="urn:schemas-microsoft-com:vml" xmlns:pvml="urn:schemas-microsoft-com:office:powerpoint" xmlns:com="http://schemas.openxmlformats.org/drawingml/2006/compatibility" xmlns:p14="http://schemas.microsoft.com/office/powerpoint/2010/main" xmlns:p15="http://schemas.microsoft.com/office/powerpoint/2012/main" xmlns:ahyp="http://schemas.microsoft.com/office/drawing/2018/hyperlinkcolor">
+<p:sld xmlns:a="http://schemas.openxmlformats.org/drawingml/2006/main" xmlns:r="http://schemas.openxmlformats.org/officeDocument/2006/relationships" xmlns:p="http://schemas.openxmlformats.org/presentationml/2006/main">
   <p:cSld>
     <p:spTree>
       <p:nvGrpSpPr>
-        <p:cNvPr id="109" name="Shape 109"/>
+        <p:cNvPr id="1" name="Shape 109"/>
         <p:cNvGrpSpPr/>
         <p:nvPr/>
       </p:nvGrpSpPr>
@@ -9072,7 +9801,9 @@
       <p:sp>
         <p:nvSpPr>
           <p:cNvPr id="110" name="Google Shape;110;p17"/>
-          <p:cNvSpPr txBox="1"/>
+          <p:cNvSpPr txBox="1">
+            <a:spLocks noGrp="1"/>
+          </p:cNvSpPr>
           <p:nvPr>
             <p:ph type="title"/>
           </p:nvPr>
@@ -9087,12 +9818,12 @@
           </a:prstGeom>
         </p:spPr>
         <p:txBody>
-          <a:bodyPr anchorCtr="0" anchor="t" bIns="91425" lIns="91425" spcFirstLastPara="1" rIns="91425" wrap="square" tIns="91425">
+          <a:bodyPr spcFirstLastPara="1" wrap="square" lIns="91425" tIns="91425" rIns="91425" bIns="91425" anchor="t" anchorCtr="0">
             <a:normAutofit fontScale="90000"/>
           </a:bodyPr>
           <a:lstStyle/>
           <a:p>
-            <a:pPr indent="0" lvl="0" marL="0" rtl="0" algn="l">
+            <a:pPr marL="0" lvl="0" indent="0" algn="l" rtl="0">
               <a:spcBef>
                 <a:spcPts val="0"/>
               </a:spcBef>
@@ -9146,11 +9877,11 @@
 </file>
 
 <file path=ppt/slides/slide6.xml><?xml version="1.0" encoding="utf-8"?>
-<p:sld xmlns:a="http://schemas.openxmlformats.org/drawingml/2006/main" xmlns:r="http://schemas.openxmlformats.org/officeDocument/2006/relationships" xmlns:mc="http://schemas.openxmlformats.org/markup-compatibility/2006" xmlns:mv="urn:schemas-microsoft-com:mac:vml" xmlns:p="http://schemas.openxmlformats.org/presentationml/2006/main" xmlns:c="http://schemas.openxmlformats.org/drawingml/2006/chart" xmlns:dgm="http://schemas.openxmlformats.org/drawingml/2006/diagram" xmlns:o="urn:schemas-microsoft-com:office:office" xmlns:v="urn:schemas-microsoft-com:vml" xmlns:pvml="urn:schemas-microsoft-com:office:powerpoint" xmlns:com="http://schemas.openxmlformats.org/drawingml/2006/compatibility" xmlns:p14="http://schemas.microsoft.com/office/powerpoint/2010/main" xmlns:p15="http://schemas.microsoft.com/office/powerpoint/2012/main" xmlns:ahyp="http://schemas.microsoft.com/office/drawing/2018/hyperlinkcolor">
+<p:sld xmlns:a="http://schemas.openxmlformats.org/drawingml/2006/main" xmlns:r="http://schemas.openxmlformats.org/officeDocument/2006/relationships" xmlns:p="http://schemas.openxmlformats.org/presentationml/2006/main">
   <p:cSld>
     <p:spTree>
       <p:nvGrpSpPr>
-        <p:cNvPr id="115" name="Shape 115"/>
+        <p:cNvPr id="1" name="Shape 115"/>
         <p:cNvGrpSpPr/>
         <p:nvPr/>
       </p:nvGrpSpPr>
@@ -9165,7 +9896,9 @@
       <p:sp>
         <p:nvSpPr>
           <p:cNvPr id="116" name="Google Shape;116;p18"/>
-          <p:cNvSpPr txBox="1"/>
+          <p:cNvSpPr txBox="1">
+            <a:spLocks noGrp="1"/>
+          </p:cNvSpPr>
           <p:nvPr>
             <p:ph type="title"/>
           </p:nvPr>
@@ -9180,12 +9913,12 @@
           </a:prstGeom>
         </p:spPr>
         <p:txBody>
-          <a:bodyPr anchorCtr="0" anchor="t" bIns="91425" lIns="91425" spcFirstLastPara="1" rIns="91425" wrap="square" tIns="91425">
+          <a:bodyPr spcFirstLastPara="1" wrap="square" lIns="91425" tIns="91425" rIns="91425" bIns="91425" anchor="t" anchorCtr="0">
             <a:normAutofit fontScale="90000"/>
           </a:bodyPr>
           <a:lstStyle/>
           <a:p>
-            <a:pPr indent="0" lvl="0" marL="0" rtl="0" algn="l">
+            <a:pPr marL="0" lvl="0" indent="0" algn="l" rtl="0">
               <a:spcBef>
                 <a:spcPts val="0"/>
               </a:spcBef>
@@ -9239,11 +9972,11 @@
 </file>
 
 <file path=ppt/slides/slide7.xml><?xml version="1.0" encoding="utf-8"?>
-<p:sld xmlns:a="http://schemas.openxmlformats.org/drawingml/2006/main" xmlns:r="http://schemas.openxmlformats.org/officeDocument/2006/relationships" xmlns:mc="http://schemas.openxmlformats.org/markup-compatibility/2006" xmlns:mv="urn:schemas-microsoft-com:mac:vml" xmlns:p="http://schemas.openxmlformats.org/presentationml/2006/main" xmlns:c="http://schemas.openxmlformats.org/drawingml/2006/chart" xmlns:dgm="http://schemas.openxmlformats.org/drawingml/2006/diagram" xmlns:o="urn:schemas-microsoft-com:office:office" xmlns:v="urn:schemas-microsoft-com:vml" xmlns:pvml="urn:schemas-microsoft-com:office:powerpoint" xmlns:com="http://schemas.openxmlformats.org/drawingml/2006/compatibility" xmlns:p14="http://schemas.microsoft.com/office/powerpoint/2010/main" xmlns:p15="http://schemas.microsoft.com/office/powerpoint/2012/main" xmlns:ahyp="http://schemas.microsoft.com/office/drawing/2018/hyperlinkcolor">
+<p:sld xmlns:a="http://schemas.openxmlformats.org/drawingml/2006/main" xmlns:r="http://schemas.openxmlformats.org/officeDocument/2006/relationships" xmlns:p="http://schemas.openxmlformats.org/presentationml/2006/main">
   <p:cSld>
     <p:spTree>
       <p:nvGrpSpPr>
-        <p:cNvPr id="121" name="Shape 121"/>
+        <p:cNvPr id="1" name="Shape 121"/>
         <p:cNvGrpSpPr/>
         <p:nvPr/>
       </p:nvGrpSpPr>
@@ -9258,7 +9991,9 @@
       <p:sp>
         <p:nvSpPr>
           <p:cNvPr id="122" name="Google Shape;122;p19"/>
-          <p:cNvSpPr txBox="1"/>
+          <p:cNvSpPr txBox="1">
+            <a:spLocks noGrp="1"/>
+          </p:cNvSpPr>
           <p:nvPr>
             <p:ph type="title"/>
           </p:nvPr>
@@ -9273,12 +10008,12 @@
           </a:prstGeom>
         </p:spPr>
         <p:txBody>
-          <a:bodyPr anchorCtr="0" anchor="t" bIns="91425" lIns="91425" spcFirstLastPara="1" rIns="91425" wrap="square" tIns="91425">
+          <a:bodyPr spcFirstLastPara="1" wrap="square" lIns="91425" tIns="91425" rIns="91425" bIns="91425" anchor="t" anchorCtr="0">
             <a:normAutofit fontScale="90000"/>
           </a:bodyPr>
           <a:lstStyle/>
           <a:p>
-            <a:pPr indent="0" lvl="0" marL="0" rtl="0" algn="l">
+            <a:pPr marL="0" lvl="0" indent="0" algn="l" rtl="0">
               <a:spcBef>
                 <a:spcPts val="0"/>
               </a:spcBef>
@@ -9297,30 +10032,32 @@
       </p:sp>
       <p:pic>
         <p:nvPicPr>
-          <p:cNvPr id="123" name="Google Shape;123;p19"/>
-          <p:cNvPicPr preferRelativeResize="0"/>
+          <p:cNvPr id="3" name="Picture 2" descr="Diagram&#10;&#10;Description automatically generated">
+            <a:extLst>
+              <a:ext uri="{FF2B5EF4-FFF2-40B4-BE49-F238E27FC236}">
+                <a16:creationId xmlns:a16="http://schemas.microsoft.com/office/drawing/2014/main" id="{7054FDFF-EF4E-4660-889E-8898E6731B95}"/>
+              </a:ext>
+            </a:extLst>
+          </p:cNvPr>
+          <p:cNvPicPr>
+            <a:picLocks noChangeAspect="1"/>
+          </p:cNvPicPr>
           <p:nvPr/>
         </p:nvPicPr>
         <p:blipFill>
-          <a:blip r:embed="rId3">
-            <a:alphaModFix/>
-          </a:blip>
+          <a:blip r:embed="rId3"/>
           <a:stretch>
             <a:fillRect/>
           </a:stretch>
         </p:blipFill>
         <p:spPr>
           <a:xfrm>
-            <a:off x="2100897" y="798400"/>
-            <a:ext cx="6827725" cy="3812225"/>
+            <a:off x="3303687" y="488333"/>
+            <a:ext cx="5729428" cy="4719040"/>
           </a:xfrm>
           <a:prstGeom prst="rect">
             <a:avLst/>
           </a:prstGeom>
-          <a:noFill/>
-          <a:ln>
-            <a:noFill/>
-          </a:ln>
         </p:spPr>
       </p:pic>
     </p:spTree>
@@ -9332,11 +10069,11 @@
 </file>
 
 <file path=ppt/slides/slide8.xml><?xml version="1.0" encoding="utf-8"?>
-<p:sld xmlns:a="http://schemas.openxmlformats.org/drawingml/2006/main" xmlns:r="http://schemas.openxmlformats.org/officeDocument/2006/relationships" xmlns:mc="http://schemas.openxmlformats.org/markup-compatibility/2006" xmlns:mv="urn:schemas-microsoft-com:mac:vml" xmlns:p="http://schemas.openxmlformats.org/presentationml/2006/main" xmlns:c="http://schemas.openxmlformats.org/drawingml/2006/chart" xmlns:dgm="http://schemas.openxmlformats.org/drawingml/2006/diagram" xmlns:o="urn:schemas-microsoft-com:office:office" xmlns:v="urn:schemas-microsoft-com:vml" xmlns:pvml="urn:schemas-microsoft-com:office:powerpoint" xmlns:com="http://schemas.openxmlformats.org/drawingml/2006/compatibility" xmlns:p14="http://schemas.microsoft.com/office/powerpoint/2010/main" xmlns:p15="http://schemas.microsoft.com/office/powerpoint/2012/main" xmlns:ahyp="http://schemas.microsoft.com/office/drawing/2018/hyperlinkcolor">
+<p:sld xmlns:a="http://schemas.openxmlformats.org/drawingml/2006/main" xmlns:r="http://schemas.openxmlformats.org/officeDocument/2006/relationships" xmlns:p="http://schemas.openxmlformats.org/presentationml/2006/main">
   <p:cSld>
     <p:spTree>
       <p:nvGrpSpPr>
-        <p:cNvPr id="127" name="Shape 127"/>
+        <p:cNvPr id="1" name="Shape 127"/>
         <p:cNvGrpSpPr/>
         <p:nvPr/>
       </p:nvGrpSpPr>
@@ -9351,7 +10088,9 @@
       <p:sp>
         <p:nvSpPr>
           <p:cNvPr id="128" name="Google Shape;128;p20"/>
-          <p:cNvSpPr txBox="1"/>
+          <p:cNvSpPr txBox="1">
+            <a:spLocks noGrp="1"/>
+          </p:cNvSpPr>
           <p:nvPr>
             <p:ph type="title"/>
           </p:nvPr>
@@ -9366,12 +10105,12 @@
           </a:prstGeom>
         </p:spPr>
         <p:txBody>
-          <a:bodyPr anchorCtr="0" anchor="t" bIns="91425" lIns="91425" spcFirstLastPara="1" rIns="91425" wrap="square" tIns="91425">
+          <a:bodyPr spcFirstLastPara="1" wrap="square" lIns="91425" tIns="91425" rIns="91425" bIns="91425" anchor="t" anchorCtr="0">
             <a:normAutofit fontScale="90000"/>
           </a:bodyPr>
           <a:lstStyle/>
           <a:p>
-            <a:pPr indent="0" lvl="0" marL="0" rtl="0" algn="l">
+            <a:pPr marL="0" lvl="0" indent="0" algn="l" rtl="0">
               <a:spcBef>
                 <a:spcPts val="0"/>
               </a:spcBef>
@@ -9438,12 +10177,12 @@
           </a:ln>
         </p:spPr>
         <p:txBody>
-          <a:bodyPr anchorCtr="0" anchor="ctr" bIns="91425" lIns="91425" spcFirstLastPara="1" rIns="91425" wrap="square" tIns="91425">
+          <a:bodyPr spcFirstLastPara="1" wrap="square" lIns="91425" tIns="91425" rIns="91425" bIns="91425" anchor="ctr" anchorCtr="0">
             <a:noAutofit/>
           </a:bodyPr>
           <a:lstStyle/>
           <a:p>
-            <a:pPr indent="0" lvl="0" marL="0" rtl="0" algn="l">
+            <a:pPr marL="0" lvl="0" indent="0" algn="l" rtl="0">
               <a:spcBef>
                 <a:spcPts val="0"/>
               </a:spcBef>
@@ -9452,9 +10191,6 @@
               </a:spcAft>
               <a:buNone/>
             </a:pPr>
-            <a:r>
-              <a:t/>
-            </a:r>
             <a:endParaRPr/>
           </a:p>
         </p:txBody>
@@ -9468,11 +10204,11 @@
 </file>
 
 <file path=ppt/slides/slide9.xml><?xml version="1.0" encoding="utf-8"?>
-<p:sld xmlns:a="http://schemas.openxmlformats.org/drawingml/2006/main" xmlns:r="http://schemas.openxmlformats.org/officeDocument/2006/relationships" xmlns:mc="http://schemas.openxmlformats.org/markup-compatibility/2006" xmlns:mv="urn:schemas-microsoft-com:mac:vml" xmlns:p="http://schemas.openxmlformats.org/presentationml/2006/main" xmlns:c="http://schemas.openxmlformats.org/drawingml/2006/chart" xmlns:dgm="http://schemas.openxmlformats.org/drawingml/2006/diagram" xmlns:o="urn:schemas-microsoft-com:office:office" xmlns:v="urn:schemas-microsoft-com:vml" xmlns:pvml="urn:schemas-microsoft-com:office:powerpoint" xmlns:com="http://schemas.openxmlformats.org/drawingml/2006/compatibility" xmlns:p14="http://schemas.microsoft.com/office/powerpoint/2010/main" xmlns:p15="http://schemas.microsoft.com/office/powerpoint/2012/main" xmlns:ahyp="http://schemas.microsoft.com/office/drawing/2018/hyperlinkcolor">
+<p:sld xmlns:a="http://schemas.openxmlformats.org/drawingml/2006/main" xmlns:r="http://schemas.openxmlformats.org/officeDocument/2006/relationships" xmlns:p="http://schemas.openxmlformats.org/presentationml/2006/main">
   <p:cSld>
     <p:spTree>
       <p:nvGrpSpPr>
-        <p:cNvPr id="134" name="Shape 134"/>
+        <p:cNvPr id="1" name="Shape 134"/>
         <p:cNvGrpSpPr/>
         <p:nvPr/>
       </p:nvGrpSpPr>
@@ -9487,7 +10223,9 @@
       <p:sp>
         <p:nvSpPr>
           <p:cNvPr id="135" name="Google Shape;135;p21"/>
-          <p:cNvSpPr txBox="1"/>
+          <p:cNvSpPr txBox="1">
+            <a:spLocks noGrp="1"/>
+          </p:cNvSpPr>
           <p:nvPr>
             <p:ph type="title"/>
           </p:nvPr>
@@ -9502,12 +10240,12 @@
           </a:prstGeom>
         </p:spPr>
         <p:txBody>
-          <a:bodyPr anchorCtr="0" anchor="t" bIns="91425" lIns="91425" spcFirstLastPara="1" rIns="91425" wrap="square" tIns="91425">
+          <a:bodyPr spcFirstLastPara="1" wrap="square" lIns="91425" tIns="91425" rIns="91425" bIns="91425" anchor="t" anchorCtr="0">
             <a:normAutofit fontScale="90000"/>
           </a:bodyPr>
           <a:lstStyle/>
           <a:p>
-            <a:pPr indent="0" lvl="0" marL="0" rtl="0" algn="l">
+            <a:pPr marL="0" lvl="0" indent="0" algn="l" rtl="0">
               <a:spcBef>
                 <a:spcPts val="0"/>
               </a:spcBef>
@@ -9527,9 +10265,11 @@
       <p:sp>
         <p:nvSpPr>
           <p:cNvPr id="136" name="Google Shape;136;p21"/>
-          <p:cNvSpPr txBox="1"/>
+          <p:cNvSpPr txBox="1">
+            <a:spLocks noGrp="1"/>
+          </p:cNvSpPr>
           <p:nvPr>
-            <p:ph idx="1" type="body"/>
+            <p:ph type="body" idx="1"/>
           </p:nvPr>
         </p:nvSpPr>
         <p:spPr>
@@ -9542,12 +10282,12 @@
           </a:prstGeom>
         </p:spPr>
         <p:txBody>
-          <a:bodyPr anchorCtr="0" anchor="t" bIns="91425" lIns="91425" spcFirstLastPara="1" rIns="91425" wrap="square" tIns="91425">
+          <a:bodyPr spcFirstLastPara="1" wrap="square" lIns="91425" tIns="91425" rIns="91425" bIns="91425" anchor="t" anchorCtr="0">
             <a:normAutofit/>
           </a:bodyPr>
           <a:lstStyle/>
           <a:p>
-            <a:pPr indent="0" lvl="0" marL="0" rtl="0" algn="l">
+            <a:pPr marL="0" lvl="0" indent="0" algn="l" rtl="0">
               <a:spcBef>
                 <a:spcPts val="0"/>
               </a:spcBef>
@@ -9556,39 +10296,38 @@
               </a:spcAft>
               <a:buNone/>
             </a:pPr>
-            <a:r>
-              <a:t/>
-            </a:r>
             <a:endParaRPr/>
           </a:p>
         </p:txBody>
       </p:sp>
       <p:pic>
         <p:nvPicPr>
-          <p:cNvPr id="137" name="Google Shape;137;p21"/>
-          <p:cNvPicPr preferRelativeResize="0"/>
+          <p:cNvPr id="3" name="Picture 2" descr="Diagram&#10;&#10;Description automatically generated">
+            <a:extLst>
+              <a:ext uri="{FF2B5EF4-FFF2-40B4-BE49-F238E27FC236}">
+                <a16:creationId xmlns:a16="http://schemas.microsoft.com/office/drawing/2014/main" id="{B6134A89-B487-4BEF-854E-048AE1E27C9D}"/>
+              </a:ext>
+            </a:extLst>
+          </p:cNvPr>
+          <p:cNvPicPr>
+            <a:picLocks noChangeAspect="1"/>
+          </p:cNvPicPr>
           <p:nvPr/>
         </p:nvPicPr>
         <p:blipFill>
-          <a:blip r:embed="rId3">
-            <a:alphaModFix/>
-          </a:blip>
+          <a:blip r:embed="rId3"/>
           <a:stretch>
             <a:fillRect/>
           </a:stretch>
         </p:blipFill>
         <p:spPr>
           <a:xfrm>
-            <a:off x="3235824" y="553100"/>
-            <a:ext cx="5692803" cy="4413528"/>
+            <a:off x="3067680" y="484095"/>
+            <a:ext cx="5681001" cy="4450976"/>
           </a:xfrm>
           <a:prstGeom prst="rect">
             <a:avLst/>
           </a:prstGeom>
-          <a:noFill/>
-          <a:ln>
-            <a:noFill/>
-          </a:ln>
         </p:spPr>
       </p:pic>
     </p:spTree>
@@ -9600,7 +10339,7 @@
 </file>
 
 <file path=ppt/theme/theme1.xml><?xml version="1.0" encoding="utf-8"?>
-<a:theme xmlns:a="http://schemas.openxmlformats.org/drawingml/2006/main" xmlns:r="http://schemas.openxmlformats.org/officeDocument/2006/relationships" name="Streamline">
+<a:theme xmlns:a="http://schemas.openxmlformats.org/drawingml/2006/main" name="Streamline">
   <a:themeElements>
     <a:clrScheme name="Streamline">
       <a:dk1>
@@ -9875,11 +10614,13 @@
       </a:bgFillStyleLst>
     </a:fmtScheme>
   </a:themeElements>
+  <a:objectDefaults/>
+  <a:extraClrSchemeLst/>
 </a:theme>
 </file>
 
 <file path=ppt/theme/theme2.xml><?xml version="1.0" encoding="utf-8"?>
-<a:theme xmlns:a="http://schemas.openxmlformats.org/drawingml/2006/main" xmlns:r="http://schemas.openxmlformats.org/officeDocument/2006/relationships">
+<a:theme xmlns:a="http://schemas.openxmlformats.org/drawingml/2006/main">
   <a:themeElements>
     <a:clrScheme name="Default">
       <a:dk1>
@@ -10154,5 +10895,7 @@
       </a:bgFillStyleLst>
     </a:fmtScheme>
   </a:themeElements>
+  <a:objectDefaults/>
+  <a:extraClrSchemeLst/>
 </a:theme>
 </file>